--- a/docs/graduaatsproef_presentatie.pptx
+++ b/docs/graduaatsproef_presentatie.pptx
@@ -12,9 +12,9 @@
     <p:sldId id="261" r:id="rId3"/>
     <p:sldId id="262" r:id="rId4"/>
     <p:sldId id="263" r:id="rId5"/>
-    <p:sldId id="265" r:id="rId6"/>
-    <p:sldId id="266" r:id="rId7"/>
-    <p:sldId id="267" r:id="rId8"/>
+    <p:sldId id="266" r:id="rId6"/>
+    <p:sldId id="267" r:id="rId7"/>
+    <p:sldId id="265" r:id="rId8"/>
     <p:sldId id="264" r:id="rId9"/>
     <p:sldId id="260" r:id="rId10"/>
   </p:sldIdLst>
@@ -208,7 +208,7 @@
           <a:p>
             <a:fld id="{1608E322-CB26-4988-8AFC-23BFFE53924A}" type="datetimeFigureOut">
               <a:rPr lang="en-US" smtClean="0"/>
-              <a:t>6/11/2023</a:t>
+              <a:t>6/12/2023</a:t>
             </a:fld>
             <a:endParaRPr lang="en-US"/>
           </a:p>
@@ -519,78 +519,7 @@
           <a:bodyPr/>
           <a:lstStyle/>
           <a:p>
-            <a:r>
-              <a:rPr lang="en-US" dirty="0" err="1"/>
-              <a:t>Keuzes</a:t>
-            </a:r>
-            <a:r>
-              <a:rPr lang="en-US" dirty="0"/>
-              <a:t>: </a:t>
-            </a:r>
-            <a:r>
-              <a:rPr lang="en-US" dirty="0" err="1"/>
-              <a:t>Iets</a:t>
-            </a:r>
-            <a:r>
-              <a:rPr lang="en-US" dirty="0"/>
-              <a:t> </a:t>
-            </a:r>
-            <a:r>
-              <a:rPr lang="en-US" dirty="0" err="1"/>
-              <a:t>zeggen</a:t>
-            </a:r>
-            <a:r>
-              <a:rPr lang="en-US" dirty="0"/>
-              <a:t> over, Qt Widgets, Qt Designer, Qt5… om </a:t>
-            </a:r>
-            <a:r>
-              <a:rPr lang="en-US" dirty="0" err="1"/>
-              <a:t>te</a:t>
-            </a:r>
-            <a:r>
-              <a:rPr lang="en-US" dirty="0"/>
-              <a:t> </a:t>
-            </a:r>
-            <a:r>
-              <a:rPr lang="en-US" dirty="0" err="1"/>
-              <a:t>kaderen</a:t>
-            </a:r>
-            <a:r>
-              <a:rPr lang="en-US" dirty="0"/>
-              <a:t> </a:t>
-            </a:r>
-            <a:r>
-              <a:rPr lang="en-US" dirty="0" err="1"/>
-              <a:t>waarom</a:t>
-            </a:r>
-            <a:r>
-              <a:rPr lang="en-US" dirty="0"/>
-              <a:t> we </a:t>
-            </a:r>
-            <a:r>
-              <a:rPr lang="en-US" dirty="0" err="1"/>
-              <a:t>kiezen</a:t>
-            </a:r>
-            <a:r>
-              <a:rPr lang="en-US" dirty="0"/>
-              <a:t> </a:t>
-            </a:r>
-            <a:r>
-              <a:rPr lang="en-US" dirty="0" err="1"/>
-              <a:t>voor</a:t>
-            </a:r>
-            <a:r>
-              <a:rPr lang="en-US" dirty="0"/>
-              <a:t> Qt Quick (QML), Qt6 </a:t>
-            </a:r>
-            <a:r>
-              <a:rPr lang="en-US" dirty="0" err="1"/>
-              <a:t>en</a:t>
-            </a:r>
-            <a:r>
-              <a:rPr lang="en-US" dirty="0"/>
-              <a:t> de Qt Creator</a:t>
-            </a:r>
+            <a:endParaRPr lang="en-US" dirty="0"/>
           </a:p>
         </p:txBody>
       </p:sp>
@@ -611,6 +540,330 @@
           <a:p>
             <a:fld id="{47FAD91B-1286-412D-9CCB-5E29626FF841}" type="slidenum">
               <a:rPr lang="en-US" smtClean="0"/>
+              <a:t>1</a:t>
+            </a:fld>
+            <a:endParaRPr lang="en-US"/>
+          </a:p>
+        </p:txBody>
+      </p:sp>
+    </p:spTree>
+    <p:extLst>
+      <p:ext uri="{BB962C8B-B14F-4D97-AF65-F5344CB8AC3E}">
+        <p14:creationId xmlns:p14="http://schemas.microsoft.com/office/powerpoint/2010/main" val="3991102111"/>
+      </p:ext>
+    </p:extLst>
+  </p:cSld>
+  <p:clrMapOvr>
+    <a:masterClrMapping/>
+  </p:clrMapOvr>
+</p:notes>
+</file>
+
+<file path=ppt/notesSlides/notesSlide2.xml><?xml version="1.0" encoding="utf-8"?>
+<p:notes xmlns:a="http://schemas.openxmlformats.org/drawingml/2006/main" xmlns:r="http://schemas.openxmlformats.org/officeDocument/2006/relationships" xmlns:p="http://schemas.openxmlformats.org/presentationml/2006/main">
+  <p:cSld>
+    <p:spTree>
+      <p:nvGrpSpPr>
+        <p:cNvPr id="1" name=""/>
+        <p:cNvGrpSpPr/>
+        <p:nvPr/>
+      </p:nvGrpSpPr>
+      <p:grpSpPr>
+        <a:xfrm>
+          <a:off x="0" y="0"/>
+          <a:ext cx="0" cy="0"/>
+          <a:chOff x="0" y="0"/>
+          <a:chExt cx="0" cy="0"/>
+        </a:xfrm>
+      </p:grpSpPr>
+      <p:sp>
+        <p:nvSpPr>
+          <p:cNvPr id="2" name="Slide Image Placeholder 1"/>
+          <p:cNvSpPr>
+            <a:spLocks noGrp="1" noRot="1" noChangeAspect="1"/>
+          </p:cNvSpPr>
+          <p:nvPr>
+            <p:ph type="sldImg"/>
+          </p:nvPr>
+        </p:nvSpPr>
+        <p:spPr/>
+      </p:sp>
+      <p:sp>
+        <p:nvSpPr>
+          <p:cNvPr id="3" name="Notes Placeholder 2"/>
+          <p:cNvSpPr>
+            <a:spLocks noGrp="1"/>
+          </p:cNvSpPr>
+          <p:nvPr>
+            <p:ph type="body" idx="1"/>
+          </p:nvPr>
+        </p:nvSpPr>
+        <p:spPr/>
+        <p:txBody>
+          <a:bodyPr/>
+          <a:lstStyle/>
+          <a:p>
+            <a:r>
+              <a:rPr lang="en-US" dirty="0" err="1"/>
+              <a:t>Historiek</a:t>
+            </a:r>
+            <a:r>
+              <a:rPr lang="en-US" dirty="0"/>
+              <a:t>: troll tech, </a:t>
+            </a:r>
+            <a:r>
+              <a:rPr lang="en-US" dirty="0" err="1"/>
+              <a:t>noren</a:t>
+            </a:r>
+            <a:r>
+              <a:rPr lang="en-US" dirty="0"/>
+              <a:t>, </a:t>
+            </a:r>
+            <a:r>
+              <a:rPr lang="en-US" dirty="0" err="1"/>
+              <a:t>nokia</a:t>
+            </a:r>
+            <a:r>
+              <a:rPr lang="en-US" dirty="0"/>
+              <a:t>, </a:t>
+            </a:r>
+            <a:r>
+              <a:rPr lang="en-US" dirty="0" err="1"/>
+              <a:t>beursgang</a:t>
+            </a:r>
+            <a:endParaRPr lang="en-US" dirty="0"/>
+          </a:p>
+          <a:p>
+            <a:r>
+              <a:rPr lang="en-US" dirty="0"/>
+              <a:t>Qt Core, QML, Qt Widgets, Qt Designer, Qt Creator</a:t>
+            </a:r>
+          </a:p>
+          <a:p>
+            <a:r>
+              <a:rPr lang="en-US" dirty="0"/>
+              <a:t>Signals &amp; slots: Observer design pattern. Met </a:t>
+            </a:r>
+            <a:r>
+              <a:rPr lang="en-US" dirty="0" err="1"/>
+              <a:t>QObject</a:t>
+            </a:r>
+            <a:r>
+              <a:rPr lang="en-US" dirty="0"/>
+              <a:t>::connect </a:t>
+            </a:r>
+            <a:r>
+              <a:rPr lang="en-US" dirty="0" err="1"/>
+              <a:t>schrijf</a:t>
+            </a:r>
+            <a:r>
+              <a:rPr lang="en-US" dirty="0"/>
+              <a:t> je </a:t>
+            </a:r>
+            <a:r>
+              <a:rPr lang="en-US" dirty="0" err="1"/>
+              <a:t>je</a:t>
+            </a:r>
+            <a:r>
+              <a:rPr lang="en-US" dirty="0"/>
+              <a:t> in op </a:t>
+            </a:r>
+            <a:r>
+              <a:rPr lang="en-US" dirty="0" err="1"/>
+              <a:t>veranderingen</a:t>
+            </a:r>
+            <a:r>
+              <a:rPr lang="en-US" dirty="0"/>
+              <a:t> die </a:t>
+            </a:r>
+            <a:r>
+              <a:rPr lang="en-US" dirty="0" err="1"/>
+              <a:t>plaats</a:t>
+            </a:r>
+            <a:r>
+              <a:rPr lang="en-US" dirty="0"/>
+              <a:t> </a:t>
+            </a:r>
+            <a:r>
+              <a:rPr lang="en-US" dirty="0" err="1"/>
+              <a:t>vinden</a:t>
+            </a:r>
+            <a:r>
+              <a:rPr lang="en-US" dirty="0"/>
+              <a:t> </a:t>
+            </a:r>
+            <a:r>
+              <a:rPr lang="en-US" dirty="0" err="1"/>
+              <a:t>binnen</a:t>
+            </a:r>
+            <a:r>
+              <a:rPr lang="en-US" dirty="0"/>
+              <a:t> </a:t>
+            </a:r>
+            <a:r>
+              <a:rPr lang="en-US" dirty="0" err="1"/>
+              <a:t>een</a:t>
+            </a:r>
+            <a:r>
+              <a:rPr lang="en-US" dirty="0"/>
+              <a:t> object, </a:t>
+            </a:r>
+            <a:r>
+              <a:rPr lang="en-US" dirty="0" err="1"/>
+              <a:t>bv</a:t>
+            </a:r>
+            <a:r>
+              <a:rPr lang="en-US" dirty="0"/>
+              <a:t> </a:t>
+            </a:r>
+            <a:r>
+              <a:rPr lang="en-US" dirty="0" err="1"/>
+              <a:t>een</a:t>
+            </a:r>
+            <a:r>
+              <a:rPr lang="en-US" dirty="0"/>
+              <a:t> dataset (list van items). Je </a:t>
+            </a:r>
+            <a:r>
+              <a:rPr lang="en-US" dirty="0" err="1"/>
+              <a:t>kiest</a:t>
+            </a:r>
+            <a:r>
+              <a:rPr lang="en-US" dirty="0"/>
+              <a:t> het signal </a:t>
+            </a:r>
+            <a:r>
+              <a:rPr lang="en-US" dirty="0" err="1"/>
+              <a:t>waarop</a:t>
+            </a:r>
+            <a:r>
+              <a:rPr lang="en-US" dirty="0"/>
+              <a:t> je </a:t>
+            </a:r>
+            <a:r>
+              <a:rPr lang="en-US" dirty="0" err="1"/>
+              <a:t>je</a:t>
+            </a:r>
+            <a:r>
+              <a:rPr lang="en-US" dirty="0"/>
+              <a:t> </a:t>
+            </a:r>
+            <a:r>
+              <a:rPr lang="en-US" dirty="0" err="1"/>
+              <a:t>wil</a:t>
+            </a:r>
+            <a:r>
+              <a:rPr lang="en-US" dirty="0"/>
+              <a:t> </a:t>
+            </a:r>
+            <a:r>
+              <a:rPr lang="en-US" dirty="0" err="1"/>
+              <a:t>inschrijven</a:t>
+            </a:r>
+            <a:r>
+              <a:rPr lang="en-US" dirty="0"/>
+              <a:t> </a:t>
+            </a:r>
+            <a:r>
+              <a:rPr lang="en-US" dirty="0" err="1"/>
+              <a:t>en</a:t>
+            </a:r>
+            <a:r>
+              <a:rPr lang="en-US" dirty="0"/>
+              <a:t> </a:t>
+            </a:r>
+            <a:r>
+              <a:rPr lang="en-US" dirty="0" err="1"/>
+              <a:t>koppelt</a:t>
+            </a:r>
+            <a:r>
+              <a:rPr lang="en-US" dirty="0"/>
+              <a:t> </a:t>
+            </a:r>
+            <a:r>
+              <a:rPr lang="en-US" dirty="0" err="1"/>
+              <a:t>daar</a:t>
+            </a:r>
+            <a:r>
+              <a:rPr lang="en-US" dirty="0"/>
+              <a:t> </a:t>
+            </a:r>
+            <a:r>
+              <a:rPr lang="en-US" dirty="0" err="1"/>
+              <a:t>een</a:t>
+            </a:r>
+            <a:r>
+              <a:rPr lang="en-US" dirty="0"/>
+              <a:t> slot </a:t>
+            </a:r>
+            <a:r>
+              <a:rPr lang="en-US" dirty="0" err="1"/>
+              <a:t>aan</a:t>
+            </a:r>
+            <a:r>
+              <a:rPr lang="en-US" dirty="0"/>
+              <a:t>, </a:t>
+            </a:r>
+            <a:r>
+              <a:rPr lang="en-US" dirty="0" err="1"/>
+              <a:t>een</a:t>
+            </a:r>
+            <a:r>
+              <a:rPr lang="en-US" dirty="0"/>
+              <a:t> </a:t>
+            </a:r>
+            <a:r>
+              <a:rPr lang="en-US" dirty="0" err="1"/>
+              <a:t>methode</a:t>
+            </a:r>
+            <a:r>
+              <a:rPr lang="en-US" dirty="0"/>
+              <a:t> die </a:t>
+            </a:r>
+            <a:r>
+              <a:rPr lang="en-US" dirty="0" err="1"/>
+              <a:t>een</a:t>
+            </a:r>
+            <a:r>
+              <a:rPr lang="en-US" dirty="0"/>
+              <a:t> </a:t>
+            </a:r>
+            <a:r>
+              <a:rPr lang="en-US" dirty="0" err="1"/>
+              <a:t>actie</a:t>
+            </a:r>
+            <a:r>
+              <a:rPr lang="en-US" dirty="0"/>
+              <a:t> </a:t>
+            </a:r>
+            <a:r>
+              <a:rPr lang="en-US" dirty="0" err="1"/>
+              <a:t>uitvoert</a:t>
+            </a:r>
+            <a:r>
+              <a:rPr lang="en-US" dirty="0"/>
+              <a:t>.</a:t>
+            </a:r>
+          </a:p>
+        </p:txBody>
+      </p:sp>
+      <p:sp>
+        <p:nvSpPr>
+          <p:cNvPr id="4" name="Slide Number Placeholder 3"/>
+          <p:cNvSpPr>
+            <a:spLocks noGrp="1"/>
+          </p:cNvSpPr>
+          <p:nvPr>
+            <p:ph type="sldNum" sz="quarter" idx="5"/>
+          </p:nvPr>
+        </p:nvSpPr>
+        <p:spPr/>
+        <p:txBody>
+          <a:bodyPr/>
+          <a:lstStyle/>
+          <a:p>
+            <a:fld id="{47FAD91B-1286-412D-9CCB-5E29626FF841}" type="slidenum">
+              <a:rPr lang="en-US" smtClean="0"/>
               <a:t>4</a:t>
             </a:fld>
             <a:endParaRPr lang="en-US"/>
@@ -621,6 +874,840 @@
     <p:extLst>
       <p:ext uri="{BB962C8B-B14F-4D97-AF65-F5344CB8AC3E}">
         <p14:creationId xmlns:p14="http://schemas.microsoft.com/office/powerpoint/2010/main" val="3840174074"/>
+      </p:ext>
+    </p:extLst>
+  </p:cSld>
+  <p:clrMapOvr>
+    <a:masterClrMapping/>
+  </p:clrMapOvr>
+</p:notes>
+</file>
+
+<file path=ppt/notesSlides/notesSlide3.xml><?xml version="1.0" encoding="utf-8"?>
+<p:notes xmlns:a="http://schemas.openxmlformats.org/drawingml/2006/main" xmlns:r="http://schemas.openxmlformats.org/officeDocument/2006/relationships" xmlns:p="http://schemas.openxmlformats.org/presentationml/2006/main">
+  <p:cSld>
+    <p:spTree>
+      <p:nvGrpSpPr>
+        <p:cNvPr id="1" name=""/>
+        <p:cNvGrpSpPr/>
+        <p:nvPr/>
+      </p:nvGrpSpPr>
+      <p:grpSpPr>
+        <a:xfrm>
+          <a:off x="0" y="0"/>
+          <a:ext cx="0" cy="0"/>
+          <a:chOff x="0" y="0"/>
+          <a:chExt cx="0" cy="0"/>
+        </a:xfrm>
+      </p:grpSpPr>
+      <p:sp>
+        <p:nvSpPr>
+          <p:cNvPr id="2" name="Slide Image Placeholder 1"/>
+          <p:cNvSpPr>
+            <a:spLocks noGrp="1" noRot="1" noChangeAspect="1"/>
+          </p:cNvSpPr>
+          <p:nvPr>
+            <p:ph type="sldImg"/>
+          </p:nvPr>
+        </p:nvSpPr>
+        <p:spPr/>
+      </p:sp>
+      <p:sp>
+        <p:nvSpPr>
+          <p:cNvPr id="3" name="Notes Placeholder 2"/>
+          <p:cNvSpPr>
+            <a:spLocks noGrp="1"/>
+          </p:cNvSpPr>
+          <p:nvPr>
+            <p:ph type="body" idx="1"/>
+          </p:nvPr>
+        </p:nvSpPr>
+        <p:spPr/>
+        <p:txBody>
+          <a:bodyPr/>
+          <a:lstStyle/>
+          <a:p>
+            <a:r>
+              <a:rPr lang="en-US" dirty="0"/>
+              <a:t>We </a:t>
+            </a:r>
+            <a:r>
+              <a:rPr lang="en-US" dirty="0" err="1"/>
+              <a:t>gebruiken</a:t>
+            </a:r>
+            <a:r>
+              <a:rPr lang="en-US" dirty="0"/>
+              <a:t> Qt in Python, </a:t>
+            </a:r>
+            <a:r>
+              <a:rPr lang="en-US" dirty="0" err="1"/>
+              <a:t>niet</a:t>
+            </a:r>
+            <a:r>
+              <a:rPr lang="en-US" dirty="0"/>
+              <a:t> </a:t>
+            </a:r>
+            <a:r>
+              <a:rPr lang="en-US" dirty="0" err="1"/>
+              <a:t>omgekeerd</a:t>
+            </a:r>
+            <a:r>
+              <a:rPr lang="en-US" dirty="0"/>
+              <a:t>. </a:t>
+            </a:r>
+            <a:r>
+              <a:rPr lang="en-US" dirty="0" err="1"/>
+              <a:t>Dit</a:t>
+            </a:r>
+            <a:r>
+              <a:rPr lang="en-US" dirty="0"/>
+              <a:t> </a:t>
+            </a:r>
+            <a:r>
+              <a:rPr lang="en-US" dirty="0" err="1"/>
+              <a:t>verlaagt</a:t>
+            </a:r>
+            <a:r>
+              <a:rPr lang="en-US" dirty="0"/>
+              <a:t> de </a:t>
+            </a:r>
+            <a:r>
+              <a:rPr lang="en-US" dirty="0" err="1"/>
+              <a:t>drempel</a:t>
+            </a:r>
+            <a:r>
+              <a:rPr lang="en-US" dirty="0"/>
+              <a:t> want je </a:t>
+            </a:r>
+            <a:r>
+              <a:rPr lang="en-US" dirty="0" err="1"/>
+              <a:t>blijft</a:t>
+            </a:r>
+            <a:r>
+              <a:rPr lang="en-US" dirty="0"/>
+              <a:t> </a:t>
+            </a:r>
+            <a:r>
+              <a:rPr lang="en-US" dirty="0" err="1"/>
+              <a:t>binnen</a:t>
+            </a:r>
+            <a:r>
+              <a:rPr lang="en-US" dirty="0"/>
+              <a:t> je </a:t>
+            </a:r>
+            <a:r>
+              <a:rPr lang="en-US" dirty="0" err="1"/>
+              <a:t>favoriete</a:t>
+            </a:r>
+            <a:r>
+              <a:rPr lang="en-US" dirty="0"/>
+              <a:t> Python editor + je </a:t>
+            </a:r>
+            <a:r>
+              <a:rPr lang="en-US" dirty="0" err="1"/>
+              <a:t>hoeft</a:t>
+            </a:r>
+            <a:r>
+              <a:rPr lang="en-US" dirty="0"/>
+              <a:t> </a:t>
+            </a:r>
+            <a:r>
+              <a:rPr lang="en-US" dirty="0" err="1"/>
+              <a:t>geen</a:t>
+            </a:r>
+            <a:r>
+              <a:rPr lang="en-US" dirty="0"/>
+              <a:t> C++ </a:t>
+            </a:r>
+            <a:r>
+              <a:rPr lang="en-US" dirty="0" err="1"/>
+              <a:t>te</a:t>
+            </a:r>
+            <a:r>
+              <a:rPr lang="en-US" dirty="0"/>
+              <a:t> </a:t>
+            </a:r>
+            <a:r>
+              <a:rPr lang="en-US" dirty="0" err="1"/>
+              <a:t>kunnen</a:t>
+            </a:r>
+            <a:endParaRPr lang="en-US" dirty="0"/>
+          </a:p>
+          <a:p>
+            <a:r>
+              <a:rPr lang="en-US" dirty="0"/>
+              <a:t>Met Shiboken6 </a:t>
+            </a:r>
+            <a:r>
+              <a:rPr lang="en-US" dirty="0" err="1"/>
+              <a:t>kan</a:t>
+            </a:r>
+            <a:r>
+              <a:rPr lang="en-US" dirty="0"/>
+              <a:t> je </a:t>
+            </a:r>
+            <a:r>
+              <a:rPr lang="en-US" dirty="0" err="1"/>
+              <a:t>wel</a:t>
+            </a:r>
+            <a:r>
+              <a:rPr lang="en-US" dirty="0"/>
+              <a:t> C++ </a:t>
+            </a:r>
+            <a:r>
+              <a:rPr lang="en-US" dirty="0" err="1"/>
+              <a:t>exposen</a:t>
+            </a:r>
+            <a:r>
+              <a:rPr lang="en-US" dirty="0"/>
+              <a:t> </a:t>
+            </a:r>
+            <a:r>
+              <a:rPr lang="en-US" dirty="0" err="1"/>
+              <a:t>naar</a:t>
+            </a:r>
+            <a:r>
+              <a:rPr lang="en-US" dirty="0"/>
+              <a:t> Python toe</a:t>
+            </a:r>
+          </a:p>
+        </p:txBody>
+      </p:sp>
+      <p:sp>
+        <p:nvSpPr>
+          <p:cNvPr id="4" name="Slide Number Placeholder 3"/>
+          <p:cNvSpPr>
+            <a:spLocks noGrp="1"/>
+          </p:cNvSpPr>
+          <p:nvPr>
+            <p:ph type="sldNum" sz="quarter" idx="5"/>
+          </p:nvPr>
+        </p:nvSpPr>
+        <p:spPr/>
+        <p:txBody>
+          <a:bodyPr/>
+          <a:lstStyle/>
+          <a:p>
+            <a:fld id="{47FAD91B-1286-412D-9CCB-5E29626FF841}" type="slidenum">
+              <a:rPr lang="en-US" smtClean="0"/>
+              <a:t>5</a:t>
+            </a:fld>
+            <a:endParaRPr lang="en-US"/>
+          </a:p>
+        </p:txBody>
+      </p:sp>
+    </p:spTree>
+    <p:extLst>
+      <p:ext uri="{BB962C8B-B14F-4D97-AF65-F5344CB8AC3E}">
+        <p14:creationId xmlns:p14="http://schemas.microsoft.com/office/powerpoint/2010/main" val="2458517231"/>
+      </p:ext>
+    </p:extLst>
+  </p:cSld>
+  <p:clrMapOvr>
+    <a:masterClrMapping/>
+  </p:clrMapOvr>
+</p:notes>
+</file>
+
+<file path=ppt/notesSlides/notesSlide4.xml><?xml version="1.0" encoding="utf-8"?>
+<p:notes xmlns:a="http://schemas.openxmlformats.org/drawingml/2006/main" xmlns:r="http://schemas.openxmlformats.org/officeDocument/2006/relationships" xmlns:p="http://schemas.openxmlformats.org/presentationml/2006/main">
+  <p:cSld>
+    <p:spTree>
+      <p:nvGrpSpPr>
+        <p:cNvPr id="1" name=""/>
+        <p:cNvGrpSpPr/>
+        <p:nvPr/>
+      </p:nvGrpSpPr>
+      <p:grpSpPr>
+        <a:xfrm>
+          <a:off x="0" y="0"/>
+          <a:ext cx="0" cy="0"/>
+          <a:chOff x="0" y="0"/>
+          <a:chExt cx="0" cy="0"/>
+        </a:xfrm>
+      </p:grpSpPr>
+      <p:sp>
+        <p:nvSpPr>
+          <p:cNvPr id="2" name="Slide Image Placeholder 1"/>
+          <p:cNvSpPr>
+            <a:spLocks noGrp="1" noRot="1" noChangeAspect="1"/>
+          </p:cNvSpPr>
+          <p:nvPr>
+            <p:ph type="sldImg"/>
+          </p:nvPr>
+        </p:nvSpPr>
+        <p:spPr/>
+      </p:sp>
+      <p:sp>
+        <p:nvSpPr>
+          <p:cNvPr id="3" name="Notes Placeholder 2"/>
+          <p:cNvSpPr>
+            <a:spLocks noGrp="1"/>
+          </p:cNvSpPr>
+          <p:nvPr>
+            <p:ph type="body" idx="1"/>
+          </p:nvPr>
+        </p:nvSpPr>
+        <p:spPr/>
+        <p:txBody>
+          <a:bodyPr/>
+          <a:lstStyle/>
+          <a:p>
+            <a:r>
+              <a:rPr lang="en-US" dirty="0"/>
+              <a:t>There is an open question in the Qt community about the right mixture about QML/JS/Qt C++ in a modern Qt application. The commonly agreed recommended mixture is to limit the JS part of your application to a minimum and do your business logic inside Qt C++ and the UI logic inside QML/JS.</a:t>
+            </a:r>
+          </a:p>
+        </p:txBody>
+      </p:sp>
+      <p:sp>
+        <p:nvSpPr>
+          <p:cNvPr id="4" name="Slide Number Placeholder 3"/>
+          <p:cNvSpPr>
+            <a:spLocks noGrp="1"/>
+          </p:cNvSpPr>
+          <p:nvPr>
+            <p:ph type="sldNum" sz="quarter" idx="5"/>
+          </p:nvPr>
+        </p:nvSpPr>
+        <p:spPr/>
+        <p:txBody>
+          <a:bodyPr/>
+          <a:lstStyle/>
+          <a:p>
+            <a:fld id="{47FAD91B-1286-412D-9CCB-5E29626FF841}" type="slidenum">
+              <a:rPr lang="en-US" smtClean="0"/>
+              <a:t>6</a:t>
+            </a:fld>
+            <a:endParaRPr lang="en-US"/>
+          </a:p>
+        </p:txBody>
+      </p:sp>
+    </p:spTree>
+    <p:extLst>
+      <p:ext uri="{BB962C8B-B14F-4D97-AF65-F5344CB8AC3E}">
+        <p14:creationId xmlns:p14="http://schemas.microsoft.com/office/powerpoint/2010/main" val="3343021658"/>
+      </p:ext>
+    </p:extLst>
+  </p:cSld>
+  <p:clrMapOvr>
+    <a:masterClrMapping/>
+  </p:clrMapOvr>
+</p:notes>
+</file>
+
+<file path=ppt/notesSlides/notesSlide5.xml><?xml version="1.0" encoding="utf-8"?>
+<p:notes xmlns:a="http://schemas.openxmlformats.org/drawingml/2006/main" xmlns:r="http://schemas.openxmlformats.org/officeDocument/2006/relationships" xmlns:p="http://schemas.openxmlformats.org/presentationml/2006/main">
+  <p:cSld>
+    <p:spTree>
+      <p:nvGrpSpPr>
+        <p:cNvPr id="1" name=""/>
+        <p:cNvGrpSpPr/>
+        <p:nvPr/>
+      </p:nvGrpSpPr>
+      <p:grpSpPr>
+        <a:xfrm>
+          <a:off x="0" y="0"/>
+          <a:ext cx="0" cy="0"/>
+          <a:chOff x="0" y="0"/>
+          <a:chExt cx="0" cy="0"/>
+        </a:xfrm>
+      </p:grpSpPr>
+      <p:sp>
+        <p:nvSpPr>
+          <p:cNvPr id="2" name="Slide Image Placeholder 1"/>
+          <p:cNvSpPr>
+            <a:spLocks noGrp="1" noRot="1" noChangeAspect="1"/>
+          </p:cNvSpPr>
+          <p:nvPr>
+            <p:ph type="sldImg"/>
+          </p:nvPr>
+        </p:nvSpPr>
+        <p:spPr/>
+      </p:sp>
+      <p:sp>
+        <p:nvSpPr>
+          <p:cNvPr id="3" name="Notes Placeholder 2"/>
+          <p:cNvSpPr>
+            <a:spLocks noGrp="1"/>
+          </p:cNvSpPr>
+          <p:nvPr>
+            <p:ph type="body" idx="1"/>
+          </p:nvPr>
+        </p:nvSpPr>
+        <p:spPr/>
+        <p:txBody>
+          <a:bodyPr/>
+          <a:lstStyle/>
+          <a:p>
+            <a:r>
+              <a:rPr lang="en-US" dirty="0"/>
+              <a:t>Qt Creator </a:t>
+            </a:r>
+            <a:r>
+              <a:rPr lang="en-US" dirty="0" err="1"/>
+              <a:t>voorstellen</a:t>
+            </a:r>
+            <a:endParaRPr lang="en-US" dirty="0"/>
+          </a:p>
+          <a:p>
+            <a:r>
+              <a:rPr lang="en-US" dirty="0"/>
+              <a:t>Hello QML </a:t>
+            </a:r>
+            <a:r>
+              <a:rPr lang="en-US" dirty="0" err="1"/>
+              <a:t>aanmaken</a:t>
+            </a:r>
+            <a:endParaRPr lang="en-US" dirty="0"/>
+          </a:p>
+          <a:p>
+            <a:endParaRPr lang="en-US" dirty="0"/>
+          </a:p>
+          <a:p>
+            <a:r>
+              <a:rPr lang="nl-NL" sz="1800" kern="100" dirty="0">
+                <a:effectLst/>
+                <a:latin typeface="Calibri" panose="020F0502020204030204" pitchFamily="34" charset="0"/>
+                <a:ea typeface="Calibri" panose="020F0502020204030204" pitchFamily="34" charset="0"/>
+                <a:cs typeface="Times New Roman" panose="02020603050405020304" pitchFamily="18" charset="0"/>
+              </a:rPr>
+              <a:t>Rectangle {</a:t>
+            </a:r>
+            <a:endParaRPr lang="en-US" sz="1800" kern="100" dirty="0">
+              <a:effectLst/>
+              <a:latin typeface="Calibri" panose="020F0502020204030204" pitchFamily="34" charset="0"/>
+              <a:ea typeface="Calibri" panose="020F0502020204030204" pitchFamily="34" charset="0"/>
+              <a:cs typeface="Times New Roman" panose="02020603050405020304" pitchFamily="18" charset="0"/>
+            </a:endParaRPr>
+          </a:p>
+          <a:p>
+            <a:r>
+              <a:rPr lang="nl-NL" sz="1800" kern="100" dirty="0">
+                <a:effectLst/>
+                <a:latin typeface="Calibri" panose="020F0502020204030204" pitchFamily="34" charset="0"/>
+                <a:ea typeface="Calibri" panose="020F0502020204030204" pitchFamily="34" charset="0"/>
+                <a:cs typeface="Times New Roman" panose="02020603050405020304" pitchFamily="18" charset="0"/>
+              </a:rPr>
+              <a:t>    anchors.fill: parent</a:t>
+            </a:r>
+            <a:endParaRPr lang="en-US" sz="1800" kern="100" dirty="0">
+              <a:effectLst/>
+              <a:latin typeface="Calibri" panose="020F0502020204030204" pitchFamily="34" charset="0"/>
+              <a:ea typeface="Calibri" panose="020F0502020204030204" pitchFamily="34" charset="0"/>
+              <a:cs typeface="Times New Roman" panose="02020603050405020304" pitchFamily="18" charset="0"/>
+            </a:endParaRPr>
+          </a:p>
+          <a:p>
+            <a:r>
+              <a:rPr lang="nl-NL" sz="1800" kern="100" dirty="0">
+                <a:effectLst/>
+                <a:latin typeface="Calibri" panose="020F0502020204030204" pitchFamily="34" charset="0"/>
+                <a:ea typeface="Calibri" panose="020F0502020204030204" pitchFamily="34" charset="0"/>
+                <a:cs typeface="Times New Roman" panose="02020603050405020304" pitchFamily="18" charset="0"/>
+              </a:rPr>
+              <a:t>    Text {</a:t>
+            </a:r>
+            <a:endParaRPr lang="en-US" sz="1800" kern="100" dirty="0">
+              <a:effectLst/>
+              <a:latin typeface="Calibri" panose="020F0502020204030204" pitchFamily="34" charset="0"/>
+              <a:ea typeface="Calibri" panose="020F0502020204030204" pitchFamily="34" charset="0"/>
+              <a:cs typeface="Times New Roman" panose="02020603050405020304" pitchFamily="18" charset="0"/>
+            </a:endParaRPr>
+          </a:p>
+          <a:p>
+            <a:r>
+              <a:rPr lang="nl-NL" sz="1800" kern="100" dirty="0">
+                <a:effectLst/>
+                <a:latin typeface="Calibri" panose="020F0502020204030204" pitchFamily="34" charset="0"/>
+                <a:ea typeface="Calibri" panose="020F0502020204030204" pitchFamily="34" charset="0"/>
+                <a:cs typeface="Times New Roman" panose="02020603050405020304" pitchFamily="18" charset="0"/>
+              </a:rPr>
+              <a:t>        anchors.centerIn: parent</a:t>
+            </a:r>
+            <a:endParaRPr lang="en-US" sz="1800" kern="100" dirty="0">
+              <a:effectLst/>
+              <a:latin typeface="Calibri" panose="020F0502020204030204" pitchFamily="34" charset="0"/>
+              <a:ea typeface="Calibri" panose="020F0502020204030204" pitchFamily="34" charset="0"/>
+              <a:cs typeface="Times New Roman" panose="02020603050405020304" pitchFamily="18" charset="0"/>
+            </a:endParaRPr>
+          </a:p>
+          <a:p>
+            <a:r>
+              <a:rPr lang="nl-NL" sz="1800" kern="100" dirty="0">
+                <a:effectLst/>
+                <a:latin typeface="Calibri" panose="020F0502020204030204" pitchFamily="34" charset="0"/>
+                <a:ea typeface="Calibri" panose="020F0502020204030204" pitchFamily="34" charset="0"/>
+                <a:cs typeface="Times New Roman" panose="02020603050405020304" pitchFamily="18" charset="0"/>
+              </a:rPr>
+              <a:t>        text: "Hello QML"</a:t>
+            </a:r>
+            <a:endParaRPr lang="en-US" sz="1800" kern="100" dirty="0">
+              <a:effectLst/>
+              <a:latin typeface="Calibri" panose="020F0502020204030204" pitchFamily="34" charset="0"/>
+              <a:ea typeface="Calibri" panose="020F0502020204030204" pitchFamily="34" charset="0"/>
+              <a:cs typeface="Times New Roman" panose="02020603050405020304" pitchFamily="18" charset="0"/>
+            </a:endParaRPr>
+          </a:p>
+          <a:p>
+            <a:r>
+              <a:rPr lang="nl-NL" sz="1800" dirty="0">
+                <a:effectLst/>
+                <a:latin typeface="Calibri" panose="020F0502020204030204" pitchFamily="34" charset="0"/>
+                <a:ea typeface="Calibri" panose="020F0502020204030204" pitchFamily="34" charset="0"/>
+                <a:cs typeface="Times New Roman" panose="02020603050405020304" pitchFamily="18" charset="0"/>
+              </a:rPr>
+              <a:t>}</a:t>
+            </a:r>
+            <a:endParaRPr lang="en-US" sz="1800" dirty="0">
+              <a:effectLst/>
+              <a:latin typeface="Calibri" panose="020F0502020204030204" pitchFamily="34" charset="0"/>
+              <a:ea typeface="Calibri" panose="020F0502020204030204" pitchFamily="34" charset="0"/>
+              <a:cs typeface="Times New Roman" panose="02020603050405020304" pitchFamily="18" charset="0"/>
+            </a:endParaRPr>
+          </a:p>
+          <a:p>
+            <a:endParaRPr lang="en-US" sz="1800" dirty="0">
+              <a:effectLst/>
+              <a:latin typeface="Calibri" panose="020F0502020204030204" pitchFamily="34" charset="0"/>
+              <a:cs typeface="Times New Roman" panose="02020603050405020304" pitchFamily="18" charset="0"/>
+            </a:endParaRPr>
+          </a:p>
+          <a:p>
+            <a:r>
+              <a:rPr lang="en-US" sz="1800" dirty="0">
+                <a:effectLst/>
+                <a:latin typeface="Calibri" panose="020F0502020204030204" pitchFamily="34" charset="0"/>
+                <a:cs typeface="Times New Roman" panose="02020603050405020304" pitchFamily="18" charset="0"/>
+              </a:rPr>
+              <a:t>Dan</a:t>
+            </a:r>
+          </a:p>
+          <a:p>
+            <a:endParaRPr lang="en-US" sz="1800" dirty="0">
+              <a:effectLst/>
+              <a:latin typeface="Calibri" panose="020F0502020204030204" pitchFamily="34" charset="0"/>
+              <a:cs typeface="Times New Roman" panose="02020603050405020304" pitchFamily="18" charset="0"/>
+            </a:endParaRPr>
+          </a:p>
+          <a:p>
+            <a:r>
+              <a:rPr lang="nl-NL" sz="1800" kern="100" dirty="0">
+                <a:effectLst/>
+                <a:latin typeface="Calibri" panose="020F0502020204030204" pitchFamily="34" charset="0"/>
+                <a:ea typeface="Calibri" panose="020F0502020204030204" pitchFamily="34" charset="0"/>
+                <a:cs typeface="Times New Roman" panose="02020603050405020304" pitchFamily="18" charset="0"/>
+              </a:rPr>
+              <a:t>Rectangle {</a:t>
+            </a:r>
+            <a:endParaRPr lang="en-US" sz="1800" kern="100" dirty="0">
+              <a:effectLst/>
+              <a:latin typeface="Calibri" panose="020F0502020204030204" pitchFamily="34" charset="0"/>
+              <a:ea typeface="Calibri" panose="020F0502020204030204" pitchFamily="34" charset="0"/>
+              <a:cs typeface="Times New Roman" panose="02020603050405020304" pitchFamily="18" charset="0"/>
+            </a:endParaRPr>
+          </a:p>
+          <a:p>
+            <a:r>
+              <a:rPr lang="nl-NL" sz="1800" kern="100" dirty="0">
+                <a:effectLst/>
+                <a:latin typeface="Calibri" panose="020F0502020204030204" pitchFamily="34" charset="0"/>
+                <a:ea typeface="Calibri" panose="020F0502020204030204" pitchFamily="34" charset="0"/>
+                <a:cs typeface="Times New Roman" panose="02020603050405020304" pitchFamily="18" charset="0"/>
+              </a:rPr>
+              <a:t>        width: 100</a:t>
+            </a:r>
+            <a:endParaRPr lang="en-US" sz="1800" kern="100" dirty="0">
+              <a:effectLst/>
+              <a:latin typeface="Calibri" panose="020F0502020204030204" pitchFamily="34" charset="0"/>
+              <a:ea typeface="Calibri" panose="020F0502020204030204" pitchFamily="34" charset="0"/>
+              <a:cs typeface="Times New Roman" panose="02020603050405020304" pitchFamily="18" charset="0"/>
+            </a:endParaRPr>
+          </a:p>
+          <a:p>
+            <a:r>
+              <a:rPr lang="nl-NL" sz="1800" kern="100" dirty="0">
+                <a:effectLst/>
+                <a:latin typeface="Calibri" panose="020F0502020204030204" pitchFamily="34" charset="0"/>
+                <a:ea typeface="Calibri" panose="020F0502020204030204" pitchFamily="34" charset="0"/>
+                <a:cs typeface="Times New Roman" panose="02020603050405020304" pitchFamily="18" charset="0"/>
+              </a:rPr>
+              <a:t>        height: 65</a:t>
+            </a:r>
+            <a:endParaRPr lang="en-US" sz="1800" kern="100" dirty="0">
+              <a:effectLst/>
+              <a:latin typeface="Calibri" panose="020F0502020204030204" pitchFamily="34" charset="0"/>
+              <a:ea typeface="Calibri" panose="020F0502020204030204" pitchFamily="34" charset="0"/>
+              <a:cs typeface="Times New Roman" panose="02020603050405020304" pitchFamily="18" charset="0"/>
+            </a:endParaRPr>
+          </a:p>
+          <a:p>
+            <a:r>
+              <a:rPr lang="nl-NL" sz="1800" kern="100" dirty="0">
+                <a:effectLst/>
+                <a:latin typeface="Calibri" panose="020F0502020204030204" pitchFamily="34" charset="0"/>
+                <a:ea typeface="Calibri" panose="020F0502020204030204" pitchFamily="34" charset="0"/>
+                <a:cs typeface="Times New Roman" panose="02020603050405020304" pitchFamily="18" charset="0"/>
+              </a:rPr>
+              <a:t>        color: "#f0f0f0"</a:t>
+            </a:r>
+            <a:endParaRPr lang="en-US" sz="1800" kern="100" dirty="0">
+              <a:effectLst/>
+              <a:latin typeface="Calibri" panose="020F0502020204030204" pitchFamily="34" charset="0"/>
+              <a:ea typeface="Calibri" panose="020F0502020204030204" pitchFamily="34" charset="0"/>
+              <a:cs typeface="Times New Roman" panose="02020603050405020304" pitchFamily="18" charset="0"/>
+            </a:endParaRPr>
+          </a:p>
+          <a:p>
+            <a:r>
+              <a:rPr lang="nl-NL" sz="1800" kern="100" dirty="0">
+                <a:effectLst/>
+                <a:latin typeface="Calibri" panose="020F0502020204030204" pitchFamily="34" charset="0"/>
+                <a:ea typeface="Calibri" panose="020F0502020204030204" pitchFamily="34" charset="0"/>
+                <a:cs typeface="Times New Roman" panose="02020603050405020304" pitchFamily="18" charset="0"/>
+              </a:rPr>
+              <a:t>        anchors.centerIn: parent</a:t>
+            </a:r>
+            <a:endParaRPr lang="en-US" sz="1800" kern="100" dirty="0">
+              <a:effectLst/>
+              <a:latin typeface="Calibri" panose="020F0502020204030204" pitchFamily="34" charset="0"/>
+              <a:ea typeface="Calibri" panose="020F0502020204030204" pitchFamily="34" charset="0"/>
+              <a:cs typeface="Times New Roman" panose="02020603050405020304" pitchFamily="18" charset="0"/>
+            </a:endParaRPr>
+          </a:p>
+          <a:p>
+            <a:r>
+              <a:rPr lang="nl-NL" sz="1800" kern="100" dirty="0">
+                <a:effectLst/>
+                <a:latin typeface="Calibri" panose="020F0502020204030204" pitchFamily="34" charset="0"/>
+                <a:ea typeface="Calibri" panose="020F0502020204030204" pitchFamily="34" charset="0"/>
+                <a:cs typeface="Times New Roman" panose="02020603050405020304" pitchFamily="18" charset="0"/>
+              </a:rPr>
+              <a:t>        Text {</a:t>
+            </a:r>
+            <a:endParaRPr lang="en-US" sz="1800" kern="100" dirty="0">
+              <a:effectLst/>
+              <a:latin typeface="Calibri" panose="020F0502020204030204" pitchFamily="34" charset="0"/>
+              <a:ea typeface="Calibri" panose="020F0502020204030204" pitchFamily="34" charset="0"/>
+              <a:cs typeface="Times New Roman" panose="02020603050405020304" pitchFamily="18" charset="0"/>
+            </a:endParaRPr>
+          </a:p>
+          <a:p>
+            <a:r>
+              <a:rPr lang="nl-NL" sz="1800" kern="100" dirty="0">
+                <a:effectLst/>
+                <a:latin typeface="Calibri" panose="020F0502020204030204" pitchFamily="34" charset="0"/>
+                <a:ea typeface="Calibri" panose="020F0502020204030204" pitchFamily="34" charset="0"/>
+                <a:cs typeface="Times New Roman" panose="02020603050405020304" pitchFamily="18" charset="0"/>
+              </a:rPr>
+              <a:t>            anchors.centerIn: parent</a:t>
+            </a:r>
+            <a:endParaRPr lang="en-US" sz="1800" kern="100" dirty="0">
+              <a:effectLst/>
+              <a:latin typeface="Calibri" panose="020F0502020204030204" pitchFamily="34" charset="0"/>
+              <a:ea typeface="Calibri" panose="020F0502020204030204" pitchFamily="34" charset="0"/>
+              <a:cs typeface="Times New Roman" panose="02020603050405020304" pitchFamily="18" charset="0"/>
+            </a:endParaRPr>
+          </a:p>
+          <a:p>
+            <a:r>
+              <a:rPr lang="nl-NL" sz="1800" kern="100" dirty="0">
+                <a:effectLst/>
+                <a:latin typeface="Calibri" panose="020F0502020204030204" pitchFamily="34" charset="0"/>
+                <a:ea typeface="Calibri" panose="020F0502020204030204" pitchFamily="34" charset="0"/>
+                <a:cs typeface="Times New Roman" panose="02020603050405020304" pitchFamily="18" charset="0"/>
+              </a:rPr>
+              <a:t>            text: "Hello QML"</a:t>
+            </a:r>
+            <a:endParaRPr lang="en-US" sz="1800" kern="100" dirty="0">
+              <a:effectLst/>
+              <a:latin typeface="Calibri" panose="020F0502020204030204" pitchFamily="34" charset="0"/>
+              <a:ea typeface="Calibri" panose="020F0502020204030204" pitchFamily="34" charset="0"/>
+              <a:cs typeface="Times New Roman" panose="02020603050405020304" pitchFamily="18" charset="0"/>
+            </a:endParaRPr>
+          </a:p>
+          <a:p>
+            <a:r>
+              <a:rPr lang="nl-NL" sz="1800" kern="100" dirty="0">
+                <a:effectLst/>
+                <a:latin typeface="Calibri" panose="020F0502020204030204" pitchFamily="34" charset="0"/>
+                <a:ea typeface="Calibri" panose="020F0502020204030204" pitchFamily="34" charset="0"/>
+                <a:cs typeface="Times New Roman" panose="02020603050405020304" pitchFamily="18" charset="0"/>
+              </a:rPr>
+              <a:t>        }</a:t>
+            </a:r>
+            <a:endParaRPr lang="en-US" sz="1800" kern="100" dirty="0">
+              <a:effectLst/>
+              <a:latin typeface="Calibri" panose="020F0502020204030204" pitchFamily="34" charset="0"/>
+              <a:ea typeface="Calibri" panose="020F0502020204030204" pitchFamily="34" charset="0"/>
+              <a:cs typeface="Times New Roman" panose="02020603050405020304" pitchFamily="18" charset="0"/>
+            </a:endParaRPr>
+          </a:p>
+          <a:p>
+            <a:r>
+              <a:rPr lang="nl-NL" sz="1800" dirty="0">
+                <a:effectLst/>
+                <a:latin typeface="Calibri" panose="020F0502020204030204" pitchFamily="34" charset="0"/>
+                <a:ea typeface="Calibri" panose="020F0502020204030204" pitchFamily="34" charset="0"/>
+                <a:cs typeface="Times New Roman" panose="02020603050405020304" pitchFamily="18" charset="0"/>
+              </a:rPr>
+              <a:t>    }</a:t>
+            </a:r>
+            <a:endParaRPr lang="en-US" dirty="0"/>
+          </a:p>
+        </p:txBody>
+      </p:sp>
+      <p:sp>
+        <p:nvSpPr>
+          <p:cNvPr id="4" name="Slide Number Placeholder 3"/>
+          <p:cNvSpPr>
+            <a:spLocks noGrp="1"/>
+          </p:cNvSpPr>
+          <p:nvPr>
+            <p:ph type="sldNum" sz="quarter" idx="5"/>
+          </p:nvPr>
+        </p:nvSpPr>
+        <p:spPr/>
+        <p:txBody>
+          <a:bodyPr/>
+          <a:lstStyle/>
+          <a:p>
+            <a:fld id="{47FAD91B-1286-412D-9CCB-5E29626FF841}" type="slidenum">
+              <a:rPr lang="en-US" smtClean="0"/>
+              <a:t>7</a:t>
+            </a:fld>
+            <a:endParaRPr lang="en-US"/>
+          </a:p>
+        </p:txBody>
+      </p:sp>
+    </p:spTree>
+    <p:extLst>
+      <p:ext uri="{BB962C8B-B14F-4D97-AF65-F5344CB8AC3E}">
+        <p14:creationId xmlns:p14="http://schemas.microsoft.com/office/powerpoint/2010/main" val="2166440"/>
+      </p:ext>
+    </p:extLst>
+  </p:cSld>
+  <p:clrMapOvr>
+    <a:masterClrMapping/>
+  </p:clrMapOvr>
+</p:notes>
+</file>
+
+<file path=ppt/notesSlides/notesSlide6.xml><?xml version="1.0" encoding="utf-8"?>
+<p:notes xmlns:a="http://schemas.openxmlformats.org/drawingml/2006/main" xmlns:r="http://schemas.openxmlformats.org/officeDocument/2006/relationships" xmlns:p="http://schemas.openxmlformats.org/presentationml/2006/main">
+  <p:cSld>
+    <p:spTree>
+      <p:nvGrpSpPr>
+        <p:cNvPr id="1" name=""/>
+        <p:cNvGrpSpPr/>
+        <p:nvPr/>
+      </p:nvGrpSpPr>
+      <p:grpSpPr>
+        <a:xfrm>
+          <a:off x="0" y="0"/>
+          <a:ext cx="0" cy="0"/>
+          <a:chOff x="0" y="0"/>
+          <a:chExt cx="0" cy="0"/>
+        </a:xfrm>
+      </p:grpSpPr>
+      <p:sp>
+        <p:nvSpPr>
+          <p:cNvPr id="2" name="Slide Image Placeholder 1"/>
+          <p:cNvSpPr>
+            <a:spLocks noGrp="1" noRot="1" noChangeAspect="1"/>
+          </p:cNvSpPr>
+          <p:nvPr>
+            <p:ph type="sldImg"/>
+          </p:nvPr>
+        </p:nvSpPr>
+        <p:spPr/>
+      </p:sp>
+      <p:sp>
+        <p:nvSpPr>
+          <p:cNvPr id="3" name="Notes Placeholder 2"/>
+          <p:cNvSpPr>
+            <a:spLocks noGrp="1"/>
+          </p:cNvSpPr>
+          <p:nvPr>
+            <p:ph type="body" idx="1"/>
+          </p:nvPr>
+        </p:nvSpPr>
+        <p:spPr/>
+        <p:txBody>
+          <a:bodyPr/>
+          <a:lstStyle/>
+          <a:p>
+            <a:r>
+              <a:rPr lang="en-US" dirty="0"/>
+              <a:t>Context is </a:t>
+            </a:r>
+            <a:r>
+              <a:rPr lang="en-US" dirty="0" err="1"/>
+              <a:t>mogelijk</a:t>
+            </a:r>
+            <a:r>
+              <a:rPr lang="en-US" dirty="0"/>
+              <a:t> al </a:t>
+            </a:r>
+            <a:r>
+              <a:rPr lang="en-US" dirty="0" err="1"/>
+              <a:t>gegeven</a:t>
+            </a:r>
+            <a:r>
+              <a:rPr lang="en-US" dirty="0"/>
+              <a:t>, Zeno is </a:t>
+            </a:r>
+            <a:r>
+              <a:rPr lang="en-US" dirty="0" err="1"/>
+              <a:t>voor</a:t>
+            </a:r>
+            <a:r>
+              <a:rPr lang="en-US" dirty="0"/>
+              <a:t> </a:t>
+            </a:r>
+            <a:r>
+              <a:rPr lang="en-US" dirty="0" err="1"/>
+              <a:t>mij</a:t>
+            </a:r>
+            <a:r>
+              <a:rPr lang="en-US" dirty="0"/>
+              <a:t> </a:t>
+            </a:r>
+            <a:r>
+              <a:rPr lang="en-US" dirty="0" err="1"/>
+              <a:t>gegaan</a:t>
+            </a:r>
+            <a:endParaRPr lang="en-US" dirty="0"/>
+          </a:p>
+        </p:txBody>
+      </p:sp>
+      <p:sp>
+        <p:nvSpPr>
+          <p:cNvPr id="4" name="Slide Number Placeholder 3"/>
+          <p:cNvSpPr>
+            <a:spLocks noGrp="1"/>
+          </p:cNvSpPr>
+          <p:nvPr>
+            <p:ph type="sldNum" sz="quarter" idx="5"/>
+          </p:nvPr>
+        </p:nvSpPr>
+        <p:spPr/>
+        <p:txBody>
+          <a:bodyPr/>
+          <a:lstStyle/>
+          <a:p>
+            <a:fld id="{47FAD91B-1286-412D-9CCB-5E29626FF841}" type="slidenum">
+              <a:rPr lang="en-US" smtClean="0"/>
+              <a:t>8</a:t>
+            </a:fld>
+            <a:endParaRPr lang="en-US"/>
+          </a:p>
+        </p:txBody>
+      </p:sp>
+    </p:spTree>
+    <p:extLst>
+      <p:ext uri="{BB962C8B-B14F-4D97-AF65-F5344CB8AC3E}">
+        <p14:creationId xmlns:p14="http://schemas.microsoft.com/office/powerpoint/2010/main" val="1943803144"/>
       </p:ext>
     </p:extLst>
   </p:cSld>
@@ -1196,7 +2283,7 @@
           <a:p>
             <a:fld id="{D6D0F569-AC90-44EB-9EF4-4E5C2F5D823C}" type="datetime1">
               <a:rPr lang="en-US" smtClean="0"/>
-              <a:t>6/11/2023</a:t>
+              <a:t>6/12/2023</a:t>
             </a:fld>
             <a:endParaRPr lang="en-US" dirty="0"/>
           </a:p>
@@ -1875,7 +2962,7 @@
           <a:p>
             <a:fld id="{46BA7D41-E8B7-4A0B-B861-3EC4AE88917D}" type="datetime1">
               <a:rPr lang="en-US" smtClean="0"/>
-              <a:t>6/11/2023</a:t>
+              <a:t>6/12/2023</a:t>
             </a:fld>
             <a:endParaRPr lang="en-US" dirty="0"/>
           </a:p>
@@ -2564,7 +3651,7 @@
           <a:p>
             <a:fld id="{A7C34823-0B19-4B4E-A643-7A3B0A3D24D6}" type="datetime1">
               <a:rPr lang="en-US" smtClean="0"/>
-              <a:t>6/11/2023</a:t>
+              <a:t>6/12/2023</a:t>
             </a:fld>
             <a:endParaRPr lang="en-US" dirty="0"/>
           </a:p>
@@ -3246,7 +4333,7 @@
           <a:p>
             <a:fld id="{8C2D79EF-17C8-45D8-9866-DAF5723FC604}" type="datetime1">
               <a:rPr lang="en-US" smtClean="0"/>
-              <a:t>6/11/2023</a:t>
+              <a:t>6/12/2023</a:t>
             </a:fld>
             <a:endParaRPr lang="en-US" dirty="0"/>
           </a:p>
@@ -4001,7 +5088,7 @@
           <a:p>
             <a:fld id="{DFFC2ADC-3680-4013-A757-E4663495DB98}" type="datetime1">
               <a:rPr lang="en-US" smtClean="0"/>
-              <a:t>6/11/2023</a:t>
+              <a:t>6/12/2023</a:t>
             </a:fld>
             <a:endParaRPr lang="en-US" dirty="0"/>
           </a:p>
@@ -4748,7 +5835,7 @@
           <a:p>
             <a:fld id="{4751BA94-5DCA-4F19-960F-0FB2BD5EE85A}" type="datetime1">
               <a:rPr lang="en-US" smtClean="0"/>
-              <a:t>6/11/2023</a:t>
+              <a:t>6/12/2023</a:t>
             </a:fld>
             <a:endParaRPr lang="en-US" dirty="0"/>
           </a:p>
@@ -5642,7 +6729,7 @@
           <a:p>
             <a:fld id="{01BED947-38D9-44AC-8B89-E79758333B77}" type="datetime1">
               <a:rPr lang="en-US" smtClean="0"/>
-              <a:t>6/11/2023</a:t>
+              <a:t>6/12/2023</a:t>
             </a:fld>
             <a:endParaRPr lang="en-US" dirty="0"/>
           </a:p>
@@ -6263,7 +7350,7 @@
           <a:p>
             <a:fld id="{3781E23F-BD3C-4F23-B116-2B758120C8AC}" type="datetime1">
               <a:rPr lang="en-US" smtClean="0"/>
-              <a:t>6/11/2023</a:t>
+              <a:t>6/12/2023</a:t>
             </a:fld>
             <a:endParaRPr lang="en-US" dirty="0"/>
           </a:p>
@@ -6855,7 +7942,7 @@
           <a:p>
             <a:fld id="{473CFAA9-6D59-4D98-869E-ACBDB83B2CA4}" type="datetime1">
               <a:rPr lang="en-US" smtClean="0"/>
-              <a:t>6/11/2023</a:t>
+              <a:t>6/12/2023</a:t>
             </a:fld>
             <a:endParaRPr lang="en-US"/>
           </a:p>
@@ -7647,7 +8734,7 @@
           <a:p>
             <a:fld id="{DC410804-27E3-430A-BB42-B831260DE39A}" type="datetime1">
               <a:rPr lang="en-US" smtClean="0"/>
-              <a:t>6/11/2023</a:t>
+              <a:t>6/12/2023</a:t>
             </a:fld>
             <a:endParaRPr lang="en-US" dirty="0"/>
           </a:p>
@@ -8418,7 +9505,7 @@
           <a:p>
             <a:fld id="{60E22DE3-3D1A-4D53-B9A6-6C7463B8C992}" type="datetime1">
               <a:rPr lang="en-US" smtClean="0"/>
-              <a:t>6/11/2023</a:t>
+              <a:t>6/12/2023</a:t>
             </a:fld>
             <a:endParaRPr lang="en-US" dirty="0"/>
           </a:p>
@@ -8729,7 +9816,7 @@
             <a:fld id="{5ECD8B30-1B71-45A1-8314-D59C86F581E1}" type="datetime1">
               <a:rPr lang="en-US" smtClean="0"/>
               <a:pPr/>
-              <a:t>6/11/2023</a:t>
+              <a:t>6/12/2023</a:t>
             </a:fld>
             <a:endParaRPr lang="en-US" b="1" dirty="0"/>
           </a:p>
@@ -9172,13 +10259,20 @@
             <p:ph type="ctrTitle"/>
           </p:nvPr>
         </p:nvSpPr>
-        <p:spPr/>
+        <p:spPr>
+          <a:xfrm>
+            <a:off x="1524000" y="1122363"/>
+            <a:ext cx="9144000" cy="3509154"/>
+          </a:xfrm>
+        </p:spPr>
         <p:txBody>
-          <a:bodyPr/>
+          <a:bodyPr>
+            <a:noAutofit/>
+          </a:bodyPr>
           <a:lstStyle/>
           <a:p>
             <a:r>
-              <a:rPr lang="en-US" dirty="0"/>
+              <a:rPr lang="en-US" sz="10000" dirty="0"/>
               <a:t> C++, Qt Core &amp; QML</a:t>
             </a:r>
           </a:p>
@@ -9216,31 +10310,6 @@
               <a:rPr lang="en-US" dirty="0"/>
               <a:t>Dietbrand Tollenaere</a:t>
             </a:r>
-          </a:p>
-        </p:txBody>
-      </p:sp>
-      <p:sp>
-        <p:nvSpPr>
-          <p:cNvPr id="6" name="Subtitle 5">
-            <a:extLst>
-              <a:ext uri="{FF2B5EF4-FFF2-40B4-BE49-F238E27FC236}">
-                <a16:creationId xmlns:a16="http://schemas.microsoft.com/office/drawing/2014/main" id="{BD0E8C8D-C55A-6584-D51B-0508D696D41F}"/>
-              </a:ext>
-            </a:extLst>
-          </p:cNvPr>
-          <p:cNvSpPr>
-            <a:spLocks noGrp="1"/>
-          </p:cNvSpPr>
-          <p:nvPr>
-            <p:ph type="subTitle" idx="1"/>
-          </p:nvPr>
-        </p:nvSpPr>
-        <p:spPr/>
-        <p:txBody>
-          <a:bodyPr/>
-          <a:lstStyle/>
-          <a:p>
-            <a:endParaRPr lang="en-US" dirty="0"/>
           </a:p>
         </p:txBody>
       </p:sp>
@@ -9333,7 +10402,7 @@
           <a:p>
             <a:r>
               <a:rPr lang="en-US" dirty="0" err="1"/>
-              <a:t>Achtergrond</a:t>
+              <a:t>Ervaring</a:t>
             </a:r>
             <a:endParaRPr lang="en-US" dirty="0"/>
           </a:p>
@@ -9581,13 +10650,42 @@
           </a:p>
           <a:p>
             <a:r>
-              <a:rPr lang="en-US" dirty="0" err="1"/>
-              <a:t>Keuze</a:t>
-            </a:r>
-            <a:endParaRPr lang="en-US" dirty="0"/>
+              <a:rPr lang="en-US" dirty="0"/>
+              <a:t>Signals &amp; slots</a:t>
+            </a:r>
           </a:p>
         </p:txBody>
       </p:sp>
+      <p:pic>
+        <p:nvPicPr>
+          <p:cNvPr id="7" name="Picture 6">
+            <a:extLst>
+              <a:ext uri="{FF2B5EF4-FFF2-40B4-BE49-F238E27FC236}">
+                <a16:creationId xmlns:a16="http://schemas.microsoft.com/office/drawing/2014/main" id="{B41FAA2D-91DD-3176-1E57-C58526D95CB0}"/>
+              </a:ext>
+            </a:extLst>
+          </p:cNvPr>
+          <p:cNvPicPr>
+            <a:picLocks noChangeAspect="1"/>
+          </p:cNvPicPr>
+          <p:nvPr/>
+        </p:nvPicPr>
+        <p:blipFill>
+          <a:blip r:embed="rId3"/>
+          <a:stretch>
+            <a:fillRect/>
+          </a:stretch>
+        </p:blipFill>
+        <p:spPr>
+          <a:xfrm>
+            <a:off x="1152018" y="3429000"/>
+            <a:ext cx="7256134" cy="1714473"/>
+          </a:xfrm>
+          <a:prstGeom prst="rect">
+            <a:avLst/>
+          </a:prstGeom>
+        </p:spPr>
+      </p:pic>
     </p:spTree>
     <p:extLst>
       <p:ext uri="{BB962C8B-B14F-4D97-AF65-F5344CB8AC3E}">
@@ -9602,6 +10700,285 @@
 </file>
 
 <file path=ppt/slides/slide5.xml><?xml version="1.0" encoding="utf-8"?>
+<p:sld xmlns:a="http://schemas.openxmlformats.org/drawingml/2006/main" xmlns:r="http://schemas.openxmlformats.org/officeDocument/2006/relationships" xmlns:p="http://schemas.openxmlformats.org/presentationml/2006/main">
+  <p:cSld>
+    <p:spTree>
+      <p:nvGrpSpPr>
+        <p:cNvPr id="1" name=""/>
+        <p:cNvGrpSpPr/>
+        <p:nvPr/>
+      </p:nvGrpSpPr>
+      <p:grpSpPr>
+        <a:xfrm>
+          <a:off x="0" y="0"/>
+          <a:ext cx="0" cy="0"/>
+          <a:chOff x="0" y="0"/>
+          <a:chExt cx="0" cy="0"/>
+        </a:xfrm>
+      </p:grpSpPr>
+      <p:sp>
+        <p:nvSpPr>
+          <p:cNvPr id="2" name="Title 1">
+            <a:extLst>
+              <a:ext uri="{FF2B5EF4-FFF2-40B4-BE49-F238E27FC236}">
+                <a16:creationId xmlns:a16="http://schemas.microsoft.com/office/drawing/2014/main" id="{026A46A2-1231-7D6E-088A-551B01B3FF12}"/>
+              </a:ext>
+            </a:extLst>
+          </p:cNvPr>
+          <p:cNvSpPr>
+            <a:spLocks noGrp="1"/>
+          </p:cNvSpPr>
+          <p:nvPr>
+            <p:ph type="title"/>
+          </p:nvPr>
+        </p:nvSpPr>
+        <p:spPr/>
+        <p:txBody>
+          <a:bodyPr/>
+          <a:lstStyle/>
+          <a:p>
+            <a:r>
+              <a:rPr lang="en-US" dirty="0"/>
+              <a:t>Qt in Python</a:t>
+            </a:r>
+          </a:p>
+        </p:txBody>
+      </p:sp>
+      <p:pic>
+        <p:nvPicPr>
+          <p:cNvPr id="7" name="Picture 6">
+            <a:extLst>
+              <a:ext uri="{FF2B5EF4-FFF2-40B4-BE49-F238E27FC236}">
+                <a16:creationId xmlns:a16="http://schemas.microsoft.com/office/drawing/2014/main" id="{2A29E3CB-91F3-FAFA-A2C7-34415725E5E1}"/>
+              </a:ext>
+            </a:extLst>
+          </p:cNvPr>
+          <p:cNvPicPr>
+            <a:picLocks noChangeAspect="1"/>
+          </p:cNvPicPr>
+          <p:nvPr/>
+        </p:nvPicPr>
+        <p:blipFill>
+          <a:blip r:embed="rId3"/>
+          <a:stretch>
+            <a:fillRect/>
+          </a:stretch>
+        </p:blipFill>
+        <p:spPr>
+          <a:xfrm>
+            <a:off x="838200" y="1478553"/>
+            <a:ext cx="5291572" cy="5108913"/>
+          </a:xfrm>
+          <a:prstGeom prst="rect">
+            <a:avLst/>
+          </a:prstGeom>
+        </p:spPr>
+      </p:pic>
+      <p:sp>
+        <p:nvSpPr>
+          <p:cNvPr id="8" name="Content Placeholder 2">
+            <a:extLst>
+              <a:ext uri="{FF2B5EF4-FFF2-40B4-BE49-F238E27FC236}">
+                <a16:creationId xmlns:a16="http://schemas.microsoft.com/office/drawing/2014/main" id="{573FD31C-B18A-7E76-1B3B-2858D3226D28}"/>
+              </a:ext>
+            </a:extLst>
+          </p:cNvPr>
+          <p:cNvSpPr>
+            <a:spLocks noGrp="1"/>
+          </p:cNvSpPr>
+          <p:nvPr>
+            <p:ph idx="1"/>
+          </p:nvPr>
+        </p:nvSpPr>
+        <p:spPr>
+          <a:xfrm>
+            <a:off x="6281518" y="1478553"/>
+            <a:ext cx="4920536" cy="4351338"/>
+          </a:xfrm>
+        </p:spPr>
+        <p:txBody>
+          <a:bodyPr/>
+          <a:lstStyle/>
+          <a:p>
+            <a:r>
+              <a:rPr lang="en-US" dirty="0"/>
+              <a:t>Python package: pyside6</a:t>
+            </a:r>
+          </a:p>
+          <a:p>
+            <a:endParaRPr lang="en-US" dirty="0"/>
+          </a:p>
+        </p:txBody>
+      </p:sp>
+    </p:spTree>
+    <p:extLst>
+      <p:ext uri="{BB962C8B-B14F-4D97-AF65-F5344CB8AC3E}">
+        <p14:creationId xmlns:p14="http://schemas.microsoft.com/office/powerpoint/2010/main" val="2851872839"/>
+      </p:ext>
+    </p:extLst>
+  </p:cSld>
+  <p:clrMapOvr>
+    <a:masterClrMapping/>
+  </p:clrMapOvr>
+</p:sld>
+</file>
+
+<file path=ppt/slides/slide6.xml><?xml version="1.0" encoding="utf-8"?>
+<p:sld xmlns:a="http://schemas.openxmlformats.org/drawingml/2006/main" xmlns:r="http://schemas.openxmlformats.org/officeDocument/2006/relationships" xmlns:p="http://schemas.openxmlformats.org/presentationml/2006/main">
+  <p:cSld>
+    <p:spTree>
+      <p:nvGrpSpPr>
+        <p:cNvPr id="1" name=""/>
+        <p:cNvGrpSpPr/>
+        <p:nvPr/>
+      </p:nvGrpSpPr>
+      <p:grpSpPr>
+        <a:xfrm>
+          <a:off x="0" y="0"/>
+          <a:ext cx="0" cy="0"/>
+          <a:chOff x="0" y="0"/>
+          <a:chExt cx="0" cy="0"/>
+        </a:xfrm>
+      </p:grpSpPr>
+      <p:sp>
+        <p:nvSpPr>
+          <p:cNvPr id="2" name="Title 1">
+            <a:extLst>
+              <a:ext uri="{FF2B5EF4-FFF2-40B4-BE49-F238E27FC236}">
+                <a16:creationId xmlns:a16="http://schemas.microsoft.com/office/drawing/2014/main" id="{E7D47DFB-82BD-57E0-D2AB-11A134FD799B}"/>
+              </a:ext>
+            </a:extLst>
+          </p:cNvPr>
+          <p:cNvSpPr>
+            <a:spLocks noGrp="1"/>
+          </p:cNvSpPr>
+          <p:nvPr>
+            <p:ph type="title"/>
+          </p:nvPr>
+        </p:nvSpPr>
+        <p:spPr/>
+        <p:txBody>
+          <a:bodyPr/>
+          <a:lstStyle/>
+          <a:p>
+            <a:r>
+              <a:rPr lang="en-US" dirty="0"/>
+              <a:t>JavaScript in Qt</a:t>
+            </a:r>
+          </a:p>
+        </p:txBody>
+      </p:sp>
+      <p:sp>
+        <p:nvSpPr>
+          <p:cNvPr id="3" name="Content Placeholder 2">
+            <a:extLst>
+              <a:ext uri="{FF2B5EF4-FFF2-40B4-BE49-F238E27FC236}">
+                <a16:creationId xmlns:a16="http://schemas.microsoft.com/office/drawing/2014/main" id="{A903F0AF-5543-C91D-C6FD-0D4648DD24FD}"/>
+              </a:ext>
+            </a:extLst>
+          </p:cNvPr>
+          <p:cNvSpPr>
+            <a:spLocks noGrp="1"/>
+          </p:cNvSpPr>
+          <p:nvPr>
+            <p:ph idx="1"/>
+          </p:nvPr>
+        </p:nvSpPr>
+        <p:spPr>
+          <a:xfrm>
+            <a:off x="6096000" y="1825625"/>
+            <a:ext cx="5257800" cy="4351338"/>
+          </a:xfrm>
+        </p:spPr>
+        <p:txBody>
+          <a:bodyPr/>
+          <a:lstStyle/>
+          <a:p>
+            <a:r>
+              <a:rPr lang="en-US" dirty="0"/>
+              <a:t>Modules </a:t>
+            </a:r>
+            <a:r>
+              <a:rPr lang="en-US" dirty="0" err="1"/>
+              <a:t>en</a:t>
+            </a:r>
+            <a:r>
+              <a:rPr lang="en-US" dirty="0"/>
+              <a:t> inline supported</a:t>
+            </a:r>
+          </a:p>
+          <a:p>
+            <a:r>
+              <a:rPr lang="en-US" dirty="0" err="1"/>
+              <a:t>Wanneer</a:t>
+            </a:r>
+            <a:r>
+              <a:rPr lang="en-US" dirty="0"/>
+              <a:t> </a:t>
+            </a:r>
+            <a:r>
+              <a:rPr lang="en-US" dirty="0" err="1"/>
+              <a:t>te</a:t>
+            </a:r>
+            <a:r>
+              <a:rPr lang="en-US" dirty="0"/>
+              <a:t> </a:t>
+            </a:r>
+            <a:r>
+              <a:rPr lang="en-US" dirty="0" err="1"/>
+              <a:t>gebruiken</a:t>
+            </a:r>
+            <a:r>
+              <a:rPr lang="en-US" dirty="0"/>
+              <a:t>?</a:t>
+            </a:r>
+          </a:p>
+        </p:txBody>
+      </p:sp>
+      <p:pic>
+        <p:nvPicPr>
+          <p:cNvPr id="5" name="Picture 4">
+            <a:extLst>
+              <a:ext uri="{FF2B5EF4-FFF2-40B4-BE49-F238E27FC236}">
+                <a16:creationId xmlns:a16="http://schemas.microsoft.com/office/drawing/2014/main" id="{90551916-8734-449D-2DF1-A82BCB2650D1}"/>
+              </a:ext>
+            </a:extLst>
+          </p:cNvPr>
+          <p:cNvPicPr>
+            <a:picLocks noChangeAspect="1"/>
+          </p:cNvPicPr>
+          <p:nvPr/>
+        </p:nvPicPr>
+        <p:blipFill>
+          <a:blip r:embed="rId3"/>
+          <a:stretch>
+            <a:fillRect/>
+          </a:stretch>
+        </p:blipFill>
+        <p:spPr>
+          <a:xfrm>
+            <a:off x="838200" y="1522958"/>
+            <a:ext cx="4125414" cy="5128422"/>
+          </a:xfrm>
+          <a:prstGeom prst="rect">
+            <a:avLst/>
+          </a:prstGeom>
+        </p:spPr>
+      </p:pic>
+    </p:spTree>
+    <p:extLst>
+      <p:ext uri="{BB962C8B-B14F-4D97-AF65-F5344CB8AC3E}">
+        <p14:creationId xmlns:p14="http://schemas.microsoft.com/office/powerpoint/2010/main" val="799093065"/>
+      </p:ext>
+    </p:extLst>
+  </p:cSld>
+  <p:clrMapOvr>
+    <a:masterClrMapping/>
+  </p:clrMapOvr>
+</p:sld>
+</file>
+
+<file path=ppt/slides/slide7.xml><?xml version="1.0" encoding="utf-8"?>
 <p:sld xmlns:a="http://schemas.openxmlformats.org/drawingml/2006/main" xmlns:r="http://schemas.openxmlformats.org/officeDocument/2006/relationships" xmlns:p="http://schemas.openxmlformats.org/presentationml/2006/main">
   <p:cSld>
     <p:spTree>
@@ -9658,184 +11035,6 @@
     <p:extLst>
       <p:ext uri="{BB962C8B-B14F-4D97-AF65-F5344CB8AC3E}">
         <p14:creationId xmlns:p14="http://schemas.microsoft.com/office/powerpoint/2010/main" val="2793231994"/>
-      </p:ext>
-    </p:extLst>
-  </p:cSld>
-  <p:clrMapOvr>
-    <a:masterClrMapping/>
-  </p:clrMapOvr>
-</p:sld>
-</file>
-
-<file path=ppt/slides/slide6.xml><?xml version="1.0" encoding="utf-8"?>
-<p:sld xmlns:a="http://schemas.openxmlformats.org/drawingml/2006/main" xmlns:r="http://schemas.openxmlformats.org/officeDocument/2006/relationships" xmlns:p="http://schemas.openxmlformats.org/presentationml/2006/main">
-  <p:cSld>
-    <p:spTree>
-      <p:nvGrpSpPr>
-        <p:cNvPr id="1" name=""/>
-        <p:cNvGrpSpPr/>
-        <p:nvPr/>
-      </p:nvGrpSpPr>
-      <p:grpSpPr>
-        <a:xfrm>
-          <a:off x="0" y="0"/>
-          <a:ext cx="0" cy="0"/>
-          <a:chOff x="0" y="0"/>
-          <a:chExt cx="0" cy="0"/>
-        </a:xfrm>
-      </p:grpSpPr>
-      <p:sp>
-        <p:nvSpPr>
-          <p:cNvPr id="2" name="Title 1">
-            <a:extLst>
-              <a:ext uri="{FF2B5EF4-FFF2-40B4-BE49-F238E27FC236}">
-                <a16:creationId xmlns:a16="http://schemas.microsoft.com/office/drawing/2014/main" id="{026A46A2-1231-7D6E-088A-551B01B3FF12}"/>
-              </a:ext>
-            </a:extLst>
-          </p:cNvPr>
-          <p:cNvSpPr>
-            <a:spLocks noGrp="1"/>
-          </p:cNvSpPr>
-          <p:nvPr>
-            <p:ph type="title"/>
-          </p:nvPr>
-        </p:nvSpPr>
-        <p:spPr/>
-        <p:txBody>
-          <a:bodyPr/>
-          <a:lstStyle/>
-          <a:p>
-            <a:r>
-              <a:rPr lang="en-US" dirty="0"/>
-              <a:t>Qt in Python</a:t>
-            </a:r>
-          </a:p>
-        </p:txBody>
-      </p:sp>
-      <p:sp>
-        <p:nvSpPr>
-          <p:cNvPr id="3" name="Content Placeholder 2">
-            <a:extLst>
-              <a:ext uri="{FF2B5EF4-FFF2-40B4-BE49-F238E27FC236}">
-                <a16:creationId xmlns:a16="http://schemas.microsoft.com/office/drawing/2014/main" id="{08EB70A9-7016-66C5-1FFB-9A9E1F9AB839}"/>
-              </a:ext>
-            </a:extLst>
-          </p:cNvPr>
-          <p:cNvSpPr>
-            <a:spLocks noGrp="1"/>
-          </p:cNvSpPr>
-          <p:nvPr>
-            <p:ph idx="1"/>
-          </p:nvPr>
-        </p:nvSpPr>
-        <p:spPr/>
-        <p:txBody>
-          <a:bodyPr/>
-          <a:lstStyle/>
-          <a:p>
-            <a:r>
-              <a:rPr lang="en-US" dirty="0"/>
-              <a:t>screenshot</a:t>
-            </a:r>
-          </a:p>
-        </p:txBody>
-      </p:sp>
-    </p:spTree>
-    <p:extLst>
-      <p:ext uri="{BB962C8B-B14F-4D97-AF65-F5344CB8AC3E}">
-        <p14:creationId xmlns:p14="http://schemas.microsoft.com/office/powerpoint/2010/main" val="2851872839"/>
-      </p:ext>
-    </p:extLst>
-  </p:cSld>
-  <p:clrMapOvr>
-    <a:masterClrMapping/>
-  </p:clrMapOvr>
-</p:sld>
-</file>
-
-<file path=ppt/slides/slide7.xml><?xml version="1.0" encoding="utf-8"?>
-<p:sld xmlns:a="http://schemas.openxmlformats.org/drawingml/2006/main" xmlns:r="http://schemas.openxmlformats.org/officeDocument/2006/relationships" xmlns:p="http://schemas.openxmlformats.org/presentationml/2006/main">
-  <p:cSld>
-    <p:spTree>
-      <p:nvGrpSpPr>
-        <p:cNvPr id="1" name=""/>
-        <p:cNvGrpSpPr/>
-        <p:nvPr/>
-      </p:nvGrpSpPr>
-      <p:grpSpPr>
-        <a:xfrm>
-          <a:off x="0" y="0"/>
-          <a:ext cx="0" cy="0"/>
-          <a:chOff x="0" y="0"/>
-          <a:chExt cx="0" cy="0"/>
-        </a:xfrm>
-      </p:grpSpPr>
-      <p:sp>
-        <p:nvSpPr>
-          <p:cNvPr id="2" name="Title 1">
-            <a:extLst>
-              <a:ext uri="{FF2B5EF4-FFF2-40B4-BE49-F238E27FC236}">
-                <a16:creationId xmlns:a16="http://schemas.microsoft.com/office/drawing/2014/main" id="{E7D47DFB-82BD-57E0-D2AB-11A134FD799B}"/>
-              </a:ext>
-            </a:extLst>
-          </p:cNvPr>
-          <p:cNvSpPr>
-            <a:spLocks noGrp="1"/>
-          </p:cNvSpPr>
-          <p:nvPr>
-            <p:ph type="title"/>
-          </p:nvPr>
-        </p:nvSpPr>
-        <p:spPr/>
-        <p:txBody>
-          <a:bodyPr/>
-          <a:lstStyle/>
-          <a:p>
-            <a:r>
-              <a:rPr lang="en-US" dirty="0"/>
-              <a:t>JavaScript in Qt</a:t>
-            </a:r>
-          </a:p>
-        </p:txBody>
-      </p:sp>
-      <p:sp>
-        <p:nvSpPr>
-          <p:cNvPr id="3" name="Content Placeholder 2">
-            <a:extLst>
-              <a:ext uri="{FF2B5EF4-FFF2-40B4-BE49-F238E27FC236}">
-                <a16:creationId xmlns:a16="http://schemas.microsoft.com/office/drawing/2014/main" id="{A903F0AF-5543-C91D-C6FD-0D4648DD24FD}"/>
-              </a:ext>
-            </a:extLst>
-          </p:cNvPr>
-          <p:cNvSpPr>
-            <a:spLocks noGrp="1"/>
-          </p:cNvSpPr>
-          <p:nvPr>
-            <p:ph idx="1"/>
-          </p:nvPr>
-        </p:nvSpPr>
-        <p:spPr/>
-        <p:txBody>
-          <a:bodyPr/>
-          <a:lstStyle/>
-          <a:p>
-            <a:r>
-              <a:rPr lang="en-US" dirty="0"/>
-              <a:t>Screenshot</a:t>
-            </a:r>
-          </a:p>
-          <a:p>
-            <a:r>
-              <a:rPr lang="en-US" dirty="0"/>
-              <a:t>Disclaimer C++</a:t>
-            </a:r>
-          </a:p>
-        </p:txBody>
-      </p:sp>
-    </p:spTree>
-    <p:extLst>
-      <p:ext uri="{BB962C8B-B14F-4D97-AF65-F5344CB8AC3E}">
-        <p14:creationId xmlns:p14="http://schemas.microsoft.com/office/powerpoint/2010/main" val="799093065"/>
       </p:ext>
     </p:extLst>
   </p:cSld>

--- a/docs/graduaatsproef_presentatie.pptx
+++ b/docs/graduaatsproef_presentatie.pptx
@@ -208,7 +208,7 @@
           <a:p>
             <a:fld id="{1608E322-CB26-4988-8AFC-23BFFE53924A}" type="datetimeFigureOut">
               <a:rPr lang="en-US" smtClean="0"/>
-              <a:t>6/12/2023</a:t>
+              <a:t>6/13/2023</a:t>
             </a:fld>
             <a:endParaRPr lang="en-US"/>
           </a:p>
@@ -2283,7 +2283,7 @@
           <a:p>
             <a:fld id="{D6D0F569-AC90-44EB-9EF4-4E5C2F5D823C}" type="datetime1">
               <a:rPr lang="en-US" smtClean="0"/>
-              <a:t>6/12/2023</a:t>
+              <a:t>6/13/2023</a:t>
             </a:fld>
             <a:endParaRPr lang="en-US" dirty="0"/>
           </a:p>
@@ -2962,7 +2962,7 @@
           <a:p>
             <a:fld id="{46BA7D41-E8B7-4A0B-B861-3EC4AE88917D}" type="datetime1">
               <a:rPr lang="en-US" smtClean="0"/>
-              <a:t>6/12/2023</a:t>
+              <a:t>6/13/2023</a:t>
             </a:fld>
             <a:endParaRPr lang="en-US" dirty="0"/>
           </a:p>
@@ -3651,7 +3651,7 @@
           <a:p>
             <a:fld id="{A7C34823-0B19-4B4E-A643-7A3B0A3D24D6}" type="datetime1">
               <a:rPr lang="en-US" smtClean="0"/>
-              <a:t>6/12/2023</a:t>
+              <a:t>6/13/2023</a:t>
             </a:fld>
             <a:endParaRPr lang="en-US" dirty="0"/>
           </a:p>
@@ -4333,7 +4333,7 @@
           <a:p>
             <a:fld id="{8C2D79EF-17C8-45D8-9866-DAF5723FC604}" type="datetime1">
               <a:rPr lang="en-US" smtClean="0"/>
-              <a:t>6/12/2023</a:t>
+              <a:t>6/13/2023</a:t>
             </a:fld>
             <a:endParaRPr lang="en-US" dirty="0"/>
           </a:p>
@@ -5088,7 +5088,7 @@
           <a:p>
             <a:fld id="{DFFC2ADC-3680-4013-A757-E4663495DB98}" type="datetime1">
               <a:rPr lang="en-US" smtClean="0"/>
-              <a:t>6/12/2023</a:t>
+              <a:t>6/13/2023</a:t>
             </a:fld>
             <a:endParaRPr lang="en-US" dirty="0"/>
           </a:p>
@@ -5835,7 +5835,7 @@
           <a:p>
             <a:fld id="{4751BA94-5DCA-4F19-960F-0FB2BD5EE85A}" type="datetime1">
               <a:rPr lang="en-US" smtClean="0"/>
-              <a:t>6/12/2023</a:t>
+              <a:t>6/13/2023</a:t>
             </a:fld>
             <a:endParaRPr lang="en-US" dirty="0"/>
           </a:p>
@@ -6729,7 +6729,7 @@
           <a:p>
             <a:fld id="{01BED947-38D9-44AC-8B89-E79758333B77}" type="datetime1">
               <a:rPr lang="en-US" smtClean="0"/>
-              <a:t>6/12/2023</a:t>
+              <a:t>6/13/2023</a:t>
             </a:fld>
             <a:endParaRPr lang="en-US" dirty="0"/>
           </a:p>
@@ -7350,7 +7350,7 @@
           <a:p>
             <a:fld id="{3781E23F-BD3C-4F23-B116-2B758120C8AC}" type="datetime1">
               <a:rPr lang="en-US" smtClean="0"/>
-              <a:t>6/12/2023</a:t>
+              <a:t>6/13/2023</a:t>
             </a:fld>
             <a:endParaRPr lang="en-US" dirty="0"/>
           </a:p>
@@ -7942,7 +7942,7 @@
           <a:p>
             <a:fld id="{473CFAA9-6D59-4D98-869E-ACBDB83B2CA4}" type="datetime1">
               <a:rPr lang="en-US" smtClean="0"/>
-              <a:t>6/12/2023</a:t>
+              <a:t>6/13/2023</a:t>
             </a:fld>
             <a:endParaRPr lang="en-US"/>
           </a:p>
@@ -8734,7 +8734,7 @@
           <a:p>
             <a:fld id="{DC410804-27E3-430A-BB42-B831260DE39A}" type="datetime1">
               <a:rPr lang="en-US" smtClean="0"/>
-              <a:t>6/12/2023</a:t>
+              <a:t>6/13/2023</a:t>
             </a:fld>
             <a:endParaRPr lang="en-US" dirty="0"/>
           </a:p>
@@ -9505,7 +9505,7 @@
           <a:p>
             <a:fld id="{60E22DE3-3D1A-4D53-B9A6-6C7463B8C992}" type="datetime1">
               <a:rPr lang="en-US" smtClean="0"/>
-              <a:t>6/12/2023</a:t>
+              <a:t>6/13/2023</a:t>
             </a:fld>
             <a:endParaRPr lang="en-US" dirty="0"/>
           </a:p>
@@ -9816,7 +9816,7 @@
             <a:fld id="{5ECD8B30-1B71-45A1-8314-D59C86F581E1}" type="datetime1">
               <a:rPr lang="en-US" smtClean="0"/>
               <a:pPr/>
-              <a:t>6/12/2023</a:t>
+              <a:t>6/13/2023</a:t>
             </a:fld>
             <a:endParaRPr lang="en-US" b="1" dirty="0"/>
           </a:p>
@@ -10424,23 +10424,7 @@
           <a:p>
             <a:r>
               <a:rPr lang="en-US" dirty="0" err="1"/>
-              <a:t>Visie</a:t>
-            </a:r>
-            <a:r>
-              <a:rPr lang="en-US" dirty="0"/>
-              <a:t> </a:t>
-            </a:r>
-            <a:r>
-              <a:rPr lang="en-US" dirty="0" err="1"/>
-              <a:t>voor</a:t>
-            </a:r>
-            <a:r>
-              <a:rPr lang="en-US" dirty="0"/>
-              <a:t> de </a:t>
-            </a:r>
-            <a:r>
-              <a:rPr lang="en-US" dirty="0" err="1"/>
-              <a:t>toekomst</a:t>
+              <a:t>Toekomstperspectief</a:t>
             </a:r>
             <a:endParaRPr lang="en-US" dirty="0"/>
           </a:p>
@@ -10537,7 +10521,7 @@
           <a:p>
             <a:r>
               <a:rPr lang="en-US" dirty="0"/>
-              <a:t>Virtual Production</a:t>
+              <a:t>VFX &amp; Virtual Production</a:t>
             </a:r>
           </a:p>
           <a:p>

--- a/docs/graduaatsproef_presentatie.pptx
+++ b/docs/graduaatsproef_presentatie.pptx
@@ -208,7 +208,7 @@
           <a:p>
             <a:fld id="{1608E322-CB26-4988-8AFC-23BFFE53924A}" type="datetimeFigureOut">
               <a:rPr lang="en-US" smtClean="0"/>
-              <a:t>6/13/2023</a:t>
+              <a:t>6/13/23</a:t>
             </a:fld>
             <a:endParaRPr lang="en-US"/>
           </a:p>
@@ -2283,7 +2283,7 @@
           <a:p>
             <a:fld id="{D6D0F569-AC90-44EB-9EF4-4E5C2F5D823C}" type="datetime1">
               <a:rPr lang="en-US" smtClean="0"/>
-              <a:t>6/13/2023</a:t>
+              <a:t>6/13/23</a:t>
             </a:fld>
             <a:endParaRPr lang="en-US" dirty="0"/>
           </a:p>
@@ -2962,7 +2962,7 @@
           <a:p>
             <a:fld id="{46BA7D41-E8B7-4A0B-B861-3EC4AE88917D}" type="datetime1">
               <a:rPr lang="en-US" smtClean="0"/>
-              <a:t>6/13/2023</a:t>
+              <a:t>6/13/23</a:t>
             </a:fld>
             <a:endParaRPr lang="en-US" dirty="0"/>
           </a:p>
@@ -3651,7 +3651,7 @@
           <a:p>
             <a:fld id="{A7C34823-0B19-4B4E-A643-7A3B0A3D24D6}" type="datetime1">
               <a:rPr lang="en-US" smtClean="0"/>
-              <a:t>6/13/2023</a:t>
+              <a:t>6/13/23</a:t>
             </a:fld>
             <a:endParaRPr lang="en-US" dirty="0"/>
           </a:p>
@@ -4333,7 +4333,7 @@
           <a:p>
             <a:fld id="{8C2D79EF-17C8-45D8-9866-DAF5723FC604}" type="datetime1">
               <a:rPr lang="en-US" smtClean="0"/>
-              <a:t>6/13/2023</a:t>
+              <a:t>6/13/23</a:t>
             </a:fld>
             <a:endParaRPr lang="en-US" dirty="0"/>
           </a:p>
@@ -5088,7 +5088,7 @@
           <a:p>
             <a:fld id="{DFFC2ADC-3680-4013-A757-E4663495DB98}" type="datetime1">
               <a:rPr lang="en-US" smtClean="0"/>
-              <a:t>6/13/2023</a:t>
+              <a:t>6/13/23</a:t>
             </a:fld>
             <a:endParaRPr lang="en-US" dirty="0"/>
           </a:p>
@@ -5835,7 +5835,7 @@
           <a:p>
             <a:fld id="{4751BA94-5DCA-4F19-960F-0FB2BD5EE85A}" type="datetime1">
               <a:rPr lang="en-US" smtClean="0"/>
-              <a:t>6/13/2023</a:t>
+              <a:t>6/13/23</a:t>
             </a:fld>
             <a:endParaRPr lang="en-US" dirty="0"/>
           </a:p>
@@ -6729,7 +6729,7 @@
           <a:p>
             <a:fld id="{01BED947-38D9-44AC-8B89-E79758333B77}" type="datetime1">
               <a:rPr lang="en-US" smtClean="0"/>
-              <a:t>6/13/2023</a:t>
+              <a:t>6/13/23</a:t>
             </a:fld>
             <a:endParaRPr lang="en-US" dirty="0"/>
           </a:p>
@@ -7350,7 +7350,7 @@
           <a:p>
             <a:fld id="{3781E23F-BD3C-4F23-B116-2B758120C8AC}" type="datetime1">
               <a:rPr lang="en-US" smtClean="0"/>
-              <a:t>6/13/2023</a:t>
+              <a:t>6/13/23</a:t>
             </a:fld>
             <a:endParaRPr lang="en-US" dirty="0"/>
           </a:p>
@@ -7942,7 +7942,7 @@
           <a:p>
             <a:fld id="{473CFAA9-6D59-4D98-869E-ACBDB83B2CA4}" type="datetime1">
               <a:rPr lang="en-US" smtClean="0"/>
-              <a:t>6/13/2023</a:t>
+              <a:t>6/13/23</a:t>
             </a:fld>
             <a:endParaRPr lang="en-US"/>
           </a:p>
@@ -8734,7 +8734,7 @@
           <a:p>
             <a:fld id="{DC410804-27E3-430A-BB42-B831260DE39A}" type="datetime1">
               <a:rPr lang="en-US" smtClean="0"/>
-              <a:t>6/13/2023</a:t>
+              <a:t>6/13/23</a:t>
             </a:fld>
             <a:endParaRPr lang="en-US" dirty="0"/>
           </a:p>
@@ -9505,7 +9505,7 @@
           <a:p>
             <a:fld id="{60E22DE3-3D1A-4D53-B9A6-6C7463B8C992}" type="datetime1">
               <a:rPr lang="en-US" smtClean="0"/>
-              <a:t>6/13/2023</a:t>
+              <a:t>6/13/23</a:t>
             </a:fld>
             <a:endParaRPr lang="en-US" dirty="0"/>
           </a:p>
@@ -9816,7 +9816,7 @@
             <a:fld id="{5ECD8B30-1B71-45A1-8314-D59C86F581E1}" type="datetime1">
               <a:rPr lang="en-US" smtClean="0"/>
               <a:pPr/>
-              <a:t>6/13/2023</a:t>
+              <a:t>6/13/23</a:t>
             </a:fld>
             <a:endParaRPr lang="en-US" b="1" dirty="0"/>
           </a:p>
@@ -10433,6 +10433,41 @@
           </a:p>
         </p:txBody>
       </p:sp>
+      <p:sp>
+        <p:nvSpPr>
+          <p:cNvPr id="4" name="TextBox 3">
+            <a:extLst>
+              <a:ext uri="{FF2B5EF4-FFF2-40B4-BE49-F238E27FC236}">
+                <a16:creationId xmlns:a16="http://schemas.microsoft.com/office/drawing/2014/main" id="{BBF49682-DDDC-DC4E-99F4-55E118C42845}"/>
+              </a:ext>
+            </a:extLst>
+          </p:cNvPr>
+          <p:cNvSpPr txBox="1"/>
+          <p:nvPr/>
+        </p:nvSpPr>
+        <p:spPr>
+          <a:xfrm>
+            <a:off x="490654" y="6027234"/>
+            <a:ext cx="2205155" cy="369332"/>
+          </a:xfrm>
+          <a:prstGeom prst="rect">
+            <a:avLst/>
+          </a:prstGeom>
+          <a:noFill/>
+        </p:spPr>
+        <p:txBody>
+          <a:bodyPr wrap="none" rtlCol="0">
+            <a:spAutoFit/>
+          </a:bodyPr>
+          <a:lstStyle/>
+          <a:p>
+            <a:r>
+              <a:rPr lang="en-US" dirty="0"/>
+              <a:t>Dietbrand Tollenaere</a:t>
+            </a:r>
+          </a:p>
+        </p:txBody>
+      </p:sp>
     </p:spTree>
     <p:extLst>
       <p:ext uri="{BB962C8B-B14F-4D97-AF65-F5344CB8AC3E}">
@@ -10443,6 +10478,186 @@
   <p:clrMapOvr>
     <a:masterClrMapping/>
   </p:clrMapOvr>
+  <p:timing>
+    <p:tnLst>
+      <p:par>
+        <p:cTn id="1" dur="indefinite" restart="never" nodeType="tmRoot">
+          <p:childTnLst>
+            <p:seq concurrent="1" nextAc="seek">
+              <p:cTn id="2" dur="indefinite" nodeType="mainSeq">
+                <p:childTnLst>
+                  <p:par>
+                    <p:cTn id="3" fill="hold">
+                      <p:stCondLst>
+                        <p:cond delay="indefinite"/>
+                      </p:stCondLst>
+                      <p:childTnLst>
+                        <p:par>
+                          <p:cTn id="4" fill="hold">
+                            <p:stCondLst>
+                              <p:cond delay="0"/>
+                            </p:stCondLst>
+                            <p:childTnLst>
+                              <p:par>
+                                <p:cTn id="5" presetID="1" presetClass="entr" presetSubtype="0" fill="hold" grpId="0" nodeType="clickEffect">
+                                  <p:stCondLst>
+                                    <p:cond delay="0"/>
+                                  </p:stCondLst>
+                                  <p:childTnLst>
+                                    <p:set>
+                                      <p:cBhvr>
+                                        <p:cTn id="6" dur="1" fill="hold">
+                                          <p:stCondLst>
+                                            <p:cond delay="0"/>
+                                          </p:stCondLst>
+                                        </p:cTn>
+                                        <p:tgtEl>
+                                          <p:spTgt spid="3">
+                                            <p:txEl>
+                                              <p:pRg st="0" end="0"/>
+                                            </p:txEl>
+                                          </p:spTgt>
+                                        </p:tgtEl>
+                                        <p:attrNameLst>
+                                          <p:attrName>style.visibility</p:attrName>
+                                        </p:attrNameLst>
+                                      </p:cBhvr>
+                                      <p:to>
+                                        <p:strVal val="visible"/>
+                                      </p:to>
+                                    </p:set>
+                                  </p:childTnLst>
+                                </p:cTn>
+                              </p:par>
+                            </p:childTnLst>
+                          </p:cTn>
+                        </p:par>
+                      </p:childTnLst>
+                    </p:cTn>
+                  </p:par>
+                  <p:par>
+                    <p:cTn id="7" fill="hold">
+                      <p:stCondLst>
+                        <p:cond delay="indefinite"/>
+                      </p:stCondLst>
+                      <p:childTnLst>
+                        <p:par>
+                          <p:cTn id="8" fill="hold">
+                            <p:stCondLst>
+                              <p:cond delay="0"/>
+                            </p:stCondLst>
+                            <p:childTnLst>
+                              <p:par>
+                                <p:cTn id="9" presetID="1" presetClass="entr" presetSubtype="0" fill="hold" grpId="0" nodeType="clickEffect">
+                                  <p:stCondLst>
+                                    <p:cond delay="0"/>
+                                  </p:stCondLst>
+                                  <p:childTnLst>
+                                    <p:set>
+                                      <p:cBhvr>
+                                        <p:cTn id="10" dur="1" fill="hold">
+                                          <p:stCondLst>
+                                            <p:cond delay="0"/>
+                                          </p:stCondLst>
+                                        </p:cTn>
+                                        <p:tgtEl>
+                                          <p:spTgt spid="3">
+                                            <p:txEl>
+                                              <p:pRg st="1" end="1"/>
+                                            </p:txEl>
+                                          </p:spTgt>
+                                        </p:tgtEl>
+                                        <p:attrNameLst>
+                                          <p:attrName>style.visibility</p:attrName>
+                                        </p:attrNameLst>
+                                      </p:cBhvr>
+                                      <p:to>
+                                        <p:strVal val="visible"/>
+                                      </p:to>
+                                    </p:set>
+                                  </p:childTnLst>
+                                </p:cTn>
+                              </p:par>
+                            </p:childTnLst>
+                          </p:cTn>
+                        </p:par>
+                      </p:childTnLst>
+                    </p:cTn>
+                  </p:par>
+                  <p:par>
+                    <p:cTn id="11" fill="hold">
+                      <p:stCondLst>
+                        <p:cond delay="indefinite"/>
+                      </p:stCondLst>
+                      <p:childTnLst>
+                        <p:par>
+                          <p:cTn id="12" fill="hold">
+                            <p:stCondLst>
+                              <p:cond delay="0"/>
+                            </p:stCondLst>
+                            <p:childTnLst>
+                              <p:par>
+                                <p:cTn id="13" presetID="1" presetClass="entr" presetSubtype="0" fill="hold" grpId="0" nodeType="clickEffect">
+                                  <p:stCondLst>
+                                    <p:cond delay="0"/>
+                                  </p:stCondLst>
+                                  <p:childTnLst>
+                                    <p:set>
+                                      <p:cBhvr>
+                                        <p:cTn id="14" dur="1" fill="hold">
+                                          <p:stCondLst>
+                                            <p:cond delay="0"/>
+                                          </p:stCondLst>
+                                        </p:cTn>
+                                        <p:tgtEl>
+                                          <p:spTgt spid="3">
+                                            <p:txEl>
+                                              <p:pRg st="2" end="2"/>
+                                            </p:txEl>
+                                          </p:spTgt>
+                                        </p:tgtEl>
+                                        <p:attrNameLst>
+                                          <p:attrName>style.visibility</p:attrName>
+                                        </p:attrNameLst>
+                                      </p:cBhvr>
+                                      <p:to>
+                                        <p:strVal val="visible"/>
+                                      </p:to>
+                                    </p:set>
+                                  </p:childTnLst>
+                                </p:cTn>
+                              </p:par>
+                            </p:childTnLst>
+                          </p:cTn>
+                        </p:par>
+                      </p:childTnLst>
+                    </p:cTn>
+                  </p:par>
+                </p:childTnLst>
+              </p:cTn>
+              <p:prevCondLst>
+                <p:cond evt="onPrev" delay="0">
+                  <p:tgtEl>
+                    <p:sldTgt/>
+                  </p:tgtEl>
+                </p:cond>
+              </p:prevCondLst>
+              <p:nextCondLst>
+                <p:cond evt="onNext" delay="0">
+                  <p:tgtEl>
+                    <p:sldTgt/>
+                  </p:tgtEl>
+                </p:cond>
+              </p:nextCondLst>
+            </p:seq>
+          </p:childTnLst>
+        </p:cTn>
+      </p:par>
+    </p:tnLst>
+    <p:bldLst>
+      <p:bldP spid="3" grpId="0" build="p"/>
+    </p:bldLst>
+  </p:timing>
 </p:sld>
 </file>
 
@@ -10533,6 +10748,41 @@
           </a:p>
         </p:txBody>
       </p:sp>
+      <p:sp>
+        <p:nvSpPr>
+          <p:cNvPr id="4" name="TextBox 3">
+            <a:extLst>
+              <a:ext uri="{FF2B5EF4-FFF2-40B4-BE49-F238E27FC236}">
+                <a16:creationId xmlns:a16="http://schemas.microsoft.com/office/drawing/2014/main" id="{2676847F-50B1-1C45-8F5C-976803799E4B}"/>
+              </a:ext>
+            </a:extLst>
+          </p:cNvPr>
+          <p:cNvSpPr txBox="1"/>
+          <p:nvPr/>
+        </p:nvSpPr>
+        <p:spPr>
+          <a:xfrm>
+            <a:off x="490654" y="6027234"/>
+            <a:ext cx="2205155" cy="369332"/>
+          </a:xfrm>
+          <a:prstGeom prst="rect">
+            <a:avLst/>
+          </a:prstGeom>
+          <a:noFill/>
+        </p:spPr>
+        <p:txBody>
+          <a:bodyPr wrap="none" rtlCol="0">
+            <a:spAutoFit/>
+          </a:bodyPr>
+          <a:lstStyle/>
+          <a:p>
+            <a:r>
+              <a:rPr lang="en-US" dirty="0"/>
+              <a:t>Dietbrand Tollenaere</a:t>
+            </a:r>
+          </a:p>
+        </p:txBody>
+      </p:sp>
     </p:spTree>
     <p:extLst>
       <p:ext uri="{BB962C8B-B14F-4D97-AF65-F5344CB8AC3E}">
@@ -10543,6 +10793,186 @@
   <p:clrMapOvr>
     <a:masterClrMapping/>
   </p:clrMapOvr>
+  <p:timing>
+    <p:tnLst>
+      <p:par>
+        <p:cTn id="1" dur="indefinite" restart="never" nodeType="tmRoot">
+          <p:childTnLst>
+            <p:seq concurrent="1" nextAc="seek">
+              <p:cTn id="2" dur="indefinite" nodeType="mainSeq">
+                <p:childTnLst>
+                  <p:par>
+                    <p:cTn id="3" fill="hold">
+                      <p:stCondLst>
+                        <p:cond delay="indefinite"/>
+                      </p:stCondLst>
+                      <p:childTnLst>
+                        <p:par>
+                          <p:cTn id="4" fill="hold">
+                            <p:stCondLst>
+                              <p:cond delay="0"/>
+                            </p:stCondLst>
+                            <p:childTnLst>
+                              <p:par>
+                                <p:cTn id="5" presetID="1" presetClass="entr" presetSubtype="0" fill="hold" grpId="0" nodeType="clickEffect">
+                                  <p:stCondLst>
+                                    <p:cond delay="0"/>
+                                  </p:stCondLst>
+                                  <p:childTnLst>
+                                    <p:set>
+                                      <p:cBhvr>
+                                        <p:cTn id="6" dur="1" fill="hold">
+                                          <p:stCondLst>
+                                            <p:cond delay="0"/>
+                                          </p:stCondLst>
+                                        </p:cTn>
+                                        <p:tgtEl>
+                                          <p:spTgt spid="3">
+                                            <p:txEl>
+                                              <p:pRg st="0" end="0"/>
+                                            </p:txEl>
+                                          </p:spTgt>
+                                        </p:tgtEl>
+                                        <p:attrNameLst>
+                                          <p:attrName>style.visibility</p:attrName>
+                                        </p:attrNameLst>
+                                      </p:cBhvr>
+                                      <p:to>
+                                        <p:strVal val="visible"/>
+                                      </p:to>
+                                    </p:set>
+                                  </p:childTnLst>
+                                </p:cTn>
+                              </p:par>
+                            </p:childTnLst>
+                          </p:cTn>
+                        </p:par>
+                      </p:childTnLst>
+                    </p:cTn>
+                  </p:par>
+                  <p:par>
+                    <p:cTn id="7" fill="hold">
+                      <p:stCondLst>
+                        <p:cond delay="indefinite"/>
+                      </p:stCondLst>
+                      <p:childTnLst>
+                        <p:par>
+                          <p:cTn id="8" fill="hold">
+                            <p:stCondLst>
+                              <p:cond delay="0"/>
+                            </p:stCondLst>
+                            <p:childTnLst>
+                              <p:par>
+                                <p:cTn id="9" presetID="1" presetClass="entr" presetSubtype="0" fill="hold" grpId="0" nodeType="clickEffect">
+                                  <p:stCondLst>
+                                    <p:cond delay="0"/>
+                                  </p:stCondLst>
+                                  <p:childTnLst>
+                                    <p:set>
+                                      <p:cBhvr>
+                                        <p:cTn id="10" dur="1" fill="hold">
+                                          <p:stCondLst>
+                                            <p:cond delay="0"/>
+                                          </p:stCondLst>
+                                        </p:cTn>
+                                        <p:tgtEl>
+                                          <p:spTgt spid="3">
+                                            <p:txEl>
+                                              <p:pRg st="1" end="1"/>
+                                            </p:txEl>
+                                          </p:spTgt>
+                                        </p:tgtEl>
+                                        <p:attrNameLst>
+                                          <p:attrName>style.visibility</p:attrName>
+                                        </p:attrNameLst>
+                                      </p:cBhvr>
+                                      <p:to>
+                                        <p:strVal val="visible"/>
+                                      </p:to>
+                                    </p:set>
+                                  </p:childTnLst>
+                                </p:cTn>
+                              </p:par>
+                            </p:childTnLst>
+                          </p:cTn>
+                        </p:par>
+                      </p:childTnLst>
+                    </p:cTn>
+                  </p:par>
+                  <p:par>
+                    <p:cTn id="11" fill="hold">
+                      <p:stCondLst>
+                        <p:cond delay="indefinite"/>
+                      </p:stCondLst>
+                      <p:childTnLst>
+                        <p:par>
+                          <p:cTn id="12" fill="hold">
+                            <p:stCondLst>
+                              <p:cond delay="0"/>
+                            </p:stCondLst>
+                            <p:childTnLst>
+                              <p:par>
+                                <p:cTn id="13" presetID="1" presetClass="entr" presetSubtype="0" fill="hold" grpId="0" nodeType="clickEffect">
+                                  <p:stCondLst>
+                                    <p:cond delay="0"/>
+                                  </p:stCondLst>
+                                  <p:childTnLst>
+                                    <p:set>
+                                      <p:cBhvr>
+                                        <p:cTn id="14" dur="1" fill="hold">
+                                          <p:stCondLst>
+                                            <p:cond delay="0"/>
+                                          </p:stCondLst>
+                                        </p:cTn>
+                                        <p:tgtEl>
+                                          <p:spTgt spid="3">
+                                            <p:txEl>
+                                              <p:pRg st="2" end="2"/>
+                                            </p:txEl>
+                                          </p:spTgt>
+                                        </p:tgtEl>
+                                        <p:attrNameLst>
+                                          <p:attrName>style.visibility</p:attrName>
+                                        </p:attrNameLst>
+                                      </p:cBhvr>
+                                      <p:to>
+                                        <p:strVal val="visible"/>
+                                      </p:to>
+                                    </p:set>
+                                  </p:childTnLst>
+                                </p:cTn>
+                              </p:par>
+                            </p:childTnLst>
+                          </p:cTn>
+                        </p:par>
+                      </p:childTnLst>
+                    </p:cTn>
+                  </p:par>
+                </p:childTnLst>
+              </p:cTn>
+              <p:prevCondLst>
+                <p:cond evt="onPrev" delay="0">
+                  <p:tgtEl>
+                    <p:sldTgt/>
+                  </p:tgtEl>
+                </p:cond>
+              </p:prevCondLst>
+              <p:nextCondLst>
+                <p:cond evt="onNext" delay="0">
+                  <p:tgtEl>
+                    <p:sldTgt/>
+                  </p:tgtEl>
+                </p:cond>
+              </p:nextCondLst>
+            </p:seq>
+          </p:childTnLst>
+        </p:cTn>
+      </p:par>
+    </p:tnLst>
+    <p:bldLst>
+      <p:bldP spid="3" grpId="0" build="p"/>
+    </p:bldLst>
+  </p:timing>
 </p:sld>
 </file>
 
@@ -10670,6 +11100,41 @@
           </a:prstGeom>
         </p:spPr>
       </p:pic>
+      <p:sp>
+        <p:nvSpPr>
+          <p:cNvPr id="5" name="TextBox 4">
+            <a:extLst>
+              <a:ext uri="{FF2B5EF4-FFF2-40B4-BE49-F238E27FC236}">
+                <a16:creationId xmlns:a16="http://schemas.microsoft.com/office/drawing/2014/main" id="{7D443F0C-D6D7-3048-9FF1-5B40A4C7964B}"/>
+              </a:ext>
+            </a:extLst>
+          </p:cNvPr>
+          <p:cNvSpPr txBox="1"/>
+          <p:nvPr/>
+        </p:nvSpPr>
+        <p:spPr>
+          <a:xfrm>
+            <a:off x="490654" y="6027234"/>
+            <a:ext cx="2205155" cy="369332"/>
+          </a:xfrm>
+          <a:prstGeom prst="rect">
+            <a:avLst/>
+          </a:prstGeom>
+          <a:noFill/>
+        </p:spPr>
+        <p:txBody>
+          <a:bodyPr wrap="none" rtlCol="0">
+            <a:spAutoFit/>
+          </a:bodyPr>
+          <a:lstStyle/>
+          <a:p>
+            <a:r>
+              <a:rPr lang="en-US" dirty="0"/>
+              <a:t>Dietbrand Tollenaere</a:t>
+            </a:r>
+          </a:p>
+        </p:txBody>
+      </p:sp>
     </p:spTree>
     <p:extLst>
       <p:ext uri="{BB962C8B-B14F-4D97-AF65-F5344CB8AC3E}">
@@ -10680,6 +11145,231 @@
   <p:clrMapOvr>
     <a:masterClrMapping/>
   </p:clrMapOvr>
+  <p:timing>
+    <p:tnLst>
+      <p:par>
+        <p:cTn id="1" dur="indefinite" restart="never" nodeType="tmRoot">
+          <p:childTnLst>
+            <p:seq concurrent="1" nextAc="seek">
+              <p:cTn id="2" dur="indefinite" nodeType="mainSeq">
+                <p:childTnLst>
+                  <p:par>
+                    <p:cTn id="3" fill="hold">
+                      <p:stCondLst>
+                        <p:cond delay="indefinite"/>
+                      </p:stCondLst>
+                      <p:childTnLst>
+                        <p:par>
+                          <p:cTn id="4" fill="hold">
+                            <p:stCondLst>
+                              <p:cond delay="0"/>
+                            </p:stCondLst>
+                            <p:childTnLst>
+                              <p:par>
+                                <p:cTn id="5" presetID="1" presetClass="entr" presetSubtype="0" fill="hold" grpId="0" nodeType="clickEffect">
+                                  <p:stCondLst>
+                                    <p:cond delay="0"/>
+                                  </p:stCondLst>
+                                  <p:childTnLst>
+                                    <p:set>
+                                      <p:cBhvr>
+                                        <p:cTn id="6" dur="1" fill="hold">
+                                          <p:stCondLst>
+                                            <p:cond delay="0"/>
+                                          </p:stCondLst>
+                                        </p:cTn>
+                                        <p:tgtEl>
+                                          <p:spTgt spid="3">
+                                            <p:txEl>
+                                              <p:pRg st="0" end="0"/>
+                                            </p:txEl>
+                                          </p:spTgt>
+                                        </p:tgtEl>
+                                        <p:attrNameLst>
+                                          <p:attrName>style.visibility</p:attrName>
+                                        </p:attrNameLst>
+                                      </p:cBhvr>
+                                      <p:to>
+                                        <p:strVal val="visible"/>
+                                      </p:to>
+                                    </p:set>
+                                  </p:childTnLst>
+                                </p:cTn>
+                              </p:par>
+                            </p:childTnLst>
+                          </p:cTn>
+                        </p:par>
+                      </p:childTnLst>
+                    </p:cTn>
+                  </p:par>
+                  <p:par>
+                    <p:cTn id="7" fill="hold">
+                      <p:stCondLst>
+                        <p:cond delay="indefinite"/>
+                      </p:stCondLst>
+                      <p:childTnLst>
+                        <p:par>
+                          <p:cTn id="8" fill="hold">
+                            <p:stCondLst>
+                              <p:cond delay="0"/>
+                            </p:stCondLst>
+                            <p:childTnLst>
+                              <p:par>
+                                <p:cTn id="9" presetID="1" presetClass="entr" presetSubtype="0" fill="hold" grpId="0" nodeType="clickEffect">
+                                  <p:stCondLst>
+                                    <p:cond delay="0"/>
+                                  </p:stCondLst>
+                                  <p:childTnLst>
+                                    <p:set>
+                                      <p:cBhvr>
+                                        <p:cTn id="10" dur="1" fill="hold">
+                                          <p:stCondLst>
+                                            <p:cond delay="0"/>
+                                          </p:stCondLst>
+                                        </p:cTn>
+                                        <p:tgtEl>
+                                          <p:spTgt spid="3">
+                                            <p:txEl>
+                                              <p:pRg st="1" end="1"/>
+                                            </p:txEl>
+                                          </p:spTgt>
+                                        </p:tgtEl>
+                                        <p:attrNameLst>
+                                          <p:attrName>style.visibility</p:attrName>
+                                        </p:attrNameLst>
+                                      </p:cBhvr>
+                                      <p:to>
+                                        <p:strVal val="visible"/>
+                                      </p:to>
+                                    </p:set>
+                                  </p:childTnLst>
+                                </p:cTn>
+                              </p:par>
+                            </p:childTnLst>
+                          </p:cTn>
+                        </p:par>
+                      </p:childTnLst>
+                    </p:cTn>
+                  </p:par>
+                  <p:par>
+                    <p:cTn id="11" fill="hold">
+                      <p:stCondLst>
+                        <p:cond delay="indefinite"/>
+                      </p:stCondLst>
+                      <p:childTnLst>
+                        <p:par>
+                          <p:cTn id="12" fill="hold">
+                            <p:stCondLst>
+                              <p:cond delay="0"/>
+                            </p:stCondLst>
+                            <p:childTnLst>
+                              <p:par>
+                                <p:cTn id="13" presetID="1" presetClass="entr" presetSubtype="0" fill="hold" grpId="0" nodeType="clickEffect">
+                                  <p:stCondLst>
+                                    <p:cond delay="0"/>
+                                  </p:stCondLst>
+                                  <p:childTnLst>
+                                    <p:set>
+                                      <p:cBhvr>
+                                        <p:cTn id="14" dur="1" fill="hold">
+                                          <p:stCondLst>
+                                            <p:cond delay="0"/>
+                                          </p:stCondLst>
+                                        </p:cTn>
+                                        <p:tgtEl>
+                                          <p:spTgt spid="3">
+                                            <p:txEl>
+                                              <p:pRg st="2" end="2"/>
+                                            </p:txEl>
+                                          </p:spTgt>
+                                        </p:tgtEl>
+                                        <p:attrNameLst>
+                                          <p:attrName>style.visibility</p:attrName>
+                                        </p:attrNameLst>
+                                      </p:cBhvr>
+                                      <p:to>
+                                        <p:strVal val="visible"/>
+                                      </p:to>
+                                    </p:set>
+                                  </p:childTnLst>
+                                </p:cTn>
+                              </p:par>
+                            </p:childTnLst>
+                          </p:cTn>
+                        </p:par>
+                      </p:childTnLst>
+                    </p:cTn>
+                  </p:par>
+                  <p:par>
+                    <p:cTn id="15" fill="hold">
+                      <p:stCondLst>
+                        <p:cond delay="indefinite"/>
+                      </p:stCondLst>
+                      <p:childTnLst>
+                        <p:par>
+                          <p:cTn id="16" fill="hold">
+                            <p:stCondLst>
+                              <p:cond delay="0"/>
+                            </p:stCondLst>
+                            <p:childTnLst>
+                              <p:par>
+                                <p:cTn id="17" presetID="1" presetClass="entr" presetSubtype="0" fill="hold" nodeType="clickEffect">
+                                  <p:stCondLst>
+                                    <p:cond delay="0"/>
+                                  </p:stCondLst>
+                                  <p:childTnLst>
+                                    <p:set>
+                                      <p:cBhvr>
+                                        <p:cTn id="18" dur="1" fill="hold">
+                                          <p:stCondLst>
+                                            <p:cond delay="0"/>
+                                          </p:stCondLst>
+                                        </p:cTn>
+                                        <p:tgtEl>
+                                          <p:spTgt spid="7"/>
+                                        </p:tgtEl>
+                                        <p:attrNameLst>
+                                          <p:attrName>style.visibility</p:attrName>
+                                        </p:attrNameLst>
+                                      </p:cBhvr>
+                                      <p:to>
+                                        <p:strVal val="visible"/>
+                                      </p:to>
+                                    </p:set>
+                                  </p:childTnLst>
+                                </p:cTn>
+                              </p:par>
+                            </p:childTnLst>
+                          </p:cTn>
+                        </p:par>
+                      </p:childTnLst>
+                    </p:cTn>
+                  </p:par>
+                </p:childTnLst>
+              </p:cTn>
+              <p:prevCondLst>
+                <p:cond evt="onPrev" delay="0">
+                  <p:tgtEl>
+                    <p:sldTgt/>
+                  </p:tgtEl>
+                </p:cond>
+              </p:prevCondLst>
+              <p:nextCondLst>
+                <p:cond evt="onNext" delay="0">
+                  <p:tgtEl>
+                    <p:sldTgt/>
+                  </p:tgtEl>
+                </p:cond>
+              </p:nextCondLst>
+            </p:seq>
+          </p:childTnLst>
+        </p:cTn>
+      </p:par>
+    </p:tnLst>
+    <p:bldLst>
+      <p:bldP spid="3" grpId="0" build="p"/>
+    </p:bldLst>
+  </p:timing>
 </p:sld>
 </file>
 
@@ -10728,6 +11418,83 @@
           </a:p>
         </p:txBody>
       </p:sp>
+      <p:sp>
+        <p:nvSpPr>
+          <p:cNvPr id="8" name="Content Placeholder 2">
+            <a:extLst>
+              <a:ext uri="{FF2B5EF4-FFF2-40B4-BE49-F238E27FC236}">
+                <a16:creationId xmlns:a16="http://schemas.microsoft.com/office/drawing/2014/main" id="{573FD31C-B18A-7E76-1B3B-2858D3226D28}"/>
+              </a:ext>
+            </a:extLst>
+          </p:cNvPr>
+          <p:cNvSpPr>
+            <a:spLocks noGrp="1"/>
+          </p:cNvSpPr>
+          <p:nvPr>
+            <p:ph idx="1"/>
+          </p:nvPr>
+        </p:nvSpPr>
+        <p:spPr>
+          <a:xfrm>
+            <a:off x="838200" y="1584620"/>
+            <a:ext cx="4920536" cy="4351338"/>
+          </a:xfrm>
+        </p:spPr>
+        <p:txBody>
+          <a:bodyPr/>
+          <a:lstStyle/>
+          <a:p>
+            <a:r>
+              <a:rPr lang="en-US" dirty="0"/>
+              <a:t>Python package: pyside6</a:t>
+            </a:r>
+          </a:p>
+          <a:p>
+            <a:r>
+              <a:rPr lang="en-US" dirty="0"/>
+              <a:t>Drempelverlagend</a:t>
+            </a:r>
+          </a:p>
+          <a:p>
+            <a:endParaRPr lang="en-US" dirty="0"/>
+          </a:p>
+        </p:txBody>
+      </p:sp>
+      <p:sp>
+        <p:nvSpPr>
+          <p:cNvPr id="5" name="TextBox 4">
+            <a:extLst>
+              <a:ext uri="{FF2B5EF4-FFF2-40B4-BE49-F238E27FC236}">
+                <a16:creationId xmlns:a16="http://schemas.microsoft.com/office/drawing/2014/main" id="{ECF6C122-504B-9940-84E7-621D60E49AE4}"/>
+              </a:ext>
+            </a:extLst>
+          </p:cNvPr>
+          <p:cNvSpPr txBox="1"/>
+          <p:nvPr/>
+        </p:nvSpPr>
+        <p:spPr>
+          <a:xfrm>
+            <a:off x="490654" y="6027234"/>
+            <a:ext cx="2205155" cy="369332"/>
+          </a:xfrm>
+          <a:prstGeom prst="rect">
+            <a:avLst/>
+          </a:prstGeom>
+          <a:noFill/>
+        </p:spPr>
+        <p:txBody>
+          <a:bodyPr wrap="none" rtlCol="0">
+            <a:spAutoFit/>
+          </a:bodyPr>
+          <a:lstStyle/>
+          <a:p>
+            <a:r>
+              <a:rPr lang="en-US" dirty="0"/>
+              <a:t>Dietbrand Tollenaere</a:t>
+            </a:r>
+          </a:p>
+        </p:txBody>
+      </p:sp>
       <p:pic>
         <p:nvPicPr>
           <p:cNvPr id="7" name="Picture 6">
@@ -10750,7 +11517,7 @@
         </p:blipFill>
         <p:spPr>
           <a:xfrm>
-            <a:off x="838200" y="1478553"/>
+            <a:off x="5513070" y="1205833"/>
             <a:ext cx="5291572" cy="5108913"/>
           </a:xfrm>
           <a:prstGeom prst="rect">
@@ -10758,42 +11525,6 @@
           </a:prstGeom>
         </p:spPr>
       </p:pic>
-      <p:sp>
-        <p:nvSpPr>
-          <p:cNvPr id="8" name="Content Placeholder 2">
-            <a:extLst>
-              <a:ext uri="{FF2B5EF4-FFF2-40B4-BE49-F238E27FC236}">
-                <a16:creationId xmlns:a16="http://schemas.microsoft.com/office/drawing/2014/main" id="{573FD31C-B18A-7E76-1B3B-2858D3226D28}"/>
-              </a:ext>
-            </a:extLst>
-          </p:cNvPr>
-          <p:cNvSpPr>
-            <a:spLocks noGrp="1"/>
-          </p:cNvSpPr>
-          <p:nvPr>
-            <p:ph idx="1"/>
-          </p:nvPr>
-        </p:nvSpPr>
-        <p:spPr>
-          <a:xfrm>
-            <a:off x="6281518" y="1478553"/>
-            <a:ext cx="4920536" cy="4351338"/>
-          </a:xfrm>
-        </p:spPr>
-        <p:txBody>
-          <a:bodyPr/>
-          <a:lstStyle/>
-          <a:p>
-            <a:r>
-              <a:rPr lang="en-US" dirty="0"/>
-              <a:t>Python package: pyside6</a:t>
-            </a:r>
-          </a:p>
-          <a:p>
-            <a:endParaRPr lang="en-US" dirty="0"/>
-          </a:p>
-        </p:txBody>
-      </p:sp>
     </p:spTree>
     <p:extLst>
       <p:ext uri="{BB962C8B-B14F-4D97-AF65-F5344CB8AC3E}">
@@ -10804,6 +11535,182 @@
   <p:clrMapOvr>
     <a:masterClrMapping/>
   </p:clrMapOvr>
+  <p:timing>
+    <p:tnLst>
+      <p:par>
+        <p:cTn id="1" dur="indefinite" restart="never" nodeType="tmRoot">
+          <p:childTnLst>
+            <p:seq concurrent="1" nextAc="seek">
+              <p:cTn id="2" dur="indefinite" nodeType="mainSeq">
+                <p:childTnLst>
+                  <p:par>
+                    <p:cTn id="3" fill="hold">
+                      <p:stCondLst>
+                        <p:cond delay="indefinite"/>
+                      </p:stCondLst>
+                      <p:childTnLst>
+                        <p:par>
+                          <p:cTn id="4" fill="hold">
+                            <p:stCondLst>
+                              <p:cond delay="0"/>
+                            </p:stCondLst>
+                            <p:childTnLst>
+                              <p:par>
+                                <p:cTn id="5" presetID="1" presetClass="entr" presetSubtype="0" fill="hold" grpId="0" nodeType="clickEffect">
+                                  <p:stCondLst>
+                                    <p:cond delay="0"/>
+                                  </p:stCondLst>
+                                  <p:childTnLst>
+                                    <p:set>
+                                      <p:cBhvr>
+                                        <p:cTn id="6" dur="1" fill="hold">
+                                          <p:stCondLst>
+                                            <p:cond delay="0"/>
+                                          </p:stCondLst>
+                                        </p:cTn>
+                                        <p:tgtEl>
+                                          <p:spTgt spid="8">
+                                            <p:txEl>
+                                              <p:pRg st="0" end="0"/>
+                                            </p:txEl>
+                                          </p:spTgt>
+                                        </p:tgtEl>
+                                        <p:attrNameLst>
+                                          <p:attrName>style.visibility</p:attrName>
+                                        </p:attrNameLst>
+                                      </p:cBhvr>
+                                      <p:to>
+                                        <p:strVal val="visible"/>
+                                      </p:to>
+                                    </p:set>
+                                  </p:childTnLst>
+                                </p:cTn>
+                              </p:par>
+                            </p:childTnLst>
+                          </p:cTn>
+                        </p:par>
+                      </p:childTnLst>
+                    </p:cTn>
+                  </p:par>
+                  <p:par>
+                    <p:cTn id="7" fill="hold">
+                      <p:stCondLst>
+                        <p:cond delay="indefinite"/>
+                      </p:stCondLst>
+                      <p:childTnLst>
+                        <p:par>
+                          <p:cTn id="8" fill="hold">
+                            <p:stCondLst>
+                              <p:cond delay="0"/>
+                            </p:stCondLst>
+                            <p:childTnLst>
+                              <p:par>
+                                <p:cTn id="9" presetID="1" presetClass="entr" presetSubtype="0" fill="hold" grpId="0" nodeType="clickEffect">
+                                  <p:stCondLst>
+                                    <p:cond delay="0"/>
+                                  </p:stCondLst>
+                                  <p:childTnLst>
+                                    <p:set>
+                                      <p:cBhvr>
+                                        <p:cTn id="10" dur="1" fill="hold">
+                                          <p:stCondLst>
+                                            <p:cond delay="0"/>
+                                          </p:stCondLst>
+                                        </p:cTn>
+                                        <p:tgtEl>
+                                          <p:spTgt spid="8">
+                                            <p:txEl>
+                                              <p:pRg st="1" end="1"/>
+                                            </p:txEl>
+                                          </p:spTgt>
+                                        </p:tgtEl>
+                                        <p:attrNameLst>
+                                          <p:attrName>style.visibility</p:attrName>
+                                        </p:attrNameLst>
+                                      </p:cBhvr>
+                                      <p:to>
+                                        <p:strVal val="visible"/>
+                                      </p:to>
+                                    </p:set>
+                                  </p:childTnLst>
+                                </p:cTn>
+                              </p:par>
+                            </p:childTnLst>
+                          </p:cTn>
+                        </p:par>
+                      </p:childTnLst>
+                    </p:cTn>
+                  </p:par>
+                  <p:par>
+                    <p:cTn id="11" fill="hold">
+                      <p:stCondLst>
+                        <p:cond delay="indefinite"/>
+                      </p:stCondLst>
+                      <p:childTnLst>
+                        <p:par>
+                          <p:cTn id="12" fill="hold">
+                            <p:stCondLst>
+                              <p:cond delay="0"/>
+                            </p:stCondLst>
+                            <p:childTnLst>
+                              <p:par>
+                                <p:cTn id="13" presetID="1" presetClass="entr" presetSubtype="0" fill="hold" nodeType="clickEffect">
+                                  <p:stCondLst>
+                                    <p:cond delay="0"/>
+                                  </p:stCondLst>
+                                  <p:childTnLst>
+                                    <p:set>
+                                      <p:cBhvr>
+                                        <p:cTn id="14" dur="1" fill="hold">
+                                          <p:stCondLst>
+                                            <p:cond delay="0"/>
+                                          </p:stCondLst>
+                                        </p:cTn>
+                                        <p:tgtEl>
+                                          <p:spTgt spid="7"/>
+                                        </p:tgtEl>
+                                        <p:attrNameLst>
+                                          <p:attrName>style.visibility</p:attrName>
+                                        </p:attrNameLst>
+                                      </p:cBhvr>
+                                      <p:to>
+                                        <p:strVal val="visible"/>
+                                      </p:to>
+                                    </p:set>
+                                  </p:childTnLst>
+                                </p:cTn>
+                              </p:par>
+                            </p:childTnLst>
+                          </p:cTn>
+                        </p:par>
+                      </p:childTnLst>
+                    </p:cTn>
+                  </p:par>
+                </p:childTnLst>
+              </p:cTn>
+              <p:prevCondLst>
+                <p:cond evt="onPrev" delay="0">
+                  <p:tgtEl>
+                    <p:sldTgt/>
+                  </p:tgtEl>
+                </p:cond>
+              </p:prevCondLst>
+              <p:nextCondLst>
+                <p:cond evt="onNext" delay="0">
+                  <p:tgtEl>
+                    <p:sldTgt/>
+                  </p:tgtEl>
+                </p:cond>
+              </p:nextCondLst>
+            </p:seq>
+          </p:childTnLst>
+        </p:cTn>
+      </p:par>
+    </p:tnLst>
+    <p:bldLst>
+      <p:bldP spid="8" grpId="0" build="p"/>
+    </p:bldLst>
+  </p:timing>
 </p:sld>
 </file>
 
@@ -10870,7 +11777,7 @@
         </p:nvSpPr>
         <p:spPr>
           <a:xfrm>
-            <a:off x="6096000" y="1825625"/>
+            <a:off x="838200" y="1675896"/>
             <a:ext cx="5257800" cy="4351338"/>
           </a:xfrm>
         </p:spPr>
@@ -10941,7 +11848,7 @@
         </p:blipFill>
         <p:spPr>
           <a:xfrm>
-            <a:off x="838200" y="1522958"/>
+            <a:off x="6096000" y="1364453"/>
             <a:ext cx="4125414" cy="5128422"/>
           </a:xfrm>
           <a:prstGeom prst="rect">
@@ -10949,6 +11856,41 @@
           </a:prstGeom>
         </p:spPr>
       </p:pic>
+      <p:sp>
+        <p:nvSpPr>
+          <p:cNvPr id="6" name="TextBox 5">
+            <a:extLst>
+              <a:ext uri="{FF2B5EF4-FFF2-40B4-BE49-F238E27FC236}">
+                <a16:creationId xmlns:a16="http://schemas.microsoft.com/office/drawing/2014/main" id="{03DCD4B3-C24A-354E-92FA-168AC92EBEB5}"/>
+              </a:ext>
+            </a:extLst>
+          </p:cNvPr>
+          <p:cNvSpPr txBox="1"/>
+          <p:nvPr/>
+        </p:nvSpPr>
+        <p:spPr>
+          <a:xfrm>
+            <a:off x="490654" y="6027234"/>
+            <a:ext cx="2205155" cy="369332"/>
+          </a:xfrm>
+          <a:prstGeom prst="rect">
+            <a:avLst/>
+          </a:prstGeom>
+          <a:noFill/>
+        </p:spPr>
+        <p:txBody>
+          <a:bodyPr wrap="none" rtlCol="0">
+            <a:spAutoFit/>
+          </a:bodyPr>
+          <a:lstStyle/>
+          <a:p>
+            <a:r>
+              <a:rPr lang="en-US" dirty="0"/>
+              <a:t>Dietbrand Tollenaere</a:t>
+            </a:r>
+          </a:p>
+        </p:txBody>
+      </p:sp>
     </p:spTree>
     <p:extLst>
       <p:ext uri="{BB962C8B-B14F-4D97-AF65-F5344CB8AC3E}">
@@ -10959,6 +11901,182 @@
   <p:clrMapOvr>
     <a:masterClrMapping/>
   </p:clrMapOvr>
+  <p:timing>
+    <p:tnLst>
+      <p:par>
+        <p:cTn id="1" dur="indefinite" restart="never" nodeType="tmRoot">
+          <p:childTnLst>
+            <p:seq concurrent="1" nextAc="seek">
+              <p:cTn id="2" dur="indefinite" nodeType="mainSeq">
+                <p:childTnLst>
+                  <p:par>
+                    <p:cTn id="3" fill="hold">
+                      <p:stCondLst>
+                        <p:cond delay="indefinite"/>
+                      </p:stCondLst>
+                      <p:childTnLst>
+                        <p:par>
+                          <p:cTn id="4" fill="hold">
+                            <p:stCondLst>
+                              <p:cond delay="0"/>
+                            </p:stCondLst>
+                            <p:childTnLst>
+                              <p:par>
+                                <p:cTn id="5" presetID="1" presetClass="entr" presetSubtype="0" fill="hold" grpId="0" nodeType="clickEffect">
+                                  <p:stCondLst>
+                                    <p:cond delay="0"/>
+                                  </p:stCondLst>
+                                  <p:childTnLst>
+                                    <p:set>
+                                      <p:cBhvr>
+                                        <p:cTn id="6" dur="1" fill="hold">
+                                          <p:stCondLst>
+                                            <p:cond delay="0"/>
+                                          </p:stCondLst>
+                                        </p:cTn>
+                                        <p:tgtEl>
+                                          <p:spTgt spid="3">
+                                            <p:txEl>
+                                              <p:pRg st="0" end="0"/>
+                                            </p:txEl>
+                                          </p:spTgt>
+                                        </p:tgtEl>
+                                        <p:attrNameLst>
+                                          <p:attrName>style.visibility</p:attrName>
+                                        </p:attrNameLst>
+                                      </p:cBhvr>
+                                      <p:to>
+                                        <p:strVal val="visible"/>
+                                      </p:to>
+                                    </p:set>
+                                  </p:childTnLst>
+                                </p:cTn>
+                              </p:par>
+                            </p:childTnLst>
+                          </p:cTn>
+                        </p:par>
+                      </p:childTnLst>
+                    </p:cTn>
+                  </p:par>
+                  <p:par>
+                    <p:cTn id="7" fill="hold">
+                      <p:stCondLst>
+                        <p:cond delay="indefinite"/>
+                      </p:stCondLst>
+                      <p:childTnLst>
+                        <p:par>
+                          <p:cTn id="8" fill="hold">
+                            <p:stCondLst>
+                              <p:cond delay="0"/>
+                            </p:stCondLst>
+                            <p:childTnLst>
+                              <p:par>
+                                <p:cTn id="9" presetID="1" presetClass="entr" presetSubtype="0" fill="hold" grpId="0" nodeType="clickEffect">
+                                  <p:stCondLst>
+                                    <p:cond delay="0"/>
+                                  </p:stCondLst>
+                                  <p:childTnLst>
+                                    <p:set>
+                                      <p:cBhvr>
+                                        <p:cTn id="10" dur="1" fill="hold">
+                                          <p:stCondLst>
+                                            <p:cond delay="0"/>
+                                          </p:stCondLst>
+                                        </p:cTn>
+                                        <p:tgtEl>
+                                          <p:spTgt spid="3">
+                                            <p:txEl>
+                                              <p:pRg st="1" end="1"/>
+                                            </p:txEl>
+                                          </p:spTgt>
+                                        </p:tgtEl>
+                                        <p:attrNameLst>
+                                          <p:attrName>style.visibility</p:attrName>
+                                        </p:attrNameLst>
+                                      </p:cBhvr>
+                                      <p:to>
+                                        <p:strVal val="visible"/>
+                                      </p:to>
+                                    </p:set>
+                                  </p:childTnLst>
+                                </p:cTn>
+                              </p:par>
+                            </p:childTnLst>
+                          </p:cTn>
+                        </p:par>
+                      </p:childTnLst>
+                    </p:cTn>
+                  </p:par>
+                  <p:par>
+                    <p:cTn id="11" fill="hold">
+                      <p:stCondLst>
+                        <p:cond delay="indefinite"/>
+                      </p:stCondLst>
+                      <p:childTnLst>
+                        <p:par>
+                          <p:cTn id="12" fill="hold">
+                            <p:stCondLst>
+                              <p:cond delay="0"/>
+                            </p:stCondLst>
+                            <p:childTnLst>
+                              <p:par>
+                                <p:cTn id="13" presetID="1" presetClass="entr" presetSubtype="0" fill="hold" nodeType="clickEffect">
+                                  <p:stCondLst>
+                                    <p:cond delay="0"/>
+                                  </p:stCondLst>
+                                  <p:childTnLst>
+                                    <p:set>
+                                      <p:cBhvr>
+                                        <p:cTn id="14" dur="1" fill="hold">
+                                          <p:stCondLst>
+                                            <p:cond delay="0"/>
+                                          </p:stCondLst>
+                                        </p:cTn>
+                                        <p:tgtEl>
+                                          <p:spTgt spid="5"/>
+                                        </p:tgtEl>
+                                        <p:attrNameLst>
+                                          <p:attrName>style.visibility</p:attrName>
+                                        </p:attrNameLst>
+                                      </p:cBhvr>
+                                      <p:to>
+                                        <p:strVal val="visible"/>
+                                      </p:to>
+                                    </p:set>
+                                  </p:childTnLst>
+                                </p:cTn>
+                              </p:par>
+                            </p:childTnLst>
+                          </p:cTn>
+                        </p:par>
+                      </p:childTnLst>
+                    </p:cTn>
+                  </p:par>
+                </p:childTnLst>
+              </p:cTn>
+              <p:prevCondLst>
+                <p:cond evt="onPrev" delay="0">
+                  <p:tgtEl>
+                    <p:sldTgt/>
+                  </p:tgtEl>
+                </p:cond>
+              </p:prevCondLst>
+              <p:nextCondLst>
+                <p:cond evt="onNext" delay="0">
+                  <p:tgtEl>
+                    <p:sldTgt/>
+                  </p:tgtEl>
+                </p:cond>
+              </p:nextCondLst>
+            </p:seq>
+          </p:childTnLst>
+        </p:cTn>
+      </p:par>
+    </p:tnLst>
+    <p:bldLst>
+      <p:bldP spid="3" grpId="0" build="p"/>
+    </p:bldLst>
+  </p:timing>
 </p:sld>
 </file>
 
@@ -11011,6 +12129,41 @@
             <a:r>
               <a:rPr lang="en-US" sz="12000" dirty="0"/>
               <a:t>Hello QML demo</a:t>
+            </a:r>
+          </a:p>
+        </p:txBody>
+      </p:sp>
+      <p:sp>
+        <p:nvSpPr>
+          <p:cNvPr id="3" name="TextBox 2">
+            <a:extLst>
+              <a:ext uri="{FF2B5EF4-FFF2-40B4-BE49-F238E27FC236}">
+                <a16:creationId xmlns:a16="http://schemas.microsoft.com/office/drawing/2014/main" id="{99CC4187-184D-A449-9B3D-BC773891D93F}"/>
+              </a:ext>
+            </a:extLst>
+          </p:cNvPr>
+          <p:cNvSpPr txBox="1"/>
+          <p:nvPr/>
+        </p:nvSpPr>
+        <p:spPr>
+          <a:xfrm>
+            <a:off x="490654" y="6027234"/>
+            <a:ext cx="2205155" cy="369332"/>
+          </a:xfrm>
+          <a:prstGeom prst="rect">
+            <a:avLst/>
+          </a:prstGeom>
+          <a:noFill/>
+        </p:spPr>
+        <p:txBody>
+          <a:bodyPr wrap="none" rtlCol="0">
+            <a:spAutoFit/>
+          </a:bodyPr>
+          <a:lstStyle/>
+          <a:p>
+            <a:r>
+              <a:rPr lang="en-US" dirty="0"/>
+              <a:t>Dietbrand Tollenaere</a:t>
             </a:r>
           </a:p>
         </p:txBody>
@@ -11127,6 +12280,41 @@
           </a:p>
         </p:txBody>
       </p:sp>
+      <p:sp>
+        <p:nvSpPr>
+          <p:cNvPr id="4" name="TextBox 3">
+            <a:extLst>
+              <a:ext uri="{FF2B5EF4-FFF2-40B4-BE49-F238E27FC236}">
+                <a16:creationId xmlns:a16="http://schemas.microsoft.com/office/drawing/2014/main" id="{1670DF8C-E2D7-CC48-B614-3075B4BBFE93}"/>
+              </a:ext>
+            </a:extLst>
+          </p:cNvPr>
+          <p:cNvSpPr txBox="1"/>
+          <p:nvPr/>
+        </p:nvSpPr>
+        <p:spPr>
+          <a:xfrm>
+            <a:off x="490654" y="6027234"/>
+            <a:ext cx="2205155" cy="369332"/>
+          </a:xfrm>
+          <a:prstGeom prst="rect">
+            <a:avLst/>
+          </a:prstGeom>
+          <a:noFill/>
+        </p:spPr>
+        <p:txBody>
+          <a:bodyPr wrap="none" rtlCol="0">
+            <a:spAutoFit/>
+          </a:bodyPr>
+          <a:lstStyle/>
+          <a:p>
+            <a:r>
+              <a:rPr lang="en-US" dirty="0"/>
+              <a:t>Dietbrand Tollenaere</a:t>
+            </a:r>
+          </a:p>
+        </p:txBody>
+      </p:sp>
     </p:spTree>
     <p:extLst>
       <p:ext uri="{BB962C8B-B14F-4D97-AF65-F5344CB8AC3E}">
@@ -11137,6 +12325,186 @@
   <p:clrMapOvr>
     <a:masterClrMapping/>
   </p:clrMapOvr>
+  <p:timing>
+    <p:tnLst>
+      <p:par>
+        <p:cTn id="1" dur="indefinite" restart="never" nodeType="tmRoot">
+          <p:childTnLst>
+            <p:seq concurrent="1" nextAc="seek">
+              <p:cTn id="2" dur="indefinite" nodeType="mainSeq">
+                <p:childTnLst>
+                  <p:par>
+                    <p:cTn id="3" fill="hold">
+                      <p:stCondLst>
+                        <p:cond delay="indefinite"/>
+                      </p:stCondLst>
+                      <p:childTnLst>
+                        <p:par>
+                          <p:cTn id="4" fill="hold">
+                            <p:stCondLst>
+                              <p:cond delay="0"/>
+                            </p:stCondLst>
+                            <p:childTnLst>
+                              <p:par>
+                                <p:cTn id="5" presetID="1" presetClass="entr" presetSubtype="0" fill="hold" grpId="0" nodeType="clickEffect">
+                                  <p:stCondLst>
+                                    <p:cond delay="0"/>
+                                  </p:stCondLst>
+                                  <p:childTnLst>
+                                    <p:set>
+                                      <p:cBhvr>
+                                        <p:cTn id="6" dur="1" fill="hold">
+                                          <p:stCondLst>
+                                            <p:cond delay="0"/>
+                                          </p:stCondLst>
+                                        </p:cTn>
+                                        <p:tgtEl>
+                                          <p:spTgt spid="3">
+                                            <p:txEl>
+                                              <p:pRg st="0" end="0"/>
+                                            </p:txEl>
+                                          </p:spTgt>
+                                        </p:tgtEl>
+                                        <p:attrNameLst>
+                                          <p:attrName>style.visibility</p:attrName>
+                                        </p:attrNameLst>
+                                      </p:cBhvr>
+                                      <p:to>
+                                        <p:strVal val="visible"/>
+                                      </p:to>
+                                    </p:set>
+                                  </p:childTnLst>
+                                </p:cTn>
+                              </p:par>
+                            </p:childTnLst>
+                          </p:cTn>
+                        </p:par>
+                      </p:childTnLst>
+                    </p:cTn>
+                  </p:par>
+                  <p:par>
+                    <p:cTn id="7" fill="hold">
+                      <p:stCondLst>
+                        <p:cond delay="indefinite"/>
+                      </p:stCondLst>
+                      <p:childTnLst>
+                        <p:par>
+                          <p:cTn id="8" fill="hold">
+                            <p:stCondLst>
+                              <p:cond delay="0"/>
+                            </p:stCondLst>
+                            <p:childTnLst>
+                              <p:par>
+                                <p:cTn id="9" presetID="1" presetClass="entr" presetSubtype="0" fill="hold" grpId="0" nodeType="clickEffect">
+                                  <p:stCondLst>
+                                    <p:cond delay="0"/>
+                                  </p:stCondLst>
+                                  <p:childTnLst>
+                                    <p:set>
+                                      <p:cBhvr>
+                                        <p:cTn id="10" dur="1" fill="hold">
+                                          <p:stCondLst>
+                                            <p:cond delay="0"/>
+                                          </p:stCondLst>
+                                        </p:cTn>
+                                        <p:tgtEl>
+                                          <p:spTgt spid="3">
+                                            <p:txEl>
+                                              <p:pRg st="1" end="1"/>
+                                            </p:txEl>
+                                          </p:spTgt>
+                                        </p:tgtEl>
+                                        <p:attrNameLst>
+                                          <p:attrName>style.visibility</p:attrName>
+                                        </p:attrNameLst>
+                                      </p:cBhvr>
+                                      <p:to>
+                                        <p:strVal val="visible"/>
+                                      </p:to>
+                                    </p:set>
+                                  </p:childTnLst>
+                                </p:cTn>
+                              </p:par>
+                            </p:childTnLst>
+                          </p:cTn>
+                        </p:par>
+                      </p:childTnLst>
+                    </p:cTn>
+                  </p:par>
+                  <p:par>
+                    <p:cTn id="11" fill="hold">
+                      <p:stCondLst>
+                        <p:cond delay="indefinite"/>
+                      </p:stCondLst>
+                      <p:childTnLst>
+                        <p:par>
+                          <p:cTn id="12" fill="hold">
+                            <p:stCondLst>
+                              <p:cond delay="0"/>
+                            </p:stCondLst>
+                            <p:childTnLst>
+                              <p:par>
+                                <p:cTn id="13" presetID="1" presetClass="entr" presetSubtype="0" fill="hold" grpId="0" nodeType="clickEffect">
+                                  <p:stCondLst>
+                                    <p:cond delay="0"/>
+                                  </p:stCondLst>
+                                  <p:childTnLst>
+                                    <p:set>
+                                      <p:cBhvr>
+                                        <p:cTn id="14" dur="1" fill="hold">
+                                          <p:stCondLst>
+                                            <p:cond delay="0"/>
+                                          </p:stCondLst>
+                                        </p:cTn>
+                                        <p:tgtEl>
+                                          <p:spTgt spid="3">
+                                            <p:txEl>
+                                              <p:pRg st="2" end="2"/>
+                                            </p:txEl>
+                                          </p:spTgt>
+                                        </p:tgtEl>
+                                        <p:attrNameLst>
+                                          <p:attrName>style.visibility</p:attrName>
+                                        </p:attrNameLst>
+                                      </p:cBhvr>
+                                      <p:to>
+                                        <p:strVal val="visible"/>
+                                      </p:to>
+                                    </p:set>
+                                  </p:childTnLst>
+                                </p:cTn>
+                              </p:par>
+                            </p:childTnLst>
+                          </p:cTn>
+                        </p:par>
+                      </p:childTnLst>
+                    </p:cTn>
+                  </p:par>
+                </p:childTnLst>
+              </p:cTn>
+              <p:prevCondLst>
+                <p:cond evt="onPrev" delay="0">
+                  <p:tgtEl>
+                    <p:sldTgt/>
+                  </p:tgtEl>
+                </p:cond>
+              </p:prevCondLst>
+              <p:nextCondLst>
+                <p:cond evt="onNext" delay="0">
+                  <p:tgtEl>
+                    <p:sldTgt/>
+                  </p:tgtEl>
+                </p:cond>
+              </p:nextCondLst>
+            </p:seq>
+          </p:childTnLst>
+        </p:cTn>
+      </p:par>
+    </p:tnLst>
+    <p:bldLst>
+      <p:bldP spid="3" grpId="0" build="p"/>
+    </p:bldLst>
+  </p:timing>
 </p:sld>
 </file>
 
@@ -11189,6 +12557,41 @@
             <a:r>
               <a:rPr lang="en-US" sz="12000" dirty="0"/>
               <a:t>Demo</a:t>
+            </a:r>
+          </a:p>
+        </p:txBody>
+      </p:sp>
+      <p:sp>
+        <p:nvSpPr>
+          <p:cNvPr id="3" name="TextBox 2">
+            <a:extLst>
+              <a:ext uri="{FF2B5EF4-FFF2-40B4-BE49-F238E27FC236}">
+                <a16:creationId xmlns:a16="http://schemas.microsoft.com/office/drawing/2014/main" id="{E362B8CC-8F96-F34A-BE50-67137DC0DD63}"/>
+              </a:ext>
+            </a:extLst>
+          </p:cNvPr>
+          <p:cNvSpPr txBox="1"/>
+          <p:nvPr/>
+        </p:nvSpPr>
+        <p:spPr>
+          <a:xfrm>
+            <a:off x="490654" y="6027234"/>
+            <a:ext cx="2205155" cy="369332"/>
+          </a:xfrm>
+          <a:prstGeom prst="rect">
+            <a:avLst/>
+          </a:prstGeom>
+          <a:noFill/>
+        </p:spPr>
+        <p:txBody>
+          <a:bodyPr wrap="none" rtlCol="0">
+            <a:spAutoFit/>
+          </a:bodyPr>
+          <a:lstStyle/>
+          <a:p>
+            <a:r>
+              <a:rPr lang="en-US" dirty="0"/>
+              <a:t>Dietbrand Tollenaere</a:t>
             </a:r>
           </a:p>
         </p:txBody>

--- a/docs/graduaatsproef_presentatie.pptx
+++ b/docs/graduaatsproef_presentatie.pptx
@@ -208,7 +208,7 @@
           <a:p>
             <a:fld id="{1608E322-CB26-4988-8AFC-23BFFE53924A}" type="datetimeFigureOut">
               <a:rPr lang="en-US" smtClean="0"/>
-              <a:t>6/13/23</a:t>
+              <a:t>6/15/23</a:t>
             </a:fld>
             <a:endParaRPr lang="en-US"/>
           </a:p>
@@ -604,246 +604,30 @@
           <a:lstStyle/>
           <a:p>
             <a:r>
-              <a:rPr lang="en-US" dirty="0" err="1"/>
-              <a:t>Historiek</a:t>
-            </a:r>
-            <a:r>
-              <a:rPr lang="en-US" dirty="0"/>
-              <a:t>: troll tech, </a:t>
-            </a:r>
-            <a:r>
-              <a:rPr lang="en-US" dirty="0" err="1"/>
-              <a:t>noren</a:t>
-            </a:r>
-            <a:r>
-              <a:rPr lang="en-US" dirty="0"/>
-              <a:t>, </a:t>
-            </a:r>
-            <a:r>
-              <a:rPr lang="en-US" dirty="0" err="1"/>
-              <a:t>nokia</a:t>
-            </a:r>
-            <a:r>
-              <a:rPr lang="en-US" dirty="0"/>
-              <a:t>, </a:t>
-            </a:r>
-            <a:r>
-              <a:rPr lang="en-US" dirty="0" err="1"/>
-              <a:t>beursgang</a:t>
-            </a:r>
-            <a:endParaRPr lang="en-US" dirty="0"/>
-          </a:p>
-          <a:p>
-            <a:r>
-              <a:rPr lang="en-US" dirty="0"/>
-              <a:t>Qt Core, QML, Qt Widgets, Qt Designer, Qt Creator</a:t>
-            </a:r>
-          </a:p>
-          <a:p>
-            <a:r>
-              <a:rPr lang="en-US" dirty="0"/>
-              <a:t>Signals &amp; slots: Observer design pattern. Met </a:t>
-            </a:r>
-            <a:r>
-              <a:rPr lang="en-US" dirty="0" err="1"/>
-              <a:t>QObject</a:t>
-            </a:r>
-            <a:r>
-              <a:rPr lang="en-US" dirty="0"/>
-              <a:t>::connect </a:t>
-            </a:r>
-            <a:r>
-              <a:rPr lang="en-US" dirty="0" err="1"/>
-              <a:t>schrijf</a:t>
-            </a:r>
-            <a:r>
-              <a:rPr lang="en-US" dirty="0"/>
-              <a:t> je </a:t>
-            </a:r>
-            <a:r>
-              <a:rPr lang="en-US" dirty="0" err="1"/>
-              <a:t>je</a:t>
-            </a:r>
-            <a:r>
-              <a:rPr lang="en-US" dirty="0"/>
-              <a:t> in op </a:t>
-            </a:r>
-            <a:r>
-              <a:rPr lang="en-US" dirty="0" err="1"/>
-              <a:t>veranderingen</a:t>
-            </a:r>
-            <a:r>
-              <a:rPr lang="en-US" dirty="0"/>
-              <a:t> die </a:t>
-            </a:r>
-            <a:r>
-              <a:rPr lang="en-US" dirty="0" err="1"/>
-              <a:t>plaats</a:t>
-            </a:r>
-            <a:r>
-              <a:rPr lang="en-US" dirty="0"/>
-              <a:t> </a:t>
-            </a:r>
-            <a:r>
-              <a:rPr lang="en-US" dirty="0" err="1"/>
-              <a:t>vinden</a:t>
-            </a:r>
-            <a:r>
-              <a:rPr lang="en-US" dirty="0"/>
-              <a:t> </a:t>
-            </a:r>
-            <a:r>
-              <a:rPr lang="en-US" dirty="0" err="1"/>
-              <a:t>binnen</a:t>
-            </a:r>
-            <a:r>
-              <a:rPr lang="en-US" dirty="0"/>
-              <a:t> </a:t>
-            </a:r>
-            <a:r>
-              <a:rPr lang="en-US" dirty="0" err="1"/>
-              <a:t>een</a:t>
-            </a:r>
-            <a:r>
-              <a:rPr lang="en-US" dirty="0"/>
-              <a:t> object, </a:t>
-            </a:r>
-            <a:r>
-              <a:rPr lang="en-US" dirty="0" err="1"/>
-              <a:t>bv</a:t>
-            </a:r>
-            <a:r>
-              <a:rPr lang="en-US" dirty="0"/>
-              <a:t> </a:t>
-            </a:r>
-            <a:r>
-              <a:rPr lang="en-US" dirty="0" err="1"/>
-              <a:t>een</a:t>
-            </a:r>
-            <a:r>
-              <a:rPr lang="en-US" dirty="0"/>
-              <a:t> dataset (list van items). Je </a:t>
-            </a:r>
-            <a:r>
-              <a:rPr lang="en-US" dirty="0" err="1"/>
-              <a:t>kiest</a:t>
-            </a:r>
-            <a:r>
-              <a:rPr lang="en-US" dirty="0"/>
-              <a:t> het signal </a:t>
-            </a:r>
-            <a:r>
-              <a:rPr lang="en-US" dirty="0" err="1"/>
-              <a:t>waarop</a:t>
-            </a:r>
-            <a:r>
-              <a:rPr lang="en-US" dirty="0"/>
-              <a:t> je </a:t>
-            </a:r>
-            <a:r>
-              <a:rPr lang="en-US" dirty="0" err="1"/>
-              <a:t>je</a:t>
-            </a:r>
-            <a:r>
-              <a:rPr lang="en-US" dirty="0"/>
-              <a:t> </a:t>
-            </a:r>
-            <a:r>
-              <a:rPr lang="en-US" dirty="0" err="1"/>
-              <a:t>wil</a:t>
-            </a:r>
-            <a:r>
-              <a:rPr lang="en-US" dirty="0"/>
-              <a:t> </a:t>
-            </a:r>
-            <a:r>
-              <a:rPr lang="en-US" dirty="0" err="1"/>
-              <a:t>inschrijven</a:t>
-            </a:r>
-            <a:r>
-              <a:rPr lang="en-US" dirty="0"/>
-              <a:t> </a:t>
-            </a:r>
-            <a:r>
-              <a:rPr lang="en-US" dirty="0" err="1"/>
-              <a:t>en</a:t>
-            </a:r>
-            <a:r>
-              <a:rPr lang="en-US" dirty="0"/>
-              <a:t> </a:t>
-            </a:r>
-            <a:r>
-              <a:rPr lang="en-US" dirty="0" err="1"/>
-              <a:t>koppelt</a:t>
-            </a:r>
-            <a:r>
-              <a:rPr lang="en-US" dirty="0"/>
-              <a:t> </a:t>
-            </a:r>
-            <a:r>
-              <a:rPr lang="en-US" dirty="0" err="1"/>
-              <a:t>daar</a:t>
-            </a:r>
-            <a:r>
-              <a:rPr lang="en-US" dirty="0"/>
-              <a:t> </a:t>
-            </a:r>
-            <a:r>
-              <a:rPr lang="en-US" dirty="0" err="1"/>
-              <a:t>een</a:t>
-            </a:r>
-            <a:r>
-              <a:rPr lang="en-US" dirty="0"/>
-              <a:t> slot </a:t>
-            </a:r>
-            <a:r>
-              <a:rPr lang="en-US" dirty="0" err="1"/>
-              <a:t>aan</a:t>
-            </a:r>
-            <a:r>
-              <a:rPr lang="en-US" dirty="0"/>
-              <a:t>, </a:t>
-            </a:r>
-            <a:r>
-              <a:rPr lang="en-US" dirty="0" err="1"/>
-              <a:t>een</a:t>
-            </a:r>
-            <a:r>
-              <a:rPr lang="en-US" dirty="0"/>
-              <a:t> </a:t>
-            </a:r>
-            <a:r>
-              <a:rPr lang="en-US" dirty="0" err="1"/>
-              <a:t>methode</a:t>
-            </a:r>
-            <a:r>
-              <a:rPr lang="en-US" dirty="0"/>
-              <a:t> die </a:t>
-            </a:r>
-            <a:r>
-              <a:rPr lang="en-US" dirty="0" err="1"/>
-              <a:t>een</a:t>
-            </a:r>
-            <a:r>
-              <a:rPr lang="en-US" dirty="0"/>
-              <a:t> </a:t>
-            </a:r>
-            <a:r>
-              <a:rPr lang="en-US" dirty="0" err="1"/>
-              <a:t>actie</a:t>
-            </a:r>
-            <a:r>
-              <a:rPr lang="en-US" dirty="0"/>
-              <a:t> </a:t>
-            </a:r>
-            <a:r>
-              <a:rPr lang="en-US" dirty="0" err="1"/>
-              <a:t>uitvoert</a:t>
-            </a:r>
-            <a:r>
-              <a:rPr lang="en-US" dirty="0"/>
-              <a:t>.</a:t>
-            </a:r>
+              <a:rPr lang="en-BE"/>
+              <a:t>Ervaring: systeembeheer Arcelor, Service Desk en SRE bij Combell, Systeembeheer Optimile</a:t>
+            </a:r>
+          </a:p>
+          <a:p>
+            <a:r>
+              <a:rPr lang="en-BE"/>
+              <a:t>Gedreven door maken van oplossingen: PHP, bash/batch, Go, Terraform, Ansible</a:t>
+            </a:r>
+          </a:p>
+          <a:p>
+            <a:r>
+              <a:rPr lang="en-BE"/>
+              <a:t>Graduaat betekent formele training en een carriere wending</a:t>
+            </a:r>
+          </a:p>
+          <a:p>
+            <a:r>
+              <a:rPr lang="en-BE"/>
+              <a:t>Toekomst: Mensen helpen zal steeds mijn doel blijven, hetzij klanten, hetzij collega’s</a:t>
+            </a:r>
+          </a:p>
+          <a:p>
+            <a:endParaRPr lang="en-BE"/>
           </a:p>
         </p:txBody>
       </p:sp>
@@ -864,7 +648,7 @@
           <a:p>
             <a:fld id="{47FAD91B-1286-412D-9CCB-5E29626FF841}" type="slidenum">
               <a:rPr lang="en-US" smtClean="0"/>
-              <a:t>4</a:t>
+              <a:t>2</a:t>
             </a:fld>
             <a:endParaRPr lang="en-US"/>
           </a:p>
@@ -873,7 +657,7 @@
     </p:spTree>
     <p:extLst>
       <p:ext uri="{BB962C8B-B14F-4D97-AF65-F5344CB8AC3E}">
-        <p14:creationId xmlns:p14="http://schemas.microsoft.com/office/powerpoint/2010/main" val="3840174074"/>
+        <p14:creationId xmlns:p14="http://schemas.microsoft.com/office/powerpoint/2010/main" val="4120586"/>
       </p:ext>
     </p:extLst>
   </p:cSld>
@@ -928,147 +712,26 @@
           <a:lstStyle/>
           <a:p>
             <a:r>
-              <a:rPr lang="en-US" dirty="0"/>
-              <a:t>We </a:t>
-            </a:r>
-            <a:r>
-              <a:rPr lang="en-US" dirty="0" err="1"/>
-              <a:t>gebruiken</a:t>
-            </a:r>
-            <a:r>
-              <a:rPr lang="en-US" dirty="0"/>
-              <a:t> Qt in Python, </a:t>
-            </a:r>
-            <a:r>
-              <a:rPr lang="en-US" dirty="0" err="1"/>
-              <a:t>niet</a:t>
-            </a:r>
-            <a:r>
-              <a:rPr lang="en-US" dirty="0"/>
-              <a:t> </a:t>
-            </a:r>
-            <a:r>
-              <a:rPr lang="en-US" dirty="0" err="1"/>
-              <a:t>omgekeerd</a:t>
-            </a:r>
-            <a:r>
-              <a:rPr lang="en-US" dirty="0"/>
-              <a:t>. </a:t>
-            </a:r>
-            <a:r>
-              <a:rPr lang="en-US" dirty="0" err="1"/>
-              <a:t>Dit</a:t>
-            </a:r>
-            <a:r>
-              <a:rPr lang="en-US" dirty="0"/>
-              <a:t> </a:t>
-            </a:r>
-            <a:r>
-              <a:rPr lang="en-US" dirty="0" err="1"/>
-              <a:t>verlaagt</a:t>
-            </a:r>
-            <a:r>
-              <a:rPr lang="en-US" dirty="0"/>
-              <a:t> de </a:t>
-            </a:r>
-            <a:r>
-              <a:rPr lang="en-US" dirty="0" err="1"/>
-              <a:t>drempel</a:t>
-            </a:r>
-            <a:r>
-              <a:rPr lang="en-US" dirty="0"/>
-              <a:t> want je </a:t>
-            </a:r>
-            <a:r>
-              <a:rPr lang="en-US" dirty="0" err="1"/>
-              <a:t>blijft</a:t>
-            </a:r>
-            <a:r>
-              <a:rPr lang="en-US" dirty="0"/>
-              <a:t> </a:t>
-            </a:r>
-            <a:r>
-              <a:rPr lang="en-US" dirty="0" err="1"/>
-              <a:t>binnen</a:t>
-            </a:r>
-            <a:r>
-              <a:rPr lang="en-US" dirty="0"/>
-              <a:t> je </a:t>
-            </a:r>
-            <a:r>
-              <a:rPr lang="en-US" dirty="0" err="1"/>
-              <a:t>favoriete</a:t>
-            </a:r>
-            <a:r>
-              <a:rPr lang="en-US" dirty="0"/>
-              <a:t> Python editor + je </a:t>
-            </a:r>
-            <a:r>
-              <a:rPr lang="en-US" dirty="0" err="1"/>
-              <a:t>hoeft</a:t>
-            </a:r>
-            <a:r>
-              <a:rPr lang="en-US" dirty="0"/>
-              <a:t> </a:t>
-            </a:r>
-            <a:r>
-              <a:rPr lang="en-US" dirty="0" err="1"/>
-              <a:t>geen</a:t>
-            </a:r>
-            <a:r>
-              <a:rPr lang="en-US" dirty="0"/>
-              <a:t> C++ </a:t>
-            </a:r>
-            <a:r>
-              <a:rPr lang="en-US" dirty="0" err="1"/>
-              <a:t>te</a:t>
-            </a:r>
-            <a:r>
-              <a:rPr lang="en-US" dirty="0"/>
-              <a:t> </a:t>
-            </a:r>
-            <a:r>
-              <a:rPr lang="en-US" dirty="0" err="1"/>
-              <a:t>kunnen</a:t>
-            </a:r>
-            <a:endParaRPr lang="en-US" dirty="0"/>
-          </a:p>
-          <a:p>
-            <a:r>
-              <a:rPr lang="en-US" dirty="0"/>
-              <a:t>Met Shiboken6 </a:t>
-            </a:r>
-            <a:r>
-              <a:rPr lang="en-US" dirty="0" err="1"/>
-              <a:t>kan</a:t>
-            </a:r>
-            <a:r>
-              <a:rPr lang="en-US" dirty="0"/>
-              <a:t> je </a:t>
-            </a:r>
-            <a:r>
-              <a:rPr lang="en-US" dirty="0" err="1"/>
-              <a:t>wel</a:t>
-            </a:r>
-            <a:r>
-              <a:rPr lang="en-US" dirty="0"/>
-              <a:t> C++ </a:t>
-            </a:r>
-            <a:r>
-              <a:rPr lang="en-US" dirty="0" err="1"/>
-              <a:t>exposen</a:t>
-            </a:r>
-            <a:r>
-              <a:rPr lang="en-US" dirty="0"/>
-              <a:t> </a:t>
-            </a:r>
-            <a:r>
-              <a:rPr lang="en-US" dirty="0" err="1"/>
-              <a:t>naar</a:t>
-            </a:r>
-            <a:r>
-              <a:rPr lang="en-US" dirty="0"/>
-              <a:t> Python toe</a:t>
+              <a:rPr lang="en-BE"/>
+              <a:t>Turning Red: procedurele generatie van menigtes, elk persoon was een volwaardig object</a:t>
+            </a:r>
+          </a:p>
+          <a:p>
+            <a:r>
+              <a:rPr lang="en-BE"/>
+              <a:t>Virtual Production: voorbeeld is Star Wars The Mandalorian, gemaakt met Unreal Engine.</a:t>
+            </a:r>
+          </a:p>
+          <a:p>
+            <a:r>
+              <a:rPr lang="en-BE"/>
+              <a:t>Unreal Engine gebruikt C++ (en Blueprint maar dat wordt ook gecompileerd naar C++)</a:t>
+            </a:r>
+          </a:p>
+          <a:p>
+            <a:r>
+              <a:rPr lang="en-BE"/>
+              <a:t>Uitdaging: hoe verhoudt een taal zoals C++ zich tov de talen en idiomen die we in de opleiding hebben gezien</a:t>
             </a:r>
           </a:p>
         </p:txBody>
@@ -1090,7 +753,7 @@
           <a:p>
             <a:fld id="{47FAD91B-1286-412D-9CCB-5E29626FF841}" type="slidenum">
               <a:rPr lang="en-US" smtClean="0"/>
-              <a:t>5</a:t>
+              <a:t>3</a:t>
             </a:fld>
             <a:endParaRPr lang="en-US"/>
           </a:p>
@@ -1099,7 +762,7 @@
     </p:spTree>
     <p:extLst>
       <p:ext uri="{BB962C8B-B14F-4D97-AF65-F5344CB8AC3E}">
-        <p14:creationId xmlns:p14="http://schemas.microsoft.com/office/powerpoint/2010/main" val="2458517231"/>
+        <p14:creationId xmlns:p14="http://schemas.microsoft.com/office/powerpoint/2010/main" val="2604695177"/>
       </p:ext>
     </p:extLst>
   </p:cSld>
@@ -1154,8 +817,237 @@
           <a:lstStyle/>
           <a:p>
             <a:r>
+              <a:rPr lang="en-US" dirty="0" err="1"/>
+              <a:t>Historiek</a:t>
+            </a:r>
+            <a:r>
               <a:rPr lang="en-US" dirty="0"/>
-              <a:t>There is an open question in the Qt community about the right mixture about QML/JS/Qt C++ in a modern Qt application. The commonly agreed recommended mixture is to limit the JS part of your application to a minimum and do your business logic inside Qt C++ and the UI logic inside QML/JS.</a:t>
+              <a:t>: Quasar Technologies, Troll Tech -&gt; Trolltech,</a:t>
+            </a:r>
+            <a:r>
+              <a:rPr lang="en-GB"/>
+              <a:t> Eirik Chambe-Eng and Haavard Nord</a:t>
+            </a:r>
+            <a:r>
+              <a:rPr lang="en-US" dirty="0"/>
+              <a:t> , Gekocht door N</a:t>
+            </a:r>
+            <a:r>
+              <a:rPr lang="en-US" dirty="0" err="1"/>
+              <a:t>okia in 2006 en terug verkocht in 2011</a:t>
+            </a:r>
+            <a:endParaRPr lang="en-US" dirty="0"/>
+          </a:p>
+          <a:p>
+            <a:r>
+              <a:rPr lang="en-US" dirty="0"/>
+              <a:t>Qt is een framework bovenop C++. Het is cross-platform en voornamelijk gebruikt om GUIs te maken</a:t>
+            </a:r>
+          </a:p>
+          <a:p>
+            <a:r>
+              <a:rPr lang="en-US" dirty="0"/>
+              <a:t>Signals &amp; slots: Observer design pattern. Met </a:t>
+            </a:r>
+            <a:r>
+              <a:rPr lang="en-US" dirty="0" err="1"/>
+              <a:t>QObject</a:t>
+            </a:r>
+            <a:r>
+              <a:rPr lang="en-US" dirty="0"/>
+              <a:t>::connect </a:t>
+            </a:r>
+            <a:r>
+              <a:rPr lang="en-US" dirty="0" err="1"/>
+              <a:t>schrijf</a:t>
+            </a:r>
+            <a:r>
+              <a:rPr lang="en-US" dirty="0"/>
+              <a:t> je </a:t>
+            </a:r>
+            <a:r>
+              <a:rPr lang="en-US" dirty="0" err="1"/>
+              <a:t>je</a:t>
+            </a:r>
+            <a:r>
+              <a:rPr lang="en-US" dirty="0"/>
+              <a:t> in op </a:t>
+            </a:r>
+            <a:r>
+              <a:rPr lang="en-US" dirty="0" err="1"/>
+              <a:t>veranderingen</a:t>
+            </a:r>
+            <a:r>
+              <a:rPr lang="en-US" dirty="0"/>
+              <a:t> die </a:t>
+            </a:r>
+            <a:r>
+              <a:rPr lang="en-US" dirty="0" err="1"/>
+              <a:t>plaats</a:t>
+            </a:r>
+            <a:r>
+              <a:rPr lang="en-US" dirty="0"/>
+              <a:t> </a:t>
+            </a:r>
+            <a:r>
+              <a:rPr lang="en-US" dirty="0" err="1"/>
+              <a:t>vinden</a:t>
+            </a:r>
+            <a:r>
+              <a:rPr lang="en-US" dirty="0"/>
+              <a:t> </a:t>
+            </a:r>
+            <a:r>
+              <a:rPr lang="en-US" dirty="0" err="1"/>
+              <a:t>binnen</a:t>
+            </a:r>
+            <a:r>
+              <a:rPr lang="en-US" dirty="0"/>
+              <a:t> </a:t>
+            </a:r>
+            <a:r>
+              <a:rPr lang="en-US" dirty="0" err="1"/>
+              <a:t>een</a:t>
+            </a:r>
+            <a:r>
+              <a:rPr lang="en-US" dirty="0"/>
+              <a:t> object, </a:t>
+            </a:r>
+            <a:r>
+              <a:rPr lang="en-US" dirty="0" err="1"/>
+              <a:t>bv</a:t>
+            </a:r>
+            <a:r>
+              <a:rPr lang="en-US" dirty="0"/>
+              <a:t> </a:t>
+            </a:r>
+            <a:r>
+              <a:rPr lang="en-US" dirty="0" err="1"/>
+              <a:t>een</a:t>
+            </a:r>
+            <a:r>
+              <a:rPr lang="en-US" dirty="0"/>
+              <a:t> dataset (list van items). Je </a:t>
+            </a:r>
+            <a:r>
+              <a:rPr lang="en-US" dirty="0" err="1"/>
+              <a:t>kiest</a:t>
+            </a:r>
+            <a:r>
+              <a:rPr lang="en-US" dirty="0"/>
+              <a:t> het signal </a:t>
+            </a:r>
+            <a:r>
+              <a:rPr lang="en-US" dirty="0" err="1"/>
+              <a:t>waarop</a:t>
+            </a:r>
+            <a:r>
+              <a:rPr lang="en-US" dirty="0"/>
+              <a:t> je </a:t>
+            </a:r>
+            <a:r>
+              <a:rPr lang="en-US" dirty="0" err="1"/>
+              <a:t>je</a:t>
+            </a:r>
+            <a:r>
+              <a:rPr lang="en-US" dirty="0"/>
+              <a:t> </a:t>
+            </a:r>
+            <a:r>
+              <a:rPr lang="en-US" dirty="0" err="1"/>
+              <a:t>wil</a:t>
+            </a:r>
+            <a:r>
+              <a:rPr lang="en-US" dirty="0"/>
+              <a:t> </a:t>
+            </a:r>
+            <a:r>
+              <a:rPr lang="en-US" dirty="0" err="1"/>
+              <a:t>inschrijven</a:t>
+            </a:r>
+            <a:r>
+              <a:rPr lang="en-US" dirty="0"/>
+              <a:t> </a:t>
+            </a:r>
+            <a:r>
+              <a:rPr lang="en-US" dirty="0" err="1"/>
+              <a:t>en</a:t>
+            </a:r>
+            <a:r>
+              <a:rPr lang="en-US" dirty="0"/>
+              <a:t> </a:t>
+            </a:r>
+            <a:r>
+              <a:rPr lang="en-US" dirty="0" err="1"/>
+              <a:t>koppelt</a:t>
+            </a:r>
+            <a:r>
+              <a:rPr lang="en-US" dirty="0"/>
+              <a:t> </a:t>
+            </a:r>
+            <a:r>
+              <a:rPr lang="en-US" dirty="0" err="1"/>
+              <a:t>daar</a:t>
+            </a:r>
+            <a:r>
+              <a:rPr lang="en-US" dirty="0"/>
+              <a:t> </a:t>
+            </a:r>
+            <a:r>
+              <a:rPr lang="en-US" dirty="0" err="1"/>
+              <a:t>een</a:t>
+            </a:r>
+            <a:r>
+              <a:rPr lang="en-US" dirty="0"/>
+              <a:t> slot </a:t>
+            </a:r>
+            <a:r>
+              <a:rPr lang="en-US" dirty="0" err="1"/>
+              <a:t>aan</a:t>
+            </a:r>
+            <a:r>
+              <a:rPr lang="en-US" dirty="0"/>
+              <a:t>, </a:t>
+            </a:r>
+            <a:r>
+              <a:rPr lang="en-US" dirty="0" err="1"/>
+              <a:t>een</a:t>
+            </a:r>
+            <a:r>
+              <a:rPr lang="en-US" dirty="0"/>
+              <a:t> </a:t>
+            </a:r>
+            <a:r>
+              <a:rPr lang="en-US" dirty="0" err="1"/>
+              <a:t>methode</a:t>
+            </a:r>
+            <a:r>
+              <a:rPr lang="en-US" dirty="0"/>
+              <a:t> die </a:t>
+            </a:r>
+            <a:r>
+              <a:rPr lang="en-US" dirty="0" err="1"/>
+              <a:t>een</a:t>
+            </a:r>
+            <a:r>
+              <a:rPr lang="en-US" dirty="0"/>
+              <a:t> </a:t>
+            </a:r>
+            <a:r>
+              <a:rPr lang="en-US" dirty="0" err="1"/>
+              <a:t>actie</a:t>
+            </a:r>
+            <a:r>
+              <a:rPr lang="en-US" dirty="0"/>
+              <a:t> </a:t>
+            </a:r>
+            <a:r>
+              <a:rPr lang="en-US" dirty="0" err="1"/>
+              <a:t>uitvoert</a:t>
+            </a:r>
+            <a:r>
+              <a:rPr lang="en-US" dirty="0"/>
+              <a:t>.</a:t>
             </a:r>
           </a:p>
         </p:txBody>
@@ -1177,7 +1069,7 @@
           <a:p>
             <a:fld id="{47FAD91B-1286-412D-9CCB-5E29626FF841}" type="slidenum">
               <a:rPr lang="en-US" smtClean="0"/>
-              <a:t>6</a:t>
+              <a:t>4</a:t>
             </a:fld>
             <a:endParaRPr lang="en-US"/>
           </a:p>
@@ -1186,7 +1078,7 @@
     </p:spTree>
     <p:extLst>
       <p:ext uri="{BB962C8B-B14F-4D97-AF65-F5344CB8AC3E}">
-        <p14:creationId xmlns:p14="http://schemas.microsoft.com/office/powerpoint/2010/main" val="3343021658"/>
+        <p14:creationId xmlns:p14="http://schemas.microsoft.com/office/powerpoint/2010/main" val="3840174074"/>
       </p:ext>
     </p:extLst>
   </p:cSld>
@@ -1242,318 +1134,147 @@
           <a:p>
             <a:r>
               <a:rPr lang="en-US" dirty="0"/>
-              <a:t>Qt Creator </a:t>
+              <a:t>We </a:t>
             </a:r>
             <a:r>
               <a:rPr lang="en-US" dirty="0" err="1"/>
-              <a:t>voorstellen</a:t>
+              <a:t>gebruiken</a:t>
+            </a:r>
+            <a:r>
+              <a:rPr lang="en-US" dirty="0"/>
+              <a:t> Qt in Python, </a:t>
+            </a:r>
+            <a:r>
+              <a:rPr lang="en-US" dirty="0" err="1"/>
+              <a:t>niet</a:t>
+            </a:r>
+            <a:r>
+              <a:rPr lang="en-US" dirty="0"/>
+              <a:t> </a:t>
+            </a:r>
+            <a:r>
+              <a:rPr lang="en-US" dirty="0" err="1"/>
+              <a:t>omgekeerd</a:t>
+            </a:r>
+            <a:r>
+              <a:rPr lang="en-US" dirty="0"/>
+              <a:t>. </a:t>
+            </a:r>
+            <a:r>
+              <a:rPr lang="en-US" dirty="0" err="1"/>
+              <a:t>Dit</a:t>
+            </a:r>
+            <a:r>
+              <a:rPr lang="en-US" dirty="0"/>
+              <a:t> </a:t>
+            </a:r>
+            <a:r>
+              <a:rPr lang="en-US" dirty="0" err="1"/>
+              <a:t>verlaagt</a:t>
+            </a:r>
+            <a:r>
+              <a:rPr lang="en-US" dirty="0"/>
+              <a:t> de </a:t>
+            </a:r>
+            <a:r>
+              <a:rPr lang="en-US" dirty="0" err="1"/>
+              <a:t>drempel</a:t>
+            </a:r>
+            <a:r>
+              <a:rPr lang="en-US" dirty="0"/>
+              <a:t> want je </a:t>
+            </a:r>
+            <a:r>
+              <a:rPr lang="en-US" dirty="0" err="1"/>
+              <a:t>blijft</a:t>
+            </a:r>
+            <a:r>
+              <a:rPr lang="en-US" dirty="0"/>
+              <a:t> </a:t>
+            </a:r>
+            <a:r>
+              <a:rPr lang="en-US" dirty="0" err="1"/>
+              <a:t>binnen</a:t>
+            </a:r>
+            <a:r>
+              <a:rPr lang="en-US" dirty="0"/>
+              <a:t> je </a:t>
+            </a:r>
+            <a:r>
+              <a:rPr lang="en-US" dirty="0" err="1"/>
+              <a:t>favoriete</a:t>
+            </a:r>
+            <a:r>
+              <a:rPr lang="en-US" dirty="0"/>
+              <a:t> Python editor + je </a:t>
+            </a:r>
+            <a:r>
+              <a:rPr lang="en-US" dirty="0" err="1"/>
+              <a:t>hoeft</a:t>
+            </a:r>
+            <a:r>
+              <a:rPr lang="en-US" dirty="0"/>
+              <a:t> </a:t>
+            </a:r>
+            <a:r>
+              <a:rPr lang="en-US" dirty="0" err="1"/>
+              <a:t>geen</a:t>
+            </a:r>
+            <a:r>
+              <a:rPr lang="en-US" dirty="0"/>
+              <a:t> C++ </a:t>
+            </a:r>
+            <a:r>
+              <a:rPr lang="en-US" dirty="0" err="1"/>
+              <a:t>te</a:t>
+            </a:r>
+            <a:r>
+              <a:rPr lang="en-US" dirty="0"/>
+              <a:t> </a:t>
+            </a:r>
+            <a:r>
+              <a:rPr lang="en-US" dirty="0" err="1"/>
+              <a:t>kunnen</a:t>
             </a:r>
             <a:endParaRPr lang="en-US" dirty="0"/>
           </a:p>
           <a:p>
             <a:r>
               <a:rPr lang="en-US" dirty="0"/>
-              <a:t>Hello QML </a:t>
+              <a:t>Met Shiboken6 </a:t>
             </a:r>
             <a:r>
               <a:rPr lang="en-US" dirty="0" err="1"/>
-              <a:t>aanmaken</a:t>
-            </a:r>
-            <a:endParaRPr lang="en-US" dirty="0"/>
-          </a:p>
-          <a:p>
-            <a:endParaRPr lang="en-US" dirty="0"/>
-          </a:p>
-          <a:p>
-            <a:r>
-              <a:rPr lang="nl-NL" sz="1800" kern="100" dirty="0">
-                <a:effectLst/>
-                <a:latin typeface="Calibri" panose="020F0502020204030204" pitchFamily="34" charset="0"/>
-                <a:ea typeface="Calibri" panose="020F0502020204030204" pitchFamily="34" charset="0"/>
-                <a:cs typeface="Times New Roman" panose="02020603050405020304" pitchFamily="18" charset="0"/>
-              </a:rPr>
-              <a:t>Rectangle {</a:t>
-            </a:r>
-            <a:endParaRPr lang="en-US" sz="1800" kern="100" dirty="0">
-              <a:effectLst/>
-              <a:latin typeface="Calibri" panose="020F0502020204030204" pitchFamily="34" charset="0"/>
-              <a:ea typeface="Calibri" panose="020F0502020204030204" pitchFamily="34" charset="0"/>
-              <a:cs typeface="Times New Roman" panose="02020603050405020304" pitchFamily="18" charset="0"/>
-            </a:endParaRPr>
-          </a:p>
-          <a:p>
-            <a:r>
-              <a:rPr lang="nl-NL" sz="1800" kern="100" dirty="0">
-                <a:effectLst/>
-                <a:latin typeface="Calibri" panose="020F0502020204030204" pitchFamily="34" charset="0"/>
-                <a:ea typeface="Calibri" panose="020F0502020204030204" pitchFamily="34" charset="0"/>
-                <a:cs typeface="Times New Roman" panose="02020603050405020304" pitchFamily="18" charset="0"/>
-              </a:rPr>
-              <a:t>    anchors.fill: parent</a:t>
-            </a:r>
-            <a:endParaRPr lang="en-US" sz="1800" kern="100" dirty="0">
-              <a:effectLst/>
-              <a:latin typeface="Calibri" panose="020F0502020204030204" pitchFamily="34" charset="0"/>
-              <a:ea typeface="Calibri" panose="020F0502020204030204" pitchFamily="34" charset="0"/>
-              <a:cs typeface="Times New Roman" panose="02020603050405020304" pitchFamily="18" charset="0"/>
-            </a:endParaRPr>
-          </a:p>
-          <a:p>
-            <a:r>
-              <a:rPr lang="nl-NL" sz="1800" kern="100" dirty="0">
-                <a:effectLst/>
-                <a:latin typeface="Calibri" panose="020F0502020204030204" pitchFamily="34" charset="0"/>
-                <a:ea typeface="Calibri" panose="020F0502020204030204" pitchFamily="34" charset="0"/>
-                <a:cs typeface="Times New Roman" panose="02020603050405020304" pitchFamily="18" charset="0"/>
-              </a:rPr>
-              <a:t>    Text {</a:t>
-            </a:r>
-            <a:endParaRPr lang="en-US" sz="1800" kern="100" dirty="0">
-              <a:effectLst/>
-              <a:latin typeface="Calibri" panose="020F0502020204030204" pitchFamily="34" charset="0"/>
-              <a:ea typeface="Calibri" panose="020F0502020204030204" pitchFamily="34" charset="0"/>
-              <a:cs typeface="Times New Roman" panose="02020603050405020304" pitchFamily="18" charset="0"/>
-            </a:endParaRPr>
-          </a:p>
-          <a:p>
-            <a:r>
-              <a:rPr lang="nl-NL" sz="1800" kern="100" dirty="0">
-                <a:effectLst/>
-                <a:latin typeface="Calibri" panose="020F0502020204030204" pitchFamily="34" charset="0"/>
-                <a:ea typeface="Calibri" panose="020F0502020204030204" pitchFamily="34" charset="0"/>
-                <a:cs typeface="Times New Roman" panose="02020603050405020304" pitchFamily="18" charset="0"/>
-              </a:rPr>
-              <a:t>        anchors.centerIn: parent</a:t>
-            </a:r>
-            <a:endParaRPr lang="en-US" sz="1800" kern="100" dirty="0">
-              <a:effectLst/>
-              <a:latin typeface="Calibri" panose="020F0502020204030204" pitchFamily="34" charset="0"/>
-              <a:ea typeface="Calibri" panose="020F0502020204030204" pitchFamily="34" charset="0"/>
-              <a:cs typeface="Times New Roman" panose="02020603050405020304" pitchFamily="18" charset="0"/>
-            </a:endParaRPr>
-          </a:p>
-          <a:p>
-            <a:r>
-              <a:rPr lang="nl-NL" sz="1800" kern="100" dirty="0">
-                <a:effectLst/>
-                <a:latin typeface="Calibri" panose="020F0502020204030204" pitchFamily="34" charset="0"/>
-                <a:ea typeface="Calibri" panose="020F0502020204030204" pitchFamily="34" charset="0"/>
-                <a:cs typeface="Times New Roman" panose="02020603050405020304" pitchFamily="18" charset="0"/>
-              </a:rPr>
-              <a:t>        text: "Hello QML"</a:t>
-            </a:r>
-            <a:endParaRPr lang="en-US" sz="1800" kern="100" dirty="0">
-              <a:effectLst/>
-              <a:latin typeface="Calibri" panose="020F0502020204030204" pitchFamily="34" charset="0"/>
-              <a:ea typeface="Calibri" panose="020F0502020204030204" pitchFamily="34" charset="0"/>
-              <a:cs typeface="Times New Roman" panose="02020603050405020304" pitchFamily="18" charset="0"/>
-            </a:endParaRPr>
-          </a:p>
-          <a:p>
-            <a:r>
-              <a:rPr lang="nl-NL" sz="1800" dirty="0">
-                <a:effectLst/>
-                <a:latin typeface="Calibri" panose="020F0502020204030204" pitchFamily="34" charset="0"/>
-                <a:ea typeface="Calibri" panose="020F0502020204030204" pitchFamily="34" charset="0"/>
-                <a:cs typeface="Times New Roman" panose="02020603050405020304" pitchFamily="18" charset="0"/>
-              </a:rPr>
-              <a:t>}</a:t>
-            </a:r>
-            <a:endParaRPr lang="en-US" sz="1800" dirty="0">
-              <a:effectLst/>
-              <a:latin typeface="Calibri" panose="020F0502020204030204" pitchFamily="34" charset="0"/>
-              <a:ea typeface="Calibri" panose="020F0502020204030204" pitchFamily="34" charset="0"/>
-              <a:cs typeface="Times New Roman" panose="02020603050405020304" pitchFamily="18" charset="0"/>
-            </a:endParaRPr>
-          </a:p>
-          <a:p>
-            <a:endParaRPr lang="en-US" sz="1800" dirty="0">
-              <a:effectLst/>
-              <a:latin typeface="Calibri" panose="020F0502020204030204" pitchFamily="34" charset="0"/>
-              <a:cs typeface="Times New Roman" panose="02020603050405020304" pitchFamily="18" charset="0"/>
-            </a:endParaRPr>
-          </a:p>
-          <a:p>
-            <a:r>
-              <a:rPr lang="en-US" sz="1800" dirty="0">
-                <a:effectLst/>
-                <a:latin typeface="Calibri" panose="020F0502020204030204" pitchFamily="34" charset="0"/>
-                <a:cs typeface="Times New Roman" panose="02020603050405020304" pitchFamily="18" charset="0"/>
-              </a:rPr>
-              <a:t>Dan</a:t>
-            </a:r>
-          </a:p>
-          <a:p>
-            <a:endParaRPr lang="en-US" sz="1800" dirty="0">
-              <a:effectLst/>
-              <a:latin typeface="Calibri" panose="020F0502020204030204" pitchFamily="34" charset="0"/>
-              <a:cs typeface="Times New Roman" panose="02020603050405020304" pitchFamily="18" charset="0"/>
-            </a:endParaRPr>
-          </a:p>
-          <a:p>
-            <a:r>
-              <a:rPr lang="nl-NL" sz="1800" kern="100" dirty="0">
-                <a:effectLst/>
-                <a:latin typeface="Calibri" panose="020F0502020204030204" pitchFamily="34" charset="0"/>
-                <a:ea typeface="Calibri" panose="020F0502020204030204" pitchFamily="34" charset="0"/>
-                <a:cs typeface="Times New Roman" panose="02020603050405020304" pitchFamily="18" charset="0"/>
-              </a:rPr>
-              <a:t>Rectangle {</a:t>
-            </a:r>
-            <a:endParaRPr lang="en-US" sz="1800" kern="100" dirty="0">
-              <a:effectLst/>
-              <a:latin typeface="Calibri" panose="020F0502020204030204" pitchFamily="34" charset="0"/>
-              <a:ea typeface="Calibri" panose="020F0502020204030204" pitchFamily="34" charset="0"/>
-              <a:cs typeface="Times New Roman" panose="02020603050405020304" pitchFamily="18" charset="0"/>
-            </a:endParaRPr>
-          </a:p>
-          <a:p>
-            <a:r>
-              <a:rPr lang="nl-NL" sz="1800" kern="100" dirty="0">
-                <a:effectLst/>
-                <a:latin typeface="Calibri" panose="020F0502020204030204" pitchFamily="34" charset="0"/>
-                <a:ea typeface="Calibri" panose="020F0502020204030204" pitchFamily="34" charset="0"/>
-                <a:cs typeface="Times New Roman" panose="02020603050405020304" pitchFamily="18" charset="0"/>
-              </a:rPr>
-              <a:t>        width: 100</a:t>
-            </a:r>
-            <a:endParaRPr lang="en-US" sz="1800" kern="100" dirty="0">
-              <a:effectLst/>
-              <a:latin typeface="Calibri" panose="020F0502020204030204" pitchFamily="34" charset="0"/>
-              <a:ea typeface="Calibri" panose="020F0502020204030204" pitchFamily="34" charset="0"/>
-              <a:cs typeface="Times New Roman" panose="02020603050405020304" pitchFamily="18" charset="0"/>
-            </a:endParaRPr>
-          </a:p>
-          <a:p>
-            <a:r>
-              <a:rPr lang="nl-NL" sz="1800" kern="100" dirty="0">
-                <a:effectLst/>
-                <a:latin typeface="Calibri" panose="020F0502020204030204" pitchFamily="34" charset="0"/>
-                <a:ea typeface="Calibri" panose="020F0502020204030204" pitchFamily="34" charset="0"/>
-                <a:cs typeface="Times New Roman" panose="02020603050405020304" pitchFamily="18" charset="0"/>
-              </a:rPr>
-              <a:t>        height: 65</a:t>
-            </a:r>
-            <a:endParaRPr lang="en-US" sz="1800" kern="100" dirty="0">
-              <a:effectLst/>
-              <a:latin typeface="Calibri" panose="020F0502020204030204" pitchFamily="34" charset="0"/>
-              <a:ea typeface="Calibri" panose="020F0502020204030204" pitchFamily="34" charset="0"/>
-              <a:cs typeface="Times New Roman" panose="02020603050405020304" pitchFamily="18" charset="0"/>
-            </a:endParaRPr>
-          </a:p>
-          <a:p>
-            <a:r>
-              <a:rPr lang="nl-NL" sz="1800" kern="100" dirty="0">
-                <a:effectLst/>
-                <a:latin typeface="Calibri" panose="020F0502020204030204" pitchFamily="34" charset="0"/>
-                <a:ea typeface="Calibri" panose="020F0502020204030204" pitchFamily="34" charset="0"/>
-                <a:cs typeface="Times New Roman" panose="02020603050405020304" pitchFamily="18" charset="0"/>
-              </a:rPr>
-              <a:t>        color: "#f0f0f0"</a:t>
-            </a:r>
-            <a:endParaRPr lang="en-US" sz="1800" kern="100" dirty="0">
-              <a:effectLst/>
-              <a:latin typeface="Calibri" panose="020F0502020204030204" pitchFamily="34" charset="0"/>
-              <a:ea typeface="Calibri" panose="020F0502020204030204" pitchFamily="34" charset="0"/>
-              <a:cs typeface="Times New Roman" panose="02020603050405020304" pitchFamily="18" charset="0"/>
-            </a:endParaRPr>
-          </a:p>
-          <a:p>
-            <a:r>
-              <a:rPr lang="nl-NL" sz="1800" kern="100" dirty="0">
-                <a:effectLst/>
-                <a:latin typeface="Calibri" panose="020F0502020204030204" pitchFamily="34" charset="0"/>
-                <a:ea typeface="Calibri" panose="020F0502020204030204" pitchFamily="34" charset="0"/>
-                <a:cs typeface="Times New Roman" panose="02020603050405020304" pitchFamily="18" charset="0"/>
-              </a:rPr>
-              <a:t>        anchors.centerIn: parent</a:t>
-            </a:r>
-            <a:endParaRPr lang="en-US" sz="1800" kern="100" dirty="0">
-              <a:effectLst/>
-              <a:latin typeface="Calibri" panose="020F0502020204030204" pitchFamily="34" charset="0"/>
-              <a:ea typeface="Calibri" panose="020F0502020204030204" pitchFamily="34" charset="0"/>
-              <a:cs typeface="Times New Roman" panose="02020603050405020304" pitchFamily="18" charset="0"/>
-            </a:endParaRPr>
-          </a:p>
-          <a:p>
-            <a:r>
-              <a:rPr lang="nl-NL" sz="1800" kern="100" dirty="0">
-                <a:effectLst/>
-                <a:latin typeface="Calibri" panose="020F0502020204030204" pitchFamily="34" charset="0"/>
-                <a:ea typeface="Calibri" panose="020F0502020204030204" pitchFamily="34" charset="0"/>
-                <a:cs typeface="Times New Roman" panose="02020603050405020304" pitchFamily="18" charset="0"/>
-              </a:rPr>
-              <a:t>        Text {</a:t>
-            </a:r>
-            <a:endParaRPr lang="en-US" sz="1800" kern="100" dirty="0">
-              <a:effectLst/>
-              <a:latin typeface="Calibri" panose="020F0502020204030204" pitchFamily="34" charset="0"/>
-              <a:ea typeface="Calibri" panose="020F0502020204030204" pitchFamily="34" charset="0"/>
-              <a:cs typeface="Times New Roman" panose="02020603050405020304" pitchFamily="18" charset="0"/>
-            </a:endParaRPr>
-          </a:p>
-          <a:p>
-            <a:r>
-              <a:rPr lang="nl-NL" sz="1800" kern="100" dirty="0">
-                <a:effectLst/>
-                <a:latin typeface="Calibri" panose="020F0502020204030204" pitchFamily="34" charset="0"/>
-                <a:ea typeface="Calibri" panose="020F0502020204030204" pitchFamily="34" charset="0"/>
-                <a:cs typeface="Times New Roman" panose="02020603050405020304" pitchFamily="18" charset="0"/>
-              </a:rPr>
-              <a:t>            anchors.centerIn: parent</a:t>
-            </a:r>
-            <a:endParaRPr lang="en-US" sz="1800" kern="100" dirty="0">
-              <a:effectLst/>
-              <a:latin typeface="Calibri" panose="020F0502020204030204" pitchFamily="34" charset="0"/>
-              <a:ea typeface="Calibri" panose="020F0502020204030204" pitchFamily="34" charset="0"/>
-              <a:cs typeface="Times New Roman" panose="02020603050405020304" pitchFamily="18" charset="0"/>
-            </a:endParaRPr>
-          </a:p>
-          <a:p>
-            <a:r>
-              <a:rPr lang="nl-NL" sz="1800" kern="100" dirty="0">
-                <a:effectLst/>
-                <a:latin typeface="Calibri" panose="020F0502020204030204" pitchFamily="34" charset="0"/>
-                <a:ea typeface="Calibri" panose="020F0502020204030204" pitchFamily="34" charset="0"/>
-                <a:cs typeface="Times New Roman" panose="02020603050405020304" pitchFamily="18" charset="0"/>
-              </a:rPr>
-              <a:t>            text: "Hello QML"</a:t>
-            </a:r>
-            <a:endParaRPr lang="en-US" sz="1800" kern="100" dirty="0">
-              <a:effectLst/>
-              <a:latin typeface="Calibri" panose="020F0502020204030204" pitchFamily="34" charset="0"/>
-              <a:ea typeface="Calibri" panose="020F0502020204030204" pitchFamily="34" charset="0"/>
-              <a:cs typeface="Times New Roman" panose="02020603050405020304" pitchFamily="18" charset="0"/>
-            </a:endParaRPr>
-          </a:p>
-          <a:p>
-            <a:r>
-              <a:rPr lang="nl-NL" sz="1800" kern="100" dirty="0">
-                <a:effectLst/>
-                <a:latin typeface="Calibri" panose="020F0502020204030204" pitchFamily="34" charset="0"/>
-                <a:ea typeface="Calibri" panose="020F0502020204030204" pitchFamily="34" charset="0"/>
-                <a:cs typeface="Times New Roman" panose="02020603050405020304" pitchFamily="18" charset="0"/>
-              </a:rPr>
-              <a:t>        }</a:t>
-            </a:r>
-            <a:endParaRPr lang="en-US" sz="1800" kern="100" dirty="0">
-              <a:effectLst/>
-              <a:latin typeface="Calibri" panose="020F0502020204030204" pitchFamily="34" charset="0"/>
-              <a:ea typeface="Calibri" panose="020F0502020204030204" pitchFamily="34" charset="0"/>
-              <a:cs typeface="Times New Roman" panose="02020603050405020304" pitchFamily="18" charset="0"/>
-            </a:endParaRPr>
-          </a:p>
-          <a:p>
-            <a:r>
-              <a:rPr lang="nl-NL" sz="1800" dirty="0">
-                <a:effectLst/>
-                <a:latin typeface="Calibri" panose="020F0502020204030204" pitchFamily="34" charset="0"/>
-                <a:ea typeface="Calibri" panose="020F0502020204030204" pitchFamily="34" charset="0"/>
-                <a:cs typeface="Times New Roman" panose="02020603050405020304" pitchFamily="18" charset="0"/>
-              </a:rPr>
-              <a:t>    }</a:t>
-            </a:r>
-            <a:endParaRPr lang="en-US" dirty="0"/>
+              <a:t>kan</a:t>
+            </a:r>
+            <a:r>
+              <a:rPr lang="en-US" dirty="0"/>
+              <a:t> je </a:t>
+            </a:r>
+            <a:r>
+              <a:rPr lang="en-US" dirty="0" err="1"/>
+              <a:t>wel</a:t>
+            </a:r>
+            <a:r>
+              <a:rPr lang="en-US" dirty="0"/>
+              <a:t> C++ </a:t>
+            </a:r>
+            <a:r>
+              <a:rPr lang="en-US" dirty="0" err="1"/>
+              <a:t>exposen</a:t>
+            </a:r>
+            <a:r>
+              <a:rPr lang="en-US" dirty="0"/>
+              <a:t> </a:t>
+            </a:r>
+            <a:r>
+              <a:rPr lang="en-US" dirty="0" err="1"/>
+              <a:t>naar</a:t>
+            </a:r>
+            <a:r>
+              <a:rPr lang="en-US" dirty="0"/>
+              <a:t> Python toe</a:t>
+            </a:r>
           </a:p>
         </p:txBody>
       </p:sp>
@@ -1574,6 +1295,490 @@
           <a:p>
             <a:fld id="{47FAD91B-1286-412D-9CCB-5E29626FF841}" type="slidenum">
               <a:rPr lang="en-US" smtClean="0"/>
+              <a:t>5</a:t>
+            </a:fld>
+            <a:endParaRPr lang="en-US"/>
+          </a:p>
+        </p:txBody>
+      </p:sp>
+    </p:spTree>
+    <p:extLst>
+      <p:ext uri="{BB962C8B-B14F-4D97-AF65-F5344CB8AC3E}">
+        <p14:creationId xmlns:p14="http://schemas.microsoft.com/office/powerpoint/2010/main" val="2458517231"/>
+      </p:ext>
+    </p:extLst>
+  </p:cSld>
+  <p:clrMapOvr>
+    <a:masterClrMapping/>
+  </p:clrMapOvr>
+</p:notes>
+</file>
+
+<file path=ppt/notesSlides/notesSlide6.xml><?xml version="1.0" encoding="utf-8"?>
+<p:notes xmlns:a="http://schemas.openxmlformats.org/drawingml/2006/main" xmlns:r="http://schemas.openxmlformats.org/officeDocument/2006/relationships" xmlns:p="http://schemas.openxmlformats.org/presentationml/2006/main">
+  <p:cSld>
+    <p:spTree>
+      <p:nvGrpSpPr>
+        <p:cNvPr id="1" name=""/>
+        <p:cNvGrpSpPr/>
+        <p:nvPr/>
+      </p:nvGrpSpPr>
+      <p:grpSpPr>
+        <a:xfrm>
+          <a:off x="0" y="0"/>
+          <a:ext cx="0" cy="0"/>
+          <a:chOff x="0" y="0"/>
+          <a:chExt cx="0" cy="0"/>
+        </a:xfrm>
+      </p:grpSpPr>
+      <p:sp>
+        <p:nvSpPr>
+          <p:cNvPr id="2" name="Slide Image Placeholder 1"/>
+          <p:cNvSpPr>
+            <a:spLocks noGrp="1" noRot="1" noChangeAspect="1"/>
+          </p:cNvSpPr>
+          <p:nvPr>
+            <p:ph type="sldImg"/>
+          </p:nvPr>
+        </p:nvSpPr>
+        <p:spPr/>
+      </p:sp>
+      <p:sp>
+        <p:nvSpPr>
+          <p:cNvPr id="3" name="Notes Placeholder 2"/>
+          <p:cNvSpPr>
+            <a:spLocks noGrp="1"/>
+          </p:cNvSpPr>
+          <p:nvPr>
+            <p:ph type="body" idx="1"/>
+          </p:nvPr>
+        </p:nvSpPr>
+        <p:spPr/>
+        <p:txBody>
+          <a:bodyPr/>
+          <a:lstStyle/>
+          <a:p>
+            <a:r>
+              <a:rPr lang="en-US" dirty="0"/>
+              <a:t>There is an open question in the Qt community about the right mixture about QML/JS/Qt C++ in a modern Qt application. The commonly agreed recommended mixture is to limit the JS part of your application to a minimum and do your business logic inside Qt C++ and the UI logic inside QML/JS.</a:t>
+            </a:r>
+          </a:p>
+        </p:txBody>
+      </p:sp>
+      <p:sp>
+        <p:nvSpPr>
+          <p:cNvPr id="4" name="Slide Number Placeholder 3"/>
+          <p:cNvSpPr>
+            <a:spLocks noGrp="1"/>
+          </p:cNvSpPr>
+          <p:nvPr>
+            <p:ph type="sldNum" sz="quarter" idx="5"/>
+          </p:nvPr>
+        </p:nvSpPr>
+        <p:spPr/>
+        <p:txBody>
+          <a:bodyPr/>
+          <a:lstStyle/>
+          <a:p>
+            <a:fld id="{47FAD91B-1286-412D-9CCB-5E29626FF841}" type="slidenum">
+              <a:rPr lang="en-US" smtClean="0"/>
+              <a:t>6</a:t>
+            </a:fld>
+            <a:endParaRPr lang="en-US"/>
+          </a:p>
+        </p:txBody>
+      </p:sp>
+    </p:spTree>
+    <p:extLst>
+      <p:ext uri="{BB962C8B-B14F-4D97-AF65-F5344CB8AC3E}">
+        <p14:creationId xmlns:p14="http://schemas.microsoft.com/office/powerpoint/2010/main" val="3343021658"/>
+      </p:ext>
+    </p:extLst>
+  </p:cSld>
+  <p:clrMapOvr>
+    <a:masterClrMapping/>
+  </p:clrMapOvr>
+</p:notes>
+</file>
+
+<file path=ppt/notesSlides/notesSlide7.xml><?xml version="1.0" encoding="utf-8"?>
+<p:notes xmlns:a="http://schemas.openxmlformats.org/drawingml/2006/main" xmlns:r="http://schemas.openxmlformats.org/officeDocument/2006/relationships" xmlns:p="http://schemas.openxmlformats.org/presentationml/2006/main">
+  <p:cSld>
+    <p:spTree>
+      <p:nvGrpSpPr>
+        <p:cNvPr id="1" name=""/>
+        <p:cNvGrpSpPr/>
+        <p:nvPr/>
+      </p:nvGrpSpPr>
+      <p:grpSpPr>
+        <a:xfrm>
+          <a:off x="0" y="0"/>
+          <a:ext cx="0" cy="0"/>
+          <a:chOff x="0" y="0"/>
+          <a:chExt cx="0" cy="0"/>
+        </a:xfrm>
+      </p:grpSpPr>
+      <p:sp>
+        <p:nvSpPr>
+          <p:cNvPr id="2" name="Slide Image Placeholder 1"/>
+          <p:cNvSpPr>
+            <a:spLocks noGrp="1" noRot="1" noChangeAspect="1"/>
+          </p:cNvSpPr>
+          <p:nvPr>
+            <p:ph type="sldImg"/>
+          </p:nvPr>
+        </p:nvSpPr>
+        <p:spPr/>
+      </p:sp>
+      <p:sp>
+        <p:nvSpPr>
+          <p:cNvPr id="3" name="Notes Placeholder 2"/>
+          <p:cNvSpPr>
+            <a:spLocks noGrp="1"/>
+          </p:cNvSpPr>
+          <p:nvPr>
+            <p:ph type="body" idx="1"/>
+          </p:nvPr>
+        </p:nvSpPr>
+        <p:spPr/>
+        <p:txBody>
+          <a:bodyPr/>
+          <a:lstStyle/>
+          <a:p>
+            <a:r>
+              <a:rPr lang="en-US" dirty="0"/>
+              <a:t>Qt Creator </a:t>
+            </a:r>
+            <a:r>
+              <a:rPr lang="en-US" dirty="0" err="1"/>
+              <a:t>voorstellen</a:t>
+            </a:r>
+            <a:endParaRPr lang="en-US" dirty="0"/>
+          </a:p>
+          <a:p>
+            <a:r>
+              <a:rPr lang="en-US" dirty="0"/>
+              <a:t>Hello QML </a:t>
+            </a:r>
+            <a:r>
+              <a:rPr lang="en-US" dirty="0" err="1"/>
+              <a:t>aanmaken</a:t>
+            </a:r>
+            <a:endParaRPr lang="en-US" dirty="0"/>
+          </a:p>
+          <a:p>
+            <a:endParaRPr lang="en-US" dirty="0"/>
+          </a:p>
+          <a:p>
+            <a:r>
+              <a:rPr lang="nl-NL" sz="1800" kern="100" dirty="0">
+                <a:effectLst/>
+                <a:latin typeface="Calibri" panose="020F0502020204030204" pitchFamily="34" charset="0"/>
+                <a:ea typeface="Calibri" panose="020F0502020204030204" pitchFamily="34" charset="0"/>
+                <a:cs typeface="Times New Roman" panose="02020603050405020304" pitchFamily="18" charset="0"/>
+              </a:rPr>
+              <a:t>Rectangle {</a:t>
+            </a:r>
+            <a:endParaRPr lang="en-US" sz="1800" kern="100" dirty="0">
+              <a:effectLst/>
+              <a:latin typeface="Calibri" panose="020F0502020204030204" pitchFamily="34" charset="0"/>
+              <a:ea typeface="Calibri" panose="020F0502020204030204" pitchFamily="34" charset="0"/>
+              <a:cs typeface="Times New Roman" panose="02020603050405020304" pitchFamily="18" charset="0"/>
+            </a:endParaRPr>
+          </a:p>
+          <a:p>
+            <a:r>
+              <a:rPr lang="nl-NL" sz="1800" kern="100" dirty="0">
+                <a:effectLst/>
+                <a:latin typeface="Calibri" panose="020F0502020204030204" pitchFamily="34" charset="0"/>
+                <a:ea typeface="Calibri" panose="020F0502020204030204" pitchFamily="34" charset="0"/>
+                <a:cs typeface="Times New Roman" panose="02020603050405020304" pitchFamily="18" charset="0"/>
+              </a:rPr>
+              <a:t>    anchors.fill: parent</a:t>
+            </a:r>
+            <a:endParaRPr lang="en-US" sz="1800" kern="100" dirty="0">
+              <a:effectLst/>
+              <a:latin typeface="Calibri" panose="020F0502020204030204" pitchFamily="34" charset="0"/>
+              <a:ea typeface="Calibri" panose="020F0502020204030204" pitchFamily="34" charset="0"/>
+              <a:cs typeface="Times New Roman" panose="02020603050405020304" pitchFamily="18" charset="0"/>
+            </a:endParaRPr>
+          </a:p>
+          <a:p>
+            <a:r>
+              <a:rPr lang="nl-NL" sz="1800" kern="100" dirty="0">
+                <a:effectLst/>
+                <a:latin typeface="Calibri" panose="020F0502020204030204" pitchFamily="34" charset="0"/>
+                <a:ea typeface="Calibri" panose="020F0502020204030204" pitchFamily="34" charset="0"/>
+                <a:cs typeface="Times New Roman" panose="02020603050405020304" pitchFamily="18" charset="0"/>
+              </a:rPr>
+              <a:t>    Text {</a:t>
+            </a:r>
+            <a:endParaRPr lang="en-US" sz="1800" kern="100" dirty="0">
+              <a:effectLst/>
+              <a:latin typeface="Calibri" panose="020F0502020204030204" pitchFamily="34" charset="0"/>
+              <a:ea typeface="Calibri" panose="020F0502020204030204" pitchFamily="34" charset="0"/>
+              <a:cs typeface="Times New Roman" panose="02020603050405020304" pitchFamily="18" charset="0"/>
+            </a:endParaRPr>
+          </a:p>
+          <a:p>
+            <a:r>
+              <a:rPr lang="nl-NL" sz="1800" kern="100" dirty="0">
+                <a:effectLst/>
+                <a:latin typeface="Calibri" panose="020F0502020204030204" pitchFamily="34" charset="0"/>
+                <a:ea typeface="Calibri" panose="020F0502020204030204" pitchFamily="34" charset="0"/>
+                <a:cs typeface="Times New Roman" panose="02020603050405020304" pitchFamily="18" charset="0"/>
+              </a:rPr>
+              <a:t>        anchors.centerIn: parent</a:t>
+            </a:r>
+            <a:endParaRPr lang="en-US" sz="1800" kern="100" dirty="0">
+              <a:effectLst/>
+              <a:latin typeface="Calibri" panose="020F0502020204030204" pitchFamily="34" charset="0"/>
+              <a:ea typeface="Calibri" panose="020F0502020204030204" pitchFamily="34" charset="0"/>
+              <a:cs typeface="Times New Roman" panose="02020603050405020304" pitchFamily="18" charset="0"/>
+            </a:endParaRPr>
+          </a:p>
+          <a:p>
+            <a:r>
+              <a:rPr lang="nl-NL" sz="1800" kern="100" dirty="0">
+                <a:effectLst/>
+                <a:latin typeface="Calibri" panose="020F0502020204030204" pitchFamily="34" charset="0"/>
+                <a:ea typeface="Calibri" panose="020F0502020204030204" pitchFamily="34" charset="0"/>
+                <a:cs typeface="Times New Roman" panose="02020603050405020304" pitchFamily="18" charset="0"/>
+              </a:rPr>
+              <a:t>        text: "Hello QML"</a:t>
+            </a:r>
+            <a:endParaRPr lang="en-US" sz="1800" kern="100" dirty="0">
+              <a:effectLst/>
+              <a:latin typeface="Calibri" panose="020F0502020204030204" pitchFamily="34" charset="0"/>
+              <a:ea typeface="Calibri" panose="020F0502020204030204" pitchFamily="34" charset="0"/>
+              <a:cs typeface="Times New Roman" panose="02020603050405020304" pitchFamily="18" charset="0"/>
+            </a:endParaRPr>
+          </a:p>
+          <a:p>
+            <a:r>
+              <a:rPr lang="nl-NL" sz="1800" dirty="0">
+                <a:effectLst/>
+                <a:latin typeface="Calibri" panose="020F0502020204030204" pitchFamily="34" charset="0"/>
+                <a:ea typeface="Calibri" panose="020F0502020204030204" pitchFamily="34" charset="0"/>
+                <a:cs typeface="Times New Roman" panose="02020603050405020304" pitchFamily="18" charset="0"/>
+              </a:rPr>
+              <a:t>}</a:t>
+            </a:r>
+            <a:endParaRPr lang="en-US" sz="1800" dirty="0">
+              <a:effectLst/>
+              <a:latin typeface="Calibri" panose="020F0502020204030204" pitchFamily="34" charset="0"/>
+              <a:ea typeface="Calibri" panose="020F0502020204030204" pitchFamily="34" charset="0"/>
+              <a:cs typeface="Times New Roman" panose="02020603050405020304" pitchFamily="18" charset="0"/>
+            </a:endParaRPr>
+          </a:p>
+          <a:p>
+            <a:endParaRPr lang="en-US" sz="1800" dirty="0">
+              <a:effectLst/>
+              <a:latin typeface="Calibri" panose="020F0502020204030204" pitchFamily="34" charset="0"/>
+              <a:cs typeface="Times New Roman" panose="02020603050405020304" pitchFamily="18" charset="0"/>
+            </a:endParaRPr>
+          </a:p>
+          <a:p>
+            <a:r>
+              <a:rPr lang="en-US" sz="1800" dirty="0">
+                <a:effectLst/>
+                <a:latin typeface="Calibri" panose="020F0502020204030204" pitchFamily="34" charset="0"/>
+                <a:cs typeface="Times New Roman" panose="02020603050405020304" pitchFamily="18" charset="0"/>
+              </a:rPr>
+              <a:t>Dan</a:t>
+            </a:r>
+          </a:p>
+          <a:p>
+            <a:endParaRPr lang="en-US" sz="1800" dirty="0">
+              <a:effectLst/>
+              <a:latin typeface="Calibri" panose="020F0502020204030204" pitchFamily="34" charset="0"/>
+              <a:cs typeface="Times New Roman" panose="02020603050405020304" pitchFamily="18" charset="0"/>
+            </a:endParaRPr>
+          </a:p>
+          <a:p>
+            <a:r>
+              <a:rPr lang="nl-NL" sz="1800" kern="100" dirty="0">
+                <a:effectLst/>
+                <a:latin typeface="Calibri" panose="020F0502020204030204" pitchFamily="34" charset="0"/>
+                <a:ea typeface="Calibri" panose="020F0502020204030204" pitchFamily="34" charset="0"/>
+                <a:cs typeface="Times New Roman" panose="02020603050405020304" pitchFamily="18" charset="0"/>
+              </a:rPr>
+              <a:t>Rectangle {</a:t>
+            </a:r>
+            <a:endParaRPr lang="en-US" sz="1800" kern="100" dirty="0">
+              <a:effectLst/>
+              <a:latin typeface="Calibri" panose="020F0502020204030204" pitchFamily="34" charset="0"/>
+              <a:ea typeface="Calibri" panose="020F0502020204030204" pitchFamily="34" charset="0"/>
+              <a:cs typeface="Times New Roman" panose="02020603050405020304" pitchFamily="18" charset="0"/>
+            </a:endParaRPr>
+          </a:p>
+          <a:p>
+            <a:r>
+              <a:rPr lang="nl-NL" sz="1800" kern="100" dirty="0">
+                <a:effectLst/>
+                <a:latin typeface="Calibri" panose="020F0502020204030204" pitchFamily="34" charset="0"/>
+                <a:ea typeface="Calibri" panose="020F0502020204030204" pitchFamily="34" charset="0"/>
+                <a:cs typeface="Times New Roman" panose="02020603050405020304" pitchFamily="18" charset="0"/>
+              </a:rPr>
+              <a:t>        width: 100</a:t>
+            </a:r>
+            <a:endParaRPr lang="en-US" sz="1800" kern="100" dirty="0">
+              <a:effectLst/>
+              <a:latin typeface="Calibri" panose="020F0502020204030204" pitchFamily="34" charset="0"/>
+              <a:ea typeface="Calibri" panose="020F0502020204030204" pitchFamily="34" charset="0"/>
+              <a:cs typeface="Times New Roman" panose="02020603050405020304" pitchFamily="18" charset="0"/>
+            </a:endParaRPr>
+          </a:p>
+          <a:p>
+            <a:r>
+              <a:rPr lang="nl-NL" sz="1800" kern="100" dirty="0">
+                <a:effectLst/>
+                <a:latin typeface="Calibri" panose="020F0502020204030204" pitchFamily="34" charset="0"/>
+                <a:ea typeface="Calibri" panose="020F0502020204030204" pitchFamily="34" charset="0"/>
+                <a:cs typeface="Times New Roman" panose="02020603050405020304" pitchFamily="18" charset="0"/>
+              </a:rPr>
+              <a:t>        height: 65</a:t>
+            </a:r>
+            <a:endParaRPr lang="en-US" sz="1800" kern="100" dirty="0">
+              <a:effectLst/>
+              <a:latin typeface="Calibri" panose="020F0502020204030204" pitchFamily="34" charset="0"/>
+              <a:ea typeface="Calibri" panose="020F0502020204030204" pitchFamily="34" charset="0"/>
+              <a:cs typeface="Times New Roman" panose="02020603050405020304" pitchFamily="18" charset="0"/>
+            </a:endParaRPr>
+          </a:p>
+          <a:p>
+            <a:r>
+              <a:rPr lang="nl-NL" sz="1800" kern="100" dirty="0">
+                <a:effectLst/>
+                <a:latin typeface="Calibri" panose="020F0502020204030204" pitchFamily="34" charset="0"/>
+                <a:ea typeface="Calibri" panose="020F0502020204030204" pitchFamily="34" charset="0"/>
+                <a:cs typeface="Times New Roman" panose="02020603050405020304" pitchFamily="18" charset="0"/>
+              </a:rPr>
+              <a:t>        color: "#f0f0f0"</a:t>
+            </a:r>
+            <a:endParaRPr lang="en-US" sz="1800" kern="100" dirty="0">
+              <a:effectLst/>
+              <a:latin typeface="Calibri" panose="020F0502020204030204" pitchFamily="34" charset="0"/>
+              <a:ea typeface="Calibri" panose="020F0502020204030204" pitchFamily="34" charset="0"/>
+              <a:cs typeface="Times New Roman" panose="02020603050405020304" pitchFamily="18" charset="0"/>
+            </a:endParaRPr>
+          </a:p>
+          <a:p>
+            <a:r>
+              <a:rPr lang="nl-NL" sz="1800" kern="100" dirty="0">
+                <a:effectLst/>
+                <a:latin typeface="Calibri" panose="020F0502020204030204" pitchFamily="34" charset="0"/>
+                <a:ea typeface="Calibri" panose="020F0502020204030204" pitchFamily="34" charset="0"/>
+                <a:cs typeface="Times New Roman" panose="02020603050405020304" pitchFamily="18" charset="0"/>
+              </a:rPr>
+              <a:t>        anchors.centerIn: parent</a:t>
+            </a:r>
+            <a:endParaRPr lang="en-US" sz="1800" kern="100" dirty="0">
+              <a:effectLst/>
+              <a:latin typeface="Calibri" panose="020F0502020204030204" pitchFamily="34" charset="0"/>
+              <a:ea typeface="Calibri" panose="020F0502020204030204" pitchFamily="34" charset="0"/>
+              <a:cs typeface="Times New Roman" panose="02020603050405020304" pitchFamily="18" charset="0"/>
+            </a:endParaRPr>
+          </a:p>
+          <a:p>
+            <a:r>
+              <a:rPr lang="nl-NL" sz="1800" kern="100" dirty="0">
+                <a:effectLst/>
+                <a:latin typeface="Calibri" panose="020F0502020204030204" pitchFamily="34" charset="0"/>
+                <a:ea typeface="Calibri" panose="020F0502020204030204" pitchFamily="34" charset="0"/>
+                <a:cs typeface="Times New Roman" panose="02020603050405020304" pitchFamily="18" charset="0"/>
+              </a:rPr>
+              <a:t>        Text {</a:t>
+            </a:r>
+            <a:endParaRPr lang="en-US" sz="1800" kern="100" dirty="0">
+              <a:effectLst/>
+              <a:latin typeface="Calibri" panose="020F0502020204030204" pitchFamily="34" charset="0"/>
+              <a:ea typeface="Calibri" panose="020F0502020204030204" pitchFamily="34" charset="0"/>
+              <a:cs typeface="Times New Roman" panose="02020603050405020304" pitchFamily="18" charset="0"/>
+            </a:endParaRPr>
+          </a:p>
+          <a:p>
+            <a:r>
+              <a:rPr lang="nl-NL" sz="1800" kern="100" dirty="0">
+                <a:effectLst/>
+                <a:latin typeface="Calibri" panose="020F0502020204030204" pitchFamily="34" charset="0"/>
+                <a:ea typeface="Calibri" panose="020F0502020204030204" pitchFamily="34" charset="0"/>
+                <a:cs typeface="Times New Roman" panose="02020603050405020304" pitchFamily="18" charset="0"/>
+              </a:rPr>
+              <a:t>            anchors.centerIn: parent</a:t>
+            </a:r>
+            <a:endParaRPr lang="en-US" sz="1800" kern="100" dirty="0">
+              <a:effectLst/>
+              <a:latin typeface="Calibri" panose="020F0502020204030204" pitchFamily="34" charset="0"/>
+              <a:ea typeface="Calibri" panose="020F0502020204030204" pitchFamily="34" charset="0"/>
+              <a:cs typeface="Times New Roman" panose="02020603050405020304" pitchFamily="18" charset="0"/>
+            </a:endParaRPr>
+          </a:p>
+          <a:p>
+            <a:r>
+              <a:rPr lang="nl-NL" sz="1800" kern="100" dirty="0">
+                <a:effectLst/>
+                <a:latin typeface="Calibri" panose="020F0502020204030204" pitchFamily="34" charset="0"/>
+                <a:ea typeface="Calibri" panose="020F0502020204030204" pitchFamily="34" charset="0"/>
+                <a:cs typeface="Times New Roman" panose="02020603050405020304" pitchFamily="18" charset="0"/>
+              </a:rPr>
+              <a:t>            text: "Hello QML"</a:t>
+            </a:r>
+            <a:endParaRPr lang="en-US" sz="1800" kern="100" dirty="0">
+              <a:effectLst/>
+              <a:latin typeface="Calibri" panose="020F0502020204030204" pitchFamily="34" charset="0"/>
+              <a:ea typeface="Calibri" panose="020F0502020204030204" pitchFamily="34" charset="0"/>
+              <a:cs typeface="Times New Roman" panose="02020603050405020304" pitchFamily="18" charset="0"/>
+            </a:endParaRPr>
+          </a:p>
+          <a:p>
+            <a:r>
+              <a:rPr lang="nl-NL" sz="1800" kern="100" dirty="0">
+                <a:effectLst/>
+                <a:latin typeface="Calibri" panose="020F0502020204030204" pitchFamily="34" charset="0"/>
+                <a:ea typeface="Calibri" panose="020F0502020204030204" pitchFamily="34" charset="0"/>
+                <a:cs typeface="Times New Roman" panose="02020603050405020304" pitchFamily="18" charset="0"/>
+              </a:rPr>
+              <a:t>        }</a:t>
+            </a:r>
+            <a:endParaRPr lang="en-US" sz="1800" kern="100" dirty="0">
+              <a:effectLst/>
+              <a:latin typeface="Calibri" panose="020F0502020204030204" pitchFamily="34" charset="0"/>
+              <a:ea typeface="Calibri" panose="020F0502020204030204" pitchFamily="34" charset="0"/>
+              <a:cs typeface="Times New Roman" panose="02020603050405020304" pitchFamily="18" charset="0"/>
+            </a:endParaRPr>
+          </a:p>
+          <a:p>
+            <a:r>
+              <a:rPr lang="nl-NL" sz="1800" dirty="0">
+                <a:effectLst/>
+                <a:latin typeface="Calibri" panose="020F0502020204030204" pitchFamily="34" charset="0"/>
+                <a:ea typeface="Calibri" panose="020F0502020204030204" pitchFamily="34" charset="0"/>
+                <a:cs typeface="Times New Roman" panose="02020603050405020304" pitchFamily="18" charset="0"/>
+              </a:rPr>
+              <a:t>    }</a:t>
+            </a:r>
+            <a:endParaRPr lang="en-US" dirty="0"/>
+          </a:p>
+        </p:txBody>
+      </p:sp>
+      <p:sp>
+        <p:nvSpPr>
+          <p:cNvPr id="4" name="Slide Number Placeholder 3"/>
+          <p:cNvSpPr>
+            <a:spLocks noGrp="1"/>
+          </p:cNvSpPr>
+          <p:nvPr>
+            <p:ph type="sldNum" sz="quarter" idx="5"/>
+          </p:nvPr>
+        </p:nvSpPr>
+        <p:spPr/>
+        <p:txBody>
+          <a:bodyPr/>
+          <a:lstStyle/>
+          <a:p>
+            <a:fld id="{47FAD91B-1286-412D-9CCB-5E29626FF841}" type="slidenum">
+              <a:rPr lang="en-US" smtClean="0"/>
               <a:t>7</a:t>
             </a:fld>
             <a:endParaRPr lang="en-US"/>
@@ -1593,7 +1798,7 @@
 </p:notes>
 </file>
 
-<file path=ppt/notesSlides/notesSlide6.xml><?xml version="1.0" encoding="utf-8"?>
+<file path=ppt/notesSlides/notesSlide8.xml><?xml version="1.0" encoding="utf-8"?>
 <p:notes xmlns:a="http://schemas.openxmlformats.org/drawingml/2006/main" xmlns:r="http://schemas.openxmlformats.org/officeDocument/2006/relationships" xmlns:p="http://schemas.openxmlformats.org/presentationml/2006/main">
   <p:cSld>
     <p:spTree>
@@ -2283,7 +2488,7 @@
           <a:p>
             <a:fld id="{D6D0F569-AC90-44EB-9EF4-4E5C2F5D823C}" type="datetime1">
               <a:rPr lang="en-US" smtClean="0"/>
-              <a:t>6/13/23</a:t>
+              <a:t>6/15/23</a:t>
             </a:fld>
             <a:endParaRPr lang="en-US" dirty="0"/>
           </a:p>
@@ -2962,7 +3167,7 @@
           <a:p>
             <a:fld id="{46BA7D41-E8B7-4A0B-B861-3EC4AE88917D}" type="datetime1">
               <a:rPr lang="en-US" smtClean="0"/>
-              <a:t>6/13/23</a:t>
+              <a:t>6/15/23</a:t>
             </a:fld>
             <a:endParaRPr lang="en-US" dirty="0"/>
           </a:p>
@@ -3651,7 +3856,7 @@
           <a:p>
             <a:fld id="{A7C34823-0B19-4B4E-A643-7A3B0A3D24D6}" type="datetime1">
               <a:rPr lang="en-US" smtClean="0"/>
-              <a:t>6/13/23</a:t>
+              <a:t>6/15/23</a:t>
             </a:fld>
             <a:endParaRPr lang="en-US" dirty="0"/>
           </a:p>
@@ -4333,7 +4538,7 @@
           <a:p>
             <a:fld id="{8C2D79EF-17C8-45D8-9866-DAF5723FC604}" type="datetime1">
               <a:rPr lang="en-US" smtClean="0"/>
-              <a:t>6/13/23</a:t>
+              <a:t>6/15/23</a:t>
             </a:fld>
             <a:endParaRPr lang="en-US" dirty="0"/>
           </a:p>
@@ -5088,7 +5293,7 @@
           <a:p>
             <a:fld id="{DFFC2ADC-3680-4013-A757-E4663495DB98}" type="datetime1">
               <a:rPr lang="en-US" smtClean="0"/>
-              <a:t>6/13/23</a:t>
+              <a:t>6/15/23</a:t>
             </a:fld>
             <a:endParaRPr lang="en-US" dirty="0"/>
           </a:p>
@@ -5835,7 +6040,7 @@
           <a:p>
             <a:fld id="{4751BA94-5DCA-4F19-960F-0FB2BD5EE85A}" type="datetime1">
               <a:rPr lang="en-US" smtClean="0"/>
-              <a:t>6/13/23</a:t>
+              <a:t>6/15/23</a:t>
             </a:fld>
             <a:endParaRPr lang="en-US" dirty="0"/>
           </a:p>
@@ -6729,7 +6934,7 @@
           <a:p>
             <a:fld id="{01BED947-38D9-44AC-8B89-E79758333B77}" type="datetime1">
               <a:rPr lang="en-US" smtClean="0"/>
-              <a:t>6/13/23</a:t>
+              <a:t>6/15/23</a:t>
             </a:fld>
             <a:endParaRPr lang="en-US" dirty="0"/>
           </a:p>
@@ -7350,7 +7555,7 @@
           <a:p>
             <a:fld id="{3781E23F-BD3C-4F23-B116-2B758120C8AC}" type="datetime1">
               <a:rPr lang="en-US" smtClean="0"/>
-              <a:t>6/13/23</a:t>
+              <a:t>6/15/23</a:t>
             </a:fld>
             <a:endParaRPr lang="en-US" dirty="0"/>
           </a:p>
@@ -7942,7 +8147,7 @@
           <a:p>
             <a:fld id="{473CFAA9-6D59-4D98-869E-ACBDB83B2CA4}" type="datetime1">
               <a:rPr lang="en-US" smtClean="0"/>
-              <a:t>6/13/23</a:t>
+              <a:t>6/15/23</a:t>
             </a:fld>
             <a:endParaRPr lang="en-US"/>
           </a:p>
@@ -8734,7 +8939,7 @@
           <a:p>
             <a:fld id="{DC410804-27E3-430A-BB42-B831260DE39A}" type="datetime1">
               <a:rPr lang="en-US" smtClean="0"/>
-              <a:t>6/13/23</a:t>
+              <a:t>6/15/23</a:t>
             </a:fld>
             <a:endParaRPr lang="en-US" dirty="0"/>
           </a:p>
@@ -9505,7 +9710,7 @@
           <a:p>
             <a:fld id="{60E22DE3-3D1A-4D53-B9A6-6C7463B8C992}" type="datetime1">
               <a:rPr lang="en-US" smtClean="0"/>
-              <a:t>6/13/23</a:t>
+              <a:t>6/15/23</a:t>
             </a:fld>
             <a:endParaRPr lang="en-US" dirty="0"/>
           </a:p>
@@ -9816,7 +10021,7 @@
             <a:fld id="{5ECD8B30-1B71-45A1-8314-D59C86F581E1}" type="datetime1">
               <a:rPr lang="en-US" smtClean="0"/>
               <a:pPr/>
-              <a:t>6/13/23</a:t>
+              <a:t>6/15/23</a:t>
             </a:fld>
             <a:endParaRPr lang="en-US" b="1" dirty="0"/>
           </a:p>
